--- a/docs/socket.programings.pptx
+++ b/docs/socket.programings.pptx
@@ -6,7 +6,7 @@
     <p:sldMasterId id="2147483732" r:id="rId2"/>
   </p:sldMasterIdLst>
   <p:notesMasterIdLst>
-    <p:notesMasterId r:id="rId9"/>
+    <p:notesMasterId r:id="rId14"/>
   </p:notesMasterIdLst>
   <p:sldIdLst>
     <p:sldId id="256" r:id="rId3"/>
@@ -15,6 +15,11 @@
     <p:sldId id="787" r:id="rId6"/>
     <p:sldId id="788" r:id="rId7"/>
     <p:sldId id="789" r:id="rId8"/>
+    <p:sldId id="790" r:id="rId9"/>
+    <p:sldId id="791" r:id="rId10"/>
+    <p:sldId id="792" r:id="rId11"/>
+    <p:sldId id="794" r:id="rId12"/>
+    <p:sldId id="793" r:id="rId13"/>
   </p:sldIdLst>
   <p:sldSz cx="9906000" cy="6858000" type="A4"/>
   <p:notesSz cx="7010400" cy="9296400"/>
@@ -8509,6 +8514,2401 @@
 </p:sld>
 </file>
 
+<file path=ppt/slides/slide10.xml><?xml version="1.0" encoding="utf-8"?>
+<p:sld xmlns:a="http://schemas.openxmlformats.org/drawingml/2006/main" xmlns:r="http://schemas.openxmlformats.org/officeDocument/2006/relationships" xmlns:p="http://schemas.openxmlformats.org/presentationml/2006/main">
+  <p:cSld>
+    <p:spTree>
+      <p:nvGrpSpPr>
+        <p:cNvPr id="1" name=""/>
+        <p:cNvGrpSpPr/>
+        <p:nvPr/>
+      </p:nvGrpSpPr>
+      <p:grpSpPr>
+        <a:xfrm>
+          <a:off x="0" y="0"/>
+          <a:ext cx="0" cy="0"/>
+          <a:chOff x="0" y="0"/>
+          <a:chExt cx="0" cy="0"/>
+        </a:xfrm>
+      </p:grpSpPr>
+      <p:sp>
+        <p:nvSpPr>
+          <p:cNvPr id="3" name="Title 2">
+            <a:extLst>
+              <a:ext uri="{FF2B5EF4-FFF2-40B4-BE49-F238E27FC236}">
+                <a16:creationId xmlns:a16="http://schemas.microsoft.com/office/drawing/2014/main" id="{12221E77-9EB6-4784-9966-605692DCEACA}"/>
+              </a:ext>
+            </a:extLst>
+          </p:cNvPr>
+          <p:cNvSpPr>
+            <a:spLocks noGrp="1"/>
+          </p:cNvSpPr>
+          <p:nvPr>
+            <p:ph type="title"/>
+          </p:nvPr>
+        </p:nvSpPr>
+        <p:spPr/>
+        <p:txBody>
+          <a:bodyPr/>
+          <a:lstStyle/>
+          <a:p>
+            <a:r>
+              <a:rPr lang="en-US" altLang="ko-KR" dirty="0"/>
+              <a:t>Graph</a:t>
+            </a:r>
+            <a:endParaRPr lang="ko-KR" altLang="en-US" dirty="0"/>
+          </a:p>
+        </p:txBody>
+      </p:sp>
+      <p:sp>
+        <p:nvSpPr>
+          <p:cNvPr id="4" name="Slide Number Placeholder 3">
+            <a:extLst>
+              <a:ext uri="{FF2B5EF4-FFF2-40B4-BE49-F238E27FC236}">
+                <a16:creationId xmlns:a16="http://schemas.microsoft.com/office/drawing/2014/main" id="{09245503-33CA-4213-9D8E-FA845344FA1A}"/>
+              </a:ext>
+            </a:extLst>
+          </p:cNvPr>
+          <p:cNvSpPr>
+            <a:spLocks noGrp="1"/>
+          </p:cNvSpPr>
+          <p:nvPr>
+            <p:ph type="sldNum" sz="quarter" idx="11"/>
+          </p:nvPr>
+        </p:nvSpPr>
+        <p:spPr/>
+        <p:txBody>
+          <a:bodyPr/>
+          <a:lstStyle/>
+          <a:p>
+            <a:pPr>
+              <a:defRPr/>
+            </a:pPr>
+            <a:fld id="{7585D841-3058-4BFE-8F4A-3303B3707F0A}" type="slidenum">
+              <a:rPr lang="en-US" altLang="ko-KR" smtClean="0"/>
+              <a:pPr>
+                <a:defRPr/>
+              </a:pPr>
+              <a:t>9</a:t>
+            </a:fld>
+            <a:endParaRPr lang="en-US" altLang="ko-KR"/>
+          </a:p>
+        </p:txBody>
+      </p:sp>
+      <p:sp>
+        <p:nvSpPr>
+          <p:cNvPr id="5" name="Rectangle 4">
+            <a:extLst>
+              <a:ext uri="{FF2B5EF4-FFF2-40B4-BE49-F238E27FC236}">
+                <a16:creationId xmlns:a16="http://schemas.microsoft.com/office/drawing/2014/main" id="{BF5B196D-2A69-49BF-9D7C-770D56E9AFCA}"/>
+              </a:ext>
+            </a:extLst>
+          </p:cNvPr>
+          <p:cNvSpPr/>
+          <p:nvPr/>
+        </p:nvSpPr>
+        <p:spPr bwMode="auto">
+          <a:xfrm>
+            <a:off x="4038600" y="1600200"/>
+            <a:ext cx="1214888" cy="1025525"/>
+          </a:xfrm>
+          <a:prstGeom prst="rect">
+            <a:avLst/>
+          </a:prstGeom>
+          <a:solidFill>
+            <a:schemeClr val="bg1"/>
+          </a:solidFill>
+          <a:ln w="19050" cap="flat" cmpd="sng" algn="ctr">
+            <a:solidFill>
+              <a:schemeClr val="tx1"/>
+            </a:solidFill>
+            <a:prstDash val="solid"/>
+            <a:round/>
+            <a:headEnd type="none" w="lg" len="lg"/>
+            <a:tailEnd type="none" w="lg" len="lg"/>
+          </a:ln>
+          <a:effectLst/>
+        </p:spPr>
+        <p:txBody>
+          <a:bodyPr vert="horz" wrap="none" lIns="91440" tIns="45720" rIns="91440" bIns="45720" numCol="1" rtlCol="0" anchor="ctr" anchorCtr="0" compatLnSpc="1">
+            <a:prstTxWarp prst="textNoShape">
+              <a:avLst/>
+            </a:prstTxWarp>
+          </a:bodyPr>
+          <a:lstStyle/>
+          <a:p>
+            <a:pPr marL="0" marR="0" indent="0" algn="l" defTabSz="914400" rtl="0" eaLnBrk="0" fontAlgn="base" latinLnBrk="0" hangingPunct="0">
+              <a:lnSpc>
+                <a:spcPct val="100000"/>
+              </a:lnSpc>
+              <a:spcBef>
+                <a:spcPct val="0"/>
+              </a:spcBef>
+              <a:spcAft>
+                <a:spcPct val="0"/>
+              </a:spcAft>
+              <a:buClrTx/>
+              <a:buSzTx/>
+              <a:buFontTx/>
+              <a:buNone/>
+              <a:tabLst/>
+            </a:pPr>
+            <a:endParaRPr kumimoji="0" lang="ko-KR" altLang="en-US" sz="1800" b="0" i="0" u="none" strike="noStrike" cap="none" normalizeH="0" baseline="0">
+              <a:ln>
+                <a:noFill/>
+              </a:ln>
+              <a:solidFill>
+                <a:schemeClr val="tx1"/>
+              </a:solidFill>
+              <a:effectLst/>
+              <a:latin typeface="Arial" pitchFamily="34" charset="0"/>
+              <a:ea typeface="굴림" pitchFamily="50" charset="-127"/>
+            </a:endParaRPr>
+          </a:p>
+        </p:txBody>
+      </p:sp>
+      <p:sp>
+        <p:nvSpPr>
+          <p:cNvPr id="16" name="Rectangle 15">
+            <a:extLst>
+              <a:ext uri="{FF2B5EF4-FFF2-40B4-BE49-F238E27FC236}">
+                <a16:creationId xmlns:a16="http://schemas.microsoft.com/office/drawing/2014/main" id="{72C4A2C3-8ADF-452A-8499-176EDE5034A5}"/>
+              </a:ext>
+            </a:extLst>
+          </p:cNvPr>
+          <p:cNvSpPr/>
+          <p:nvPr/>
+        </p:nvSpPr>
+        <p:spPr bwMode="auto">
+          <a:xfrm>
+            <a:off x="4038600" y="2164213"/>
+            <a:ext cx="304800" cy="461512"/>
+          </a:xfrm>
+          <a:prstGeom prst="rect">
+            <a:avLst/>
+          </a:prstGeom>
+          <a:solidFill>
+            <a:schemeClr val="bg1"/>
+          </a:solidFill>
+          <a:ln w="19050" cap="flat" cmpd="sng" algn="ctr">
+            <a:solidFill>
+              <a:schemeClr val="tx1"/>
+            </a:solidFill>
+            <a:prstDash val="solid"/>
+            <a:round/>
+            <a:headEnd type="none" w="lg" len="lg"/>
+            <a:tailEnd type="none" w="lg" len="lg"/>
+          </a:ln>
+          <a:effectLst/>
+        </p:spPr>
+        <p:txBody>
+          <a:bodyPr vert="horz" wrap="none" lIns="91440" tIns="45720" rIns="91440" bIns="45720" numCol="1" rtlCol="0" anchor="ctr" anchorCtr="0" compatLnSpc="1">
+            <a:prstTxWarp prst="textNoShape">
+              <a:avLst/>
+            </a:prstTxWarp>
+          </a:bodyPr>
+          <a:lstStyle/>
+          <a:p>
+            <a:pPr marL="0" marR="0" indent="0" algn="l" defTabSz="914400" rtl="0" eaLnBrk="0" fontAlgn="base" latinLnBrk="0" hangingPunct="0">
+              <a:lnSpc>
+                <a:spcPct val="100000"/>
+              </a:lnSpc>
+              <a:spcBef>
+                <a:spcPct val="0"/>
+              </a:spcBef>
+              <a:spcAft>
+                <a:spcPct val="0"/>
+              </a:spcAft>
+              <a:buClrTx/>
+              <a:buSzTx/>
+              <a:buFontTx/>
+              <a:buNone/>
+              <a:tabLst/>
+            </a:pPr>
+            <a:endParaRPr kumimoji="0" lang="ko-KR" altLang="en-US" sz="1800" b="0" i="0" u="none" strike="noStrike" cap="none" normalizeH="0" baseline="0">
+              <a:ln>
+                <a:noFill/>
+              </a:ln>
+              <a:solidFill>
+                <a:schemeClr val="tx1"/>
+              </a:solidFill>
+              <a:effectLst/>
+              <a:latin typeface="Arial" pitchFamily="34" charset="0"/>
+              <a:ea typeface="굴림" pitchFamily="50" charset="-127"/>
+            </a:endParaRPr>
+          </a:p>
+        </p:txBody>
+      </p:sp>
+      <p:sp>
+        <p:nvSpPr>
+          <p:cNvPr id="27" name="Rectangle 26">
+            <a:extLst>
+              <a:ext uri="{FF2B5EF4-FFF2-40B4-BE49-F238E27FC236}">
+                <a16:creationId xmlns:a16="http://schemas.microsoft.com/office/drawing/2014/main" id="{0C72F672-FAF8-4FA5-95F5-4DC31976EB73}"/>
+              </a:ext>
+            </a:extLst>
+          </p:cNvPr>
+          <p:cNvSpPr/>
+          <p:nvPr/>
+        </p:nvSpPr>
+        <p:spPr bwMode="auto">
+          <a:xfrm>
+            <a:off x="4343400" y="2164213"/>
+            <a:ext cx="304800" cy="461512"/>
+          </a:xfrm>
+          <a:prstGeom prst="rect">
+            <a:avLst/>
+          </a:prstGeom>
+          <a:solidFill>
+            <a:schemeClr val="bg1"/>
+          </a:solidFill>
+          <a:ln w="19050" cap="flat" cmpd="sng" algn="ctr">
+            <a:solidFill>
+              <a:schemeClr val="tx1"/>
+            </a:solidFill>
+            <a:prstDash val="solid"/>
+            <a:round/>
+            <a:headEnd type="none" w="lg" len="lg"/>
+            <a:tailEnd type="none" w="lg" len="lg"/>
+          </a:ln>
+          <a:effectLst/>
+        </p:spPr>
+        <p:txBody>
+          <a:bodyPr vert="horz" wrap="none" lIns="91440" tIns="45720" rIns="91440" bIns="45720" numCol="1" rtlCol="0" anchor="ctr" anchorCtr="0" compatLnSpc="1">
+            <a:prstTxWarp prst="textNoShape">
+              <a:avLst/>
+            </a:prstTxWarp>
+          </a:bodyPr>
+          <a:lstStyle/>
+          <a:p>
+            <a:pPr marL="0" marR="0" indent="0" algn="l" defTabSz="914400" rtl="0" eaLnBrk="0" fontAlgn="base" latinLnBrk="0" hangingPunct="0">
+              <a:lnSpc>
+                <a:spcPct val="100000"/>
+              </a:lnSpc>
+              <a:spcBef>
+                <a:spcPct val="0"/>
+              </a:spcBef>
+              <a:spcAft>
+                <a:spcPct val="0"/>
+              </a:spcAft>
+              <a:buClrTx/>
+              <a:buSzTx/>
+              <a:buFontTx/>
+              <a:buNone/>
+              <a:tabLst/>
+            </a:pPr>
+            <a:endParaRPr kumimoji="0" lang="ko-KR" altLang="en-US" sz="1800" b="0" i="0" u="none" strike="noStrike" cap="none" normalizeH="0" baseline="0">
+              <a:ln>
+                <a:noFill/>
+              </a:ln>
+              <a:solidFill>
+                <a:schemeClr val="tx1"/>
+              </a:solidFill>
+              <a:effectLst/>
+              <a:latin typeface="Arial" pitchFamily="34" charset="0"/>
+              <a:ea typeface="굴림" pitchFamily="50" charset="-127"/>
+            </a:endParaRPr>
+          </a:p>
+        </p:txBody>
+      </p:sp>
+      <p:sp>
+        <p:nvSpPr>
+          <p:cNvPr id="28" name="Rectangle 27">
+            <a:extLst>
+              <a:ext uri="{FF2B5EF4-FFF2-40B4-BE49-F238E27FC236}">
+                <a16:creationId xmlns:a16="http://schemas.microsoft.com/office/drawing/2014/main" id="{EF4167B5-7D4D-458A-BF40-394AD44B9E7D}"/>
+              </a:ext>
+            </a:extLst>
+          </p:cNvPr>
+          <p:cNvSpPr/>
+          <p:nvPr/>
+        </p:nvSpPr>
+        <p:spPr bwMode="auto">
+          <a:xfrm>
+            <a:off x="4638136" y="2164213"/>
+            <a:ext cx="304800" cy="461512"/>
+          </a:xfrm>
+          <a:prstGeom prst="rect">
+            <a:avLst/>
+          </a:prstGeom>
+          <a:solidFill>
+            <a:schemeClr val="bg1"/>
+          </a:solidFill>
+          <a:ln w="19050" cap="flat" cmpd="sng" algn="ctr">
+            <a:solidFill>
+              <a:schemeClr val="tx1"/>
+            </a:solidFill>
+            <a:prstDash val="solid"/>
+            <a:round/>
+            <a:headEnd type="none" w="lg" len="lg"/>
+            <a:tailEnd type="none" w="lg" len="lg"/>
+          </a:ln>
+          <a:effectLst/>
+        </p:spPr>
+        <p:txBody>
+          <a:bodyPr vert="horz" wrap="none" lIns="91440" tIns="45720" rIns="91440" bIns="45720" numCol="1" rtlCol="0" anchor="ctr" anchorCtr="0" compatLnSpc="1">
+            <a:prstTxWarp prst="textNoShape">
+              <a:avLst/>
+            </a:prstTxWarp>
+          </a:bodyPr>
+          <a:lstStyle/>
+          <a:p>
+            <a:pPr marL="0" marR="0" indent="0" algn="l" defTabSz="914400" rtl="0" eaLnBrk="0" fontAlgn="base" latinLnBrk="0" hangingPunct="0">
+              <a:lnSpc>
+                <a:spcPct val="100000"/>
+              </a:lnSpc>
+              <a:spcBef>
+                <a:spcPct val="0"/>
+              </a:spcBef>
+              <a:spcAft>
+                <a:spcPct val="0"/>
+              </a:spcAft>
+              <a:buClrTx/>
+              <a:buSzTx/>
+              <a:buFontTx/>
+              <a:buNone/>
+              <a:tabLst/>
+            </a:pPr>
+            <a:endParaRPr kumimoji="0" lang="ko-KR" altLang="en-US" sz="1800" b="0" i="0" u="none" strike="noStrike" cap="none" normalizeH="0" baseline="0">
+              <a:ln>
+                <a:noFill/>
+              </a:ln>
+              <a:solidFill>
+                <a:schemeClr val="tx1"/>
+              </a:solidFill>
+              <a:effectLst/>
+              <a:latin typeface="Arial" pitchFamily="34" charset="0"/>
+              <a:ea typeface="굴림" pitchFamily="50" charset="-127"/>
+            </a:endParaRPr>
+          </a:p>
+        </p:txBody>
+      </p:sp>
+      <p:sp>
+        <p:nvSpPr>
+          <p:cNvPr id="29" name="Rectangle 28">
+            <a:extLst>
+              <a:ext uri="{FF2B5EF4-FFF2-40B4-BE49-F238E27FC236}">
+                <a16:creationId xmlns:a16="http://schemas.microsoft.com/office/drawing/2014/main" id="{732EE4C7-0288-4B9E-A391-C62314E1EB41}"/>
+              </a:ext>
+            </a:extLst>
+          </p:cNvPr>
+          <p:cNvSpPr/>
+          <p:nvPr/>
+        </p:nvSpPr>
+        <p:spPr bwMode="auto">
+          <a:xfrm>
+            <a:off x="4932872" y="2164213"/>
+            <a:ext cx="304800" cy="461512"/>
+          </a:xfrm>
+          <a:prstGeom prst="rect">
+            <a:avLst/>
+          </a:prstGeom>
+          <a:solidFill>
+            <a:schemeClr val="bg1"/>
+          </a:solidFill>
+          <a:ln w="19050" cap="flat" cmpd="sng" algn="ctr">
+            <a:solidFill>
+              <a:schemeClr val="tx1"/>
+            </a:solidFill>
+            <a:prstDash val="solid"/>
+            <a:round/>
+            <a:headEnd type="none" w="lg" len="lg"/>
+            <a:tailEnd type="none" w="lg" len="lg"/>
+          </a:ln>
+          <a:effectLst/>
+        </p:spPr>
+        <p:txBody>
+          <a:bodyPr vert="horz" wrap="none" lIns="91440" tIns="45720" rIns="91440" bIns="45720" numCol="1" rtlCol="0" anchor="ctr" anchorCtr="0" compatLnSpc="1">
+            <a:prstTxWarp prst="textNoShape">
+              <a:avLst/>
+            </a:prstTxWarp>
+          </a:bodyPr>
+          <a:lstStyle/>
+          <a:p>
+            <a:pPr marL="0" marR="0" indent="0" algn="l" defTabSz="914400" rtl="0" eaLnBrk="0" fontAlgn="base" latinLnBrk="0" hangingPunct="0">
+              <a:lnSpc>
+                <a:spcPct val="100000"/>
+              </a:lnSpc>
+              <a:spcBef>
+                <a:spcPct val="0"/>
+              </a:spcBef>
+              <a:spcAft>
+                <a:spcPct val="0"/>
+              </a:spcAft>
+              <a:buClrTx/>
+              <a:buSzTx/>
+              <a:buFontTx/>
+              <a:buNone/>
+              <a:tabLst/>
+            </a:pPr>
+            <a:endParaRPr kumimoji="0" lang="ko-KR" altLang="en-US" sz="1800" b="0" i="0" u="none" strike="noStrike" cap="none" normalizeH="0" baseline="0">
+              <a:ln>
+                <a:noFill/>
+              </a:ln>
+              <a:solidFill>
+                <a:schemeClr val="tx1"/>
+              </a:solidFill>
+              <a:effectLst/>
+              <a:latin typeface="Arial" pitchFamily="34" charset="0"/>
+              <a:ea typeface="굴림" pitchFamily="50" charset="-127"/>
+            </a:endParaRPr>
+          </a:p>
+        </p:txBody>
+      </p:sp>
+      <p:sp>
+        <p:nvSpPr>
+          <p:cNvPr id="30" name="Rectangle 29">
+            <a:extLst>
+              <a:ext uri="{FF2B5EF4-FFF2-40B4-BE49-F238E27FC236}">
+                <a16:creationId xmlns:a16="http://schemas.microsoft.com/office/drawing/2014/main" id="{53DB88E8-7E44-4A72-9B57-58927A89C93B}"/>
+              </a:ext>
+            </a:extLst>
+          </p:cNvPr>
+          <p:cNvSpPr/>
+          <p:nvPr/>
+        </p:nvSpPr>
+        <p:spPr bwMode="auto">
+          <a:xfrm>
+            <a:off x="2823712" y="3429000"/>
+            <a:ext cx="1214888" cy="1025525"/>
+          </a:xfrm>
+          <a:prstGeom prst="rect">
+            <a:avLst/>
+          </a:prstGeom>
+          <a:solidFill>
+            <a:schemeClr val="bg1"/>
+          </a:solidFill>
+          <a:ln w="19050" cap="flat" cmpd="sng" algn="ctr">
+            <a:solidFill>
+              <a:schemeClr val="tx1"/>
+            </a:solidFill>
+            <a:prstDash val="solid"/>
+            <a:round/>
+            <a:headEnd type="none" w="lg" len="lg"/>
+            <a:tailEnd type="none" w="lg" len="lg"/>
+          </a:ln>
+          <a:effectLst/>
+        </p:spPr>
+        <p:txBody>
+          <a:bodyPr vert="horz" wrap="none" lIns="91440" tIns="45720" rIns="91440" bIns="45720" numCol="1" rtlCol="0" anchor="ctr" anchorCtr="0" compatLnSpc="1">
+            <a:prstTxWarp prst="textNoShape">
+              <a:avLst/>
+            </a:prstTxWarp>
+          </a:bodyPr>
+          <a:lstStyle/>
+          <a:p>
+            <a:pPr marL="0" marR="0" indent="0" algn="l" defTabSz="914400" rtl="0" eaLnBrk="0" fontAlgn="base" latinLnBrk="0" hangingPunct="0">
+              <a:lnSpc>
+                <a:spcPct val="100000"/>
+              </a:lnSpc>
+              <a:spcBef>
+                <a:spcPct val="0"/>
+              </a:spcBef>
+              <a:spcAft>
+                <a:spcPct val="0"/>
+              </a:spcAft>
+              <a:buClrTx/>
+              <a:buSzTx/>
+              <a:buFontTx/>
+              <a:buNone/>
+              <a:tabLst/>
+            </a:pPr>
+            <a:endParaRPr kumimoji="0" lang="ko-KR" altLang="en-US" sz="1800" b="0" i="0" u="none" strike="noStrike" cap="none" normalizeH="0" baseline="0">
+              <a:ln>
+                <a:noFill/>
+              </a:ln>
+              <a:solidFill>
+                <a:schemeClr val="tx1"/>
+              </a:solidFill>
+              <a:effectLst/>
+              <a:latin typeface="Arial" pitchFamily="34" charset="0"/>
+              <a:ea typeface="굴림" pitchFamily="50" charset="-127"/>
+            </a:endParaRPr>
+          </a:p>
+        </p:txBody>
+      </p:sp>
+      <p:sp>
+        <p:nvSpPr>
+          <p:cNvPr id="31" name="Rectangle 30">
+            <a:extLst>
+              <a:ext uri="{FF2B5EF4-FFF2-40B4-BE49-F238E27FC236}">
+                <a16:creationId xmlns:a16="http://schemas.microsoft.com/office/drawing/2014/main" id="{DDEB0457-F458-4437-8F8C-EA4900E68464}"/>
+              </a:ext>
+            </a:extLst>
+          </p:cNvPr>
+          <p:cNvSpPr/>
+          <p:nvPr/>
+        </p:nvSpPr>
+        <p:spPr bwMode="auto">
+          <a:xfrm>
+            <a:off x="2823712" y="3993013"/>
+            <a:ext cx="304800" cy="461512"/>
+          </a:xfrm>
+          <a:prstGeom prst="rect">
+            <a:avLst/>
+          </a:prstGeom>
+          <a:solidFill>
+            <a:schemeClr val="bg1"/>
+          </a:solidFill>
+          <a:ln w="19050" cap="flat" cmpd="sng" algn="ctr">
+            <a:solidFill>
+              <a:schemeClr val="tx1"/>
+            </a:solidFill>
+            <a:prstDash val="solid"/>
+            <a:round/>
+            <a:headEnd type="none" w="lg" len="lg"/>
+            <a:tailEnd type="none" w="lg" len="lg"/>
+          </a:ln>
+          <a:effectLst/>
+        </p:spPr>
+        <p:txBody>
+          <a:bodyPr vert="horz" wrap="none" lIns="91440" tIns="45720" rIns="91440" bIns="45720" numCol="1" rtlCol="0" anchor="ctr" anchorCtr="0" compatLnSpc="1">
+            <a:prstTxWarp prst="textNoShape">
+              <a:avLst/>
+            </a:prstTxWarp>
+          </a:bodyPr>
+          <a:lstStyle/>
+          <a:p>
+            <a:pPr marL="0" marR="0" indent="0" algn="l" defTabSz="914400" rtl="0" eaLnBrk="0" fontAlgn="base" latinLnBrk="0" hangingPunct="0">
+              <a:lnSpc>
+                <a:spcPct val="100000"/>
+              </a:lnSpc>
+              <a:spcBef>
+                <a:spcPct val="0"/>
+              </a:spcBef>
+              <a:spcAft>
+                <a:spcPct val="0"/>
+              </a:spcAft>
+              <a:buClrTx/>
+              <a:buSzTx/>
+              <a:buFontTx/>
+              <a:buNone/>
+              <a:tabLst/>
+            </a:pPr>
+            <a:endParaRPr kumimoji="0" lang="ko-KR" altLang="en-US" sz="1800" b="0" i="0" u="none" strike="noStrike" cap="none" normalizeH="0" baseline="0">
+              <a:ln>
+                <a:noFill/>
+              </a:ln>
+              <a:solidFill>
+                <a:schemeClr val="tx1"/>
+              </a:solidFill>
+              <a:effectLst/>
+              <a:latin typeface="Arial" pitchFamily="34" charset="0"/>
+              <a:ea typeface="굴림" pitchFamily="50" charset="-127"/>
+            </a:endParaRPr>
+          </a:p>
+        </p:txBody>
+      </p:sp>
+      <p:sp>
+        <p:nvSpPr>
+          <p:cNvPr id="33" name="Rectangle 32">
+            <a:extLst>
+              <a:ext uri="{FF2B5EF4-FFF2-40B4-BE49-F238E27FC236}">
+                <a16:creationId xmlns:a16="http://schemas.microsoft.com/office/drawing/2014/main" id="{31DC0F8C-404D-4342-BE73-0165F0D1063F}"/>
+              </a:ext>
+            </a:extLst>
+          </p:cNvPr>
+          <p:cNvSpPr/>
+          <p:nvPr/>
+        </p:nvSpPr>
+        <p:spPr bwMode="auto">
+          <a:xfrm>
+            <a:off x="3128512" y="3993013"/>
+            <a:ext cx="304800" cy="461512"/>
+          </a:xfrm>
+          <a:prstGeom prst="rect">
+            <a:avLst/>
+          </a:prstGeom>
+          <a:solidFill>
+            <a:schemeClr val="bg1"/>
+          </a:solidFill>
+          <a:ln w="19050" cap="flat" cmpd="sng" algn="ctr">
+            <a:solidFill>
+              <a:schemeClr val="tx1"/>
+            </a:solidFill>
+            <a:prstDash val="solid"/>
+            <a:round/>
+            <a:headEnd type="none" w="lg" len="lg"/>
+            <a:tailEnd type="none" w="lg" len="lg"/>
+          </a:ln>
+          <a:effectLst/>
+        </p:spPr>
+        <p:txBody>
+          <a:bodyPr vert="horz" wrap="none" lIns="91440" tIns="45720" rIns="91440" bIns="45720" numCol="1" rtlCol="0" anchor="ctr" anchorCtr="0" compatLnSpc="1">
+            <a:prstTxWarp prst="textNoShape">
+              <a:avLst/>
+            </a:prstTxWarp>
+          </a:bodyPr>
+          <a:lstStyle/>
+          <a:p>
+            <a:pPr marL="0" marR="0" indent="0" algn="l" defTabSz="914400" rtl="0" eaLnBrk="0" fontAlgn="base" latinLnBrk="0" hangingPunct="0">
+              <a:lnSpc>
+                <a:spcPct val="100000"/>
+              </a:lnSpc>
+              <a:spcBef>
+                <a:spcPct val="0"/>
+              </a:spcBef>
+              <a:spcAft>
+                <a:spcPct val="0"/>
+              </a:spcAft>
+              <a:buClrTx/>
+              <a:buSzTx/>
+              <a:buFontTx/>
+              <a:buNone/>
+              <a:tabLst/>
+            </a:pPr>
+            <a:endParaRPr kumimoji="0" lang="ko-KR" altLang="en-US" sz="1800" b="0" i="0" u="none" strike="noStrike" cap="none" normalizeH="0" baseline="0">
+              <a:ln>
+                <a:noFill/>
+              </a:ln>
+              <a:solidFill>
+                <a:schemeClr val="tx1"/>
+              </a:solidFill>
+              <a:effectLst/>
+              <a:latin typeface="Arial" pitchFamily="34" charset="0"/>
+              <a:ea typeface="굴림" pitchFamily="50" charset="-127"/>
+            </a:endParaRPr>
+          </a:p>
+        </p:txBody>
+      </p:sp>
+      <p:sp>
+        <p:nvSpPr>
+          <p:cNvPr id="34" name="Rectangle 33">
+            <a:extLst>
+              <a:ext uri="{FF2B5EF4-FFF2-40B4-BE49-F238E27FC236}">
+                <a16:creationId xmlns:a16="http://schemas.microsoft.com/office/drawing/2014/main" id="{5FC15DD7-C7BE-40D4-BA6F-5C74A4A1EA03}"/>
+              </a:ext>
+            </a:extLst>
+          </p:cNvPr>
+          <p:cNvSpPr/>
+          <p:nvPr/>
+        </p:nvSpPr>
+        <p:spPr bwMode="auto">
+          <a:xfrm>
+            <a:off x="3423248" y="3993013"/>
+            <a:ext cx="304800" cy="461512"/>
+          </a:xfrm>
+          <a:prstGeom prst="rect">
+            <a:avLst/>
+          </a:prstGeom>
+          <a:solidFill>
+            <a:schemeClr val="bg1"/>
+          </a:solidFill>
+          <a:ln w="19050" cap="flat" cmpd="sng" algn="ctr">
+            <a:solidFill>
+              <a:schemeClr val="tx1"/>
+            </a:solidFill>
+            <a:prstDash val="solid"/>
+            <a:round/>
+            <a:headEnd type="none" w="lg" len="lg"/>
+            <a:tailEnd type="none" w="lg" len="lg"/>
+          </a:ln>
+          <a:effectLst/>
+        </p:spPr>
+        <p:txBody>
+          <a:bodyPr vert="horz" wrap="none" lIns="91440" tIns="45720" rIns="91440" bIns="45720" numCol="1" rtlCol="0" anchor="ctr" anchorCtr="0" compatLnSpc="1">
+            <a:prstTxWarp prst="textNoShape">
+              <a:avLst/>
+            </a:prstTxWarp>
+          </a:bodyPr>
+          <a:lstStyle/>
+          <a:p>
+            <a:pPr marL="0" marR="0" indent="0" algn="l" defTabSz="914400" rtl="0" eaLnBrk="0" fontAlgn="base" latinLnBrk="0" hangingPunct="0">
+              <a:lnSpc>
+                <a:spcPct val="100000"/>
+              </a:lnSpc>
+              <a:spcBef>
+                <a:spcPct val="0"/>
+              </a:spcBef>
+              <a:spcAft>
+                <a:spcPct val="0"/>
+              </a:spcAft>
+              <a:buClrTx/>
+              <a:buSzTx/>
+              <a:buFontTx/>
+              <a:buNone/>
+              <a:tabLst/>
+            </a:pPr>
+            <a:endParaRPr kumimoji="0" lang="ko-KR" altLang="en-US" sz="1800" b="0" i="0" u="none" strike="noStrike" cap="none" normalizeH="0" baseline="0">
+              <a:ln>
+                <a:noFill/>
+              </a:ln>
+              <a:solidFill>
+                <a:schemeClr val="tx1"/>
+              </a:solidFill>
+              <a:effectLst/>
+              <a:latin typeface="Arial" pitchFamily="34" charset="0"/>
+              <a:ea typeface="굴림" pitchFamily="50" charset="-127"/>
+            </a:endParaRPr>
+          </a:p>
+        </p:txBody>
+      </p:sp>
+      <p:sp>
+        <p:nvSpPr>
+          <p:cNvPr id="36" name="Rectangle 35">
+            <a:extLst>
+              <a:ext uri="{FF2B5EF4-FFF2-40B4-BE49-F238E27FC236}">
+                <a16:creationId xmlns:a16="http://schemas.microsoft.com/office/drawing/2014/main" id="{1CC3AE76-473F-4705-9D1B-212A4791A007}"/>
+              </a:ext>
+            </a:extLst>
+          </p:cNvPr>
+          <p:cNvSpPr/>
+          <p:nvPr/>
+        </p:nvSpPr>
+        <p:spPr bwMode="auto">
+          <a:xfrm>
+            <a:off x="3717984" y="3993013"/>
+            <a:ext cx="304800" cy="461512"/>
+          </a:xfrm>
+          <a:prstGeom prst="rect">
+            <a:avLst/>
+          </a:prstGeom>
+          <a:solidFill>
+            <a:schemeClr val="bg1"/>
+          </a:solidFill>
+          <a:ln w="19050" cap="flat" cmpd="sng" algn="ctr">
+            <a:solidFill>
+              <a:schemeClr val="tx1"/>
+            </a:solidFill>
+            <a:prstDash val="solid"/>
+            <a:round/>
+            <a:headEnd type="none" w="lg" len="lg"/>
+            <a:tailEnd type="none" w="lg" len="lg"/>
+          </a:ln>
+          <a:effectLst/>
+        </p:spPr>
+        <p:txBody>
+          <a:bodyPr vert="horz" wrap="none" lIns="91440" tIns="45720" rIns="91440" bIns="45720" numCol="1" rtlCol="0" anchor="ctr" anchorCtr="0" compatLnSpc="1">
+            <a:prstTxWarp prst="textNoShape">
+              <a:avLst/>
+            </a:prstTxWarp>
+          </a:bodyPr>
+          <a:lstStyle/>
+          <a:p>
+            <a:pPr marL="0" marR="0" indent="0" algn="l" defTabSz="914400" rtl="0" eaLnBrk="0" fontAlgn="base" latinLnBrk="0" hangingPunct="0">
+              <a:lnSpc>
+                <a:spcPct val="100000"/>
+              </a:lnSpc>
+              <a:spcBef>
+                <a:spcPct val="0"/>
+              </a:spcBef>
+              <a:spcAft>
+                <a:spcPct val="0"/>
+              </a:spcAft>
+              <a:buClrTx/>
+              <a:buSzTx/>
+              <a:buFontTx/>
+              <a:buNone/>
+              <a:tabLst/>
+            </a:pPr>
+            <a:endParaRPr kumimoji="0" lang="ko-KR" altLang="en-US" sz="1800" b="0" i="0" u="none" strike="noStrike" cap="none" normalizeH="0" baseline="0">
+              <a:ln>
+                <a:noFill/>
+              </a:ln>
+              <a:solidFill>
+                <a:schemeClr val="tx1"/>
+              </a:solidFill>
+              <a:effectLst/>
+              <a:latin typeface="Arial" pitchFamily="34" charset="0"/>
+              <a:ea typeface="굴림" pitchFamily="50" charset="-127"/>
+            </a:endParaRPr>
+          </a:p>
+        </p:txBody>
+      </p:sp>
+      <p:sp>
+        <p:nvSpPr>
+          <p:cNvPr id="37" name="Rectangle 36">
+            <a:extLst>
+              <a:ext uri="{FF2B5EF4-FFF2-40B4-BE49-F238E27FC236}">
+                <a16:creationId xmlns:a16="http://schemas.microsoft.com/office/drawing/2014/main" id="{46D84872-2167-418A-BB1A-88D22B040430}"/>
+              </a:ext>
+            </a:extLst>
+          </p:cNvPr>
+          <p:cNvSpPr/>
+          <p:nvPr/>
+        </p:nvSpPr>
+        <p:spPr bwMode="auto">
+          <a:xfrm>
+            <a:off x="5562602" y="3429000"/>
+            <a:ext cx="1214888" cy="1025525"/>
+          </a:xfrm>
+          <a:prstGeom prst="rect">
+            <a:avLst/>
+          </a:prstGeom>
+          <a:solidFill>
+            <a:schemeClr val="bg1"/>
+          </a:solidFill>
+          <a:ln w="19050" cap="flat" cmpd="sng" algn="ctr">
+            <a:solidFill>
+              <a:schemeClr val="tx1"/>
+            </a:solidFill>
+            <a:prstDash val="solid"/>
+            <a:round/>
+            <a:headEnd type="none" w="lg" len="lg"/>
+            <a:tailEnd type="none" w="lg" len="lg"/>
+          </a:ln>
+          <a:effectLst/>
+        </p:spPr>
+        <p:txBody>
+          <a:bodyPr vert="horz" wrap="none" lIns="91440" tIns="45720" rIns="91440" bIns="45720" numCol="1" rtlCol="0" anchor="ctr" anchorCtr="0" compatLnSpc="1">
+            <a:prstTxWarp prst="textNoShape">
+              <a:avLst/>
+            </a:prstTxWarp>
+          </a:bodyPr>
+          <a:lstStyle/>
+          <a:p>
+            <a:pPr marL="0" marR="0" indent="0" algn="l" defTabSz="914400" rtl="0" eaLnBrk="0" fontAlgn="base" latinLnBrk="0" hangingPunct="0">
+              <a:lnSpc>
+                <a:spcPct val="100000"/>
+              </a:lnSpc>
+              <a:spcBef>
+                <a:spcPct val="0"/>
+              </a:spcBef>
+              <a:spcAft>
+                <a:spcPct val="0"/>
+              </a:spcAft>
+              <a:buClrTx/>
+              <a:buSzTx/>
+              <a:buFontTx/>
+              <a:buNone/>
+              <a:tabLst/>
+            </a:pPr>
+            <a:endParaRPr kumimoji="0" lang="ko-KR" altLang="en-US" sz="1800" b="0" i="0" u="none" strike="noStrike" cap="none" normalizeH="0" baseline="0">
+              <a:ln>
+                <a:noFill/>
+              </a:ln>
+              <a:solidFill>
+                <a:schemeClr val="tx1"/>
+              </a:solidFill>
+              <a:effectLst/>
+              <a:latin typeface="Arial" pitchFamily="34" charset="0"/>
+              <a:ea typeface="굴림" pitchFamily="50" charset="-127"/>
+            </a:endParaRPr>
+          </a:p>
+        </p:txBody>
+      </p:sp>
+      <p:sp>
+        <p:nvSpPr>
+          <p:cNvPr id="38" name="Rectangle 37">
+            <a:extLst>
+              <a:ext uri="{FF2B5EF4-FFF2-40B4-BE49-F238E27FC236}">
+                <a16:creationId xmlns:a16="http://schemas.microsoft.com/office/drawing/2014/main" id="{11B4201C-391B-40FF-91A0-2F2FCD9309BA}"/>
+              </a:ext>
+            </a:extLst>
+          </p:cNvPr>
+          <p:cNvSpPr/>
+          <p:nvPr/>
+        </p:nvSpPr>
+        <p:spPr bwMode="auto">
+          <a:xfrm>
+            <a:off x="5562602" y="3993013"/>
+            <a:ext cx="304800" cy="461512"/>
+          </a:xfrm>
+          <a:prstGeom prst="rect">
+            <a:avLst/>
+          </a:prstGeom>
+          <a:solidFill>
+            <a:schemeClr val="bg1"/>
+          </a:solidFill>
+          <a:ln w="19050" cap="flat" cmpd="sng" algn="ctr">
+            <a:solidFill>
+              <a:schemeClr val="tx1"/>
+            </a:solidFill>
+            <a:prstDash val="solid"/>
+            <a:round/>
+            <a:headEnd type="none" w="lg" len="lg"/>
+            <a:tailEnd type="none" w="lg" len="lg"/>
+          </a:ln>
+          <a:effectLst/>
+        </p:spPr>
+        <p:txBody>
+          <a:bodyPr vert="horz" wrap="none" lIns="91440" tIns="45720" rIns="91440" bIns="45720" numCol="1" rtlCol="0" anchor="ctr" anchorCtr="0" compatLnSpc="1">
+            <a:prstTxWarp prst="textNoShape">
+              <a:avLst/>
+            </a:prstTxWarp>
+          </a:bodyPr>
+          <a:lstStyle/>
+          <a:p>
+            <a:pPr marL="0" marR="0" indent="0" algn="l" defTabSz="914400" rtl="0" eaLnBrk="0" fontAlgn="base" latinLnBrk="0" hangingPunct="0">
+              <a:lnSpc>
+                <a:spcPct val="100000"/>
+              </a:lnSpc>
+              <a:spcBef>
+                <a:spcPct val="0"/>
+              </a:spcBef>
+              <a:spcAft>
+                <a:spcPct val="0"/>
+              </a:spcAft>
+              <a:buClrTx/>
+              <a:buSzTx/>
+              <a:buFontTx/>
+              <a:buNone/>
+              <a:tabLst/>
+            </a:pPr>
+            <a:endParaRPr kumimoji="0" lang="ko-KR" altLang="en-US" sz="1800" b="0" i="0" u="none" strike="noStrike" cap="none" normalizeH="0" baseline="0">
+              <a:ln>
+                <a:noFill/>
+              </a:ln>
+              <a:solidFill>
+                <a:schemeClr val="tx1"/>
+              </a:solidFill>
+              <a:effectLst/>
+              <a:latin typeface="Arial" pitchFamily="34" charset="0"/>
+              <a:ea typeface="굴림" pitchFamily="50" charset="-127"/>
+            </a:endParaRPr>
+          </a:p>
+        </p:txBody>
+      </p:sp>
+      <p:sp>
+        <p:nvSpPr>
+          <p:cNvPr id="39" name="Rectangle 38">
+            <a:extLst>
+              <a:ext uri="{FF2B5EF4-FFF2-40B4-BE49-F238E27FC236}">
+                <a16:creationId xmlns:a16="http://schemas.microsoft.com/office/drawing/2014/main" id="{EEADBACD-B650-499E-B451-319F77667087}"/>
+              </a:ext>
+            </a:extLst>
+          </p:cNvPr>
+          <p:cNvSpPr/>
+          <p:nvPr/>
+        </p:nvSpPr>
+        <p:spPr bwMode="auto">
+          <a:xfrm>
+            <a:off x="5867402" y="3993013"/>
+            <a:ext cx="304800" cy="461512"/>
+          </a:xfrm>
+          <a:prstGeom prst="rect">
+            <a:avLst/>
+          </a:prstGeom>
+          <a:solidFill>
+            <a:schemeClr val="bg1"/>
+          </a:solidFill>
+          <a:ln w="19050" cap="flat" cmpd="sng" algn="ctr">
+            <a:solidFill>
+              <a:schemeClr val="tx1"/>
+            </a:solidFill>
+            <a:prstDash val="solid"/>
+            <a:round/>
+            <a:headEnd type="none" w="lg" len="lg"/>
+            <a:tailEnd type="none" w="lg" len="lg"/>
+          </a:ln>
+          <a:effectLst/>
+        </p:spPr>
+        <p:txBody>
+          <a:bodyPr vert="horz" wrap="none" lIns="91440" tIns="45720" rIns="91440" bIns="45720" numCol="1" rtlCol="0" anchor="ctr" anchorCtr="0" compatLnSpc="1">
+            <a:prstTxWarp prst="textNoShape">
+              <a:avLst/>
+            </a:prstTxWarp>
+          </a:bodyPr>
+          <a:lstStyle/>
+          <a:p>
+            <a:pPr marL="0" marR="0" indent="0" algn="l" defTabSz="914400" rtl="0" eaLnBrk="0" fontAlgn="base" latinLnBrk="0" hangingPunct="0">
+              <a:lnSpc>
+                <a:spcPct val="100000"/>
+              </a:lnSpc>
+              <a:spcBef>
+                <a:spcPct val="0"/>
+              </a:spcBef>
+              <a:spcAft>
+                <a:spcPct val="0"/>
+              </a:spcAft>
+              <a:buClrTx/>
+              <a:buSzTx/>
+              <a:buFontTx/>
+              <a:buNone/>
+              <a:tabLst/>
+            </a:pPr>
+            <a:endParaRPr kumimoji="0" lang="ko-KR" altLang="en-US" sz="1800" b="0" i="0" u="none" strike="noStrike" cap="none" normalizeH="0" baseline="0">
+              <a:ln>
+                <a:noFill/>
+              </a:ln>
+              <a:solidFill>
+                <a:schemeClr val="tx1"/>
+              </a:solidFill>
+              <a:effectLst/>
+              <a:latin typeface="Arial" pitchFamily="34" charset="0"/>
+              <a:ea typeface="굴림" pitchFamily="50" charset="-127"/>
+            </a:endParaRPr>
+          </a:p>
+        </p:txBody>
+      </p:sp>
+      <p:sp>
+        <p:nvSpPr>
+          <p:cNvPr id="40" name="Rectangle 39">
+            <a:extLst>
+              <a:ext uri="{FF2B5EF4-FFF2-40B4-BE49-F238E27FC236}">
+                <a16:creationId xmlns:a16="http://schemas.microsoft.com/office/drawing/2014/main" id="{43A8AD76-4952-4346-87BF-FF859BB8C15D}"/>
+              </a:ext>
+            </a:extLst>
+          </p:cNvPr>
+          <p:cNvSpPr/>
+          <p:nvPr/>
+        </p:nvSpPr>
+        <p:spPr bwMode="auto">
+          <a:xfrm>
+            <a:off x="6162138" y="3993013"/>
+            <a:ext cx="304800" cy="461512"/>
+          </a:xfrm>
+          <a:prstGeom prst="rect">
+            <a:avLst/>
+          </a:prstGeom>
+          <a:solidFill>
+            <a:schemeClr val="bg1"/>
+          </a:solidFill>
+          <a:ln w="19050" cap="flat" cmpd="sng" algn="ctr">
+            <a:solidFill>
+              <a:schemeClr val="tx1"/>
+            </a:solidFill>
+            <a:prstDash val="solid"/>
+            <a:round/>
+            <a:headEnd type="none" w="lg" len="lg"/>
+            <a:tailEnd type="none" w="lg" len="lg"/>
+          </a:ln>
+          <a:effectLst/>
+        </p:spPr>
+        <p:txBody>
+          <a:bodyPr vert="horz" wrap="none" lIns="91440" tIns="45720" rIns="91440" bIns="45720" numCol="1" rtlCol="0" anchor="ctr" anchorCtr="0" compatLnSpc="1">
+            <a:prstTxWarp prst="textNoShape">
+              <a:avLst/>
+            </a:prstTxWarp>
+          </a:bodyPr>
+          <a:lstStyle/>
+          <a:p>
+            <a:pPr marL="0" marR="0" indent="0" algn="l" defTabSz="914400" rtl="0" eaLnBrk="0" fontAlgn="base" latinLnBrk="0" hangingPunct="0">
+              <a:lnSpc>
+                <a:spcPct val="100000"/>
+              </a:lnSpc>
+              <a:spcBef>
+                <a:spcPct val="0"/>
+              </a:spcBef>
+              <a:spcAft>
+                <a:spcPct val="0"/>
+              </a:spcAft>
+              <a:buClrTx/>
+              <a:buSzTx/>
+              <a:buFontTx/>
+              <a:buNone/>
+              <a:tabLst/>
+            </a:pPr>
+            <a:endParaRPr kumimoji="0" lang="ko-KR" altLang="en-US" sz="1800" b="0" i="0" u="none" strike="noStrike" cap="none" normalizeH="0" baseline="0">
+              <a:ln>
+                <a:noFill/>
+              </a:ln>
+              <a:solidFill>
+                <a:schemeClr val="tx1"/>
+              </a:solidFill>
+              <a:effectLst/>
+              <a:latin typeface="Arial" pitchFamily="34" charset="0"/>
+              <a:ea typeface="굴림" pitchFamily="50" charset="-127"/>
+            </a:endParaRPr>
+          </a:p>
+        </p:txBody>
+      </p:sp>
+      <p:sp>
+        <p:nvSpPr>
+          <p:cNvPr id="41" name="Rectangle 40">
+            <a:extLst>
+              <a:ext uri="{FF2B5EF4-FFF2-40B4-BE49-F238E27FC236}">
+                <a16:creationId xmlns:a16="http://schemas.microsoft.com/office/drawing/2014/main" id="{FB975083-7AE3-4CCD-B7AB-CD40BDC5A9DC}"/>
+              </a:ext>
+            </a:extLst>
+          </p:cNvPr>
+          <p:cNvSpPr/>
+          <p:nvPr/>
+        </p:nvSpPr>
+        <p:spPr bwMode="auto">
+          <a:xfrm>
+            <a:off x="6456874" y="3993013"/>
+            <a:ext cx="304800" cy="461512"/>
+          </a:xfrm>
+          <a:prstGeom prst="rect">
+            <a:avLst/>
+          </a:prstGeom>
+          <a:solidFill>
+            <a:schemeClr val="bg1"/>
+          </a:solidFill>
+          <a:ln w="19050" cap="flat" cmpd="sng" algn="ctr">
+            <a:solidFill>
+              <a:schemeClr val="tx1"/>
+            </a:solidFill>
+            <a:prstDash val="solid"/>
+            <a:round/>
+            <a:headEnd type="none" w="lg" len="lg"/>
+            <a:tailEnd type="none" w="lg" len="lg"/>
+          </a:ln>
+          <a:effectLst/>
+        </p:spPr>
+        <p:txBody>
+          <a:bodyPr vert="horz" wrap="none" lIns="91440" tIns="45720" rIns="91440" bIns="45720" numCol="1" rtlCol="0" anchor="ctr" anchorCtr="0" compatLnSpc="1">
+            <a:prstTxWarp prst="textNoShape">
+              <a:avLst/>
+            </a:prstTxWarp>
+          </a:bodyPr>
+          <a:lstStyle/>
+          <a:p>
+            <a:pPr marL="0" marR="0" indent="0" algn="l" defTabSz="914400" rtl="0" eaLnBrk="0" fontAlgn="base" latinLnBrk="0" hangingPunct="0">
+              <a:lnSpc>
+                <a:spcPct val="100000"/>
+              </a:lnSpc>
+              <a:spcBef>
+                <a:spcPct val="0"/>
+              </a:spcBef>
+              <a:spcAft>
+                <a:spcPct val="0"/>
+              </a:spcAft>
+              <a:buClrTx/>
+              <a:buSzTx/>
+              <a:buFontTx/>
+              <a:buNone/>
+              <a:tabLst/>
+            </a:pPr>
+            <a:endParaRPr kumimoji="0" lang="ko-KR" altLang="en-US" sz="1800" b="0" i="0" u="none" strike="noStrike" cap="none" normalizeH="0" baseline="0">
+              <a:ln>
+                <a:noFill/>
+              </a:ln>
+              <a:solidFill>
+                <a:schemeClr val="tx1"/>
+              </a:solidFill>
+              <a:effectLst/>
+              <a:latin typeface="Arial" pitchFamily="34" charset="0"/>
+              <a:ea typeface="굴림" pitchFamily="50" charset="-127"/>
+            </a:endParaRPr>
+          </a:p>
+        </p:txBody>
+      </p:sp>
+      <p:cxnSp>
+        <p:nvCxnSpPr>
+          <p:cNvPr id="44" name="Connector: Elbow 43">
+            <a:extLst>
+              <a:ext uri="{FF2B5EF4-FFF2-40B4-BE49-F238E27FC236}">
+                <a16:creationId xmlns:a16="http://schemas.microsoft.com/office/drawing/2014/main" id="{818BAF4C-8123-473B-9008-1AD4BD1C81FD}"/>
+              </a:ext>
+            </a:extLst>
+          </p:cNvPr>
+          <p:cNvCxnSpPr>
+            <a:cxnSpLocks/>
+            <a:stCxn id="16" idx="2"/>
+            <a:endCxn id="30" idx="0"/>
+          </p:cNvCxnSpPr>
+          <p:nvPr/>
+        </p:nvCxnSpPr>
+        <p:spPr bwMode="auto">
+          <a:xfrm rot="5400000">
+            <a:off x="3409441" y="2647440"/>
+            <a:ext cx="803275" cy="759844"/>
+          </a:xfrm>
+          <a:prstGeom prst="bentConnector3">
+            <a:avLst>
+              <a:gd name="adj1" fmla="val 50000"/>
+            </a:avLst>
+          </a:prstGeom>
+          <a:solidFill>
+            <a:schemeClr val="accent1"/>
+          </a:solidFill>
+          <a:ln w="19050" cap="flat" cmpd="sng" algn="ctr">
+            <a:solidFill>
+              <a:schemeClr val="tx1"/>
+            </a:solidFill>
+            <a:prstDash val="solid"/>
+            <a:round/>
+            <a:headEnd type="none" w="lg" len="lg"/>
+            <a:tailEnd type="arrow"/>
+          </a:ln>
+          <a:effectLst/>
+        </p:spPr>
+      </p:cxnSp>
+      <p:cxnSp>
+        <p:nvCxnSpPr>
+          <p:cNvPr id="47" name="Connector: Elbow 46">
+            <a:extLst>
+              <a:ext uri="{FF2B5EF4-FFF2-40B4-BE49-F238E27FC236}">
+                <a16:creationId xmlns:a16="http://schemas.microsoft.com/office/drawing/2014/main" id="{F0AD7627-75E2-4547-B161-207157F0D8F3}"/>
+              </a:ext>
+            </a:extLst>
+          </p:cNvPr>
+          <p:cNvCxnSpPr>
+            <a:cxnSpLocks/>
+            <a:stCxn id="31" idx="2"/>
+          </p:cNvCxnSpPr>
+          <p:nvPr/>
+        </p:nvCxnSpPr>
+        <p:spPr bwMode="auto">
+          <a:xfrm rot="5400000">
+            <a:off x="1998408" y="4675263"/>
+            <a:ext cx="1198443" cy="756967"/>
+          </a:xfrm>
+          <a:prstGeom prst="bentConnector3">
+            <a:avLst>
+              <a:gd name="adj1" fmla="val 50000"/>
+            </a:avLst>
+          </a:prstGeom>
+          <a:solidFill>
+            <a:schemeClr val="accent1"/>
+          </a:solidFill>
+          <a:ln w="19050" cap="flat" cmpd="sng" algn="ctr">
+            <a:solidFill>
+              <a:schemeClr val="tx1"/>
+            </a:solidFill>
+            <a:prstDash val="solid"/>
+            <a:round/>
+            <a:headEnd type="none" w="lg" len="lg"/>
+            <a:tailEnd type="arrow"/>
+          </a:ln>
+          <a:effectLst/>
+        </p:spPr>
+      </p:cxnSp>
+      <p:cxnSp>
+        <p:nvCxnSpPr>
+          <p:cNvPr id="49" name="Connector: Elbow 48">
+            <a:extLst>
+              <a:ext uri="{FF2B5EF4-FFF2-40B4-BE49-F238E27FC236}">
+                <a16:creationId xmlns:a16="http://schemas.microsoft.com/office/drawing/2014/main" id="{1AEEA527-03D7-4D7A-B964-5138A37981B7}"/>
+              </a:ext>
+            </a:extLst>
+          </p:cNvPr>
+          <p:cNvCxnSpPr>
+            <a:cxnSpLocks/>
+            <a:stCxn id="27" idx="2"/>
+            <a:endCxn id="37" idx="0"/>
+          </p:cNvCxnSpPr>
+          <p:nvPr/>
+        </p:nvCxnSpPr>
+        <p:spPr bwMode="auto">
+          <a:xfrm rot="16200000" flipH="1">
+            <a:off x="4931286" y="2190239"/>
+            <a:ext cx="803275" cy="1674246"/>
+          </a:xfrm>
+          <a:prstGeom prst="bentConnector3">
+            <a:avLst>
+              <a:gd name="adj1" fmla="val 50000"/>
+            </a:avLst>
+          </a:prstGeom>
+          <a:solidFill>
+            <a:schemeClr val="accent1"/>
+          </a:solidFill>
+          <a:ln w="19050" cap="flat" cmpd="sng" algn="ctr">
+            <a:solidFill>
+              <a:schemeClr val="tx1"/>
+            </a:solidFill>
+            <a:prstDash val="solid"/>
+            <a:round/>
+            <a:headEnd type="none" w="lg" len="lg"/>
+            <a:tailEnd type="arrow"/>
+          </a:ln>
+          <a:effectLst/>
+        </p:spPr>
+      </p:cxnSp>
+    </p:spTree>
+    <p:extLst>
+      <p:ext uri="{BB962C8B-B14F-4D97-AF65-F5344CB8AC3E}">
+        <p14:creationId xmlns:p14="http://schemas.microsoft.com/office/powerpoint/2010/main" val="2840285441"/>
+      </p:ext>
+    </p:extLst>
+  </p:cSld>
+  <p:clrMapOvr>
+    <a:masterClrMapping/>
+  </p:clrMapOvr>
+</p:sld>
+</file>
+
+<file path=ppt/slides/slide11.xml><?xml version="1.0" encoding="utf-8"?>
+<p:sld xmlns:a="http://schemas.openxmlformats.org/drawingml/2006/main" xmlns:r="http://schemas.openxmlformats.org/officeDocument/2006/relationships" xmlns:p="http://schemas.openxmlformats.org/presentationml/2006/main">
+  <p:cSld>
+    <p:spTree>
+      <p:nvGrpSpPr>
+        <p:cNvPr id="1" name=""/>
+        <p:cNvGrpSpPr/>
+        <p:nvPr/>
+      </p:nvGrpSpPr>
+      <p:grpSpPr>
+        <a:xfrm>
+          <a:off x="0" y="0"/>
+          <a:ext cx="0" cy="0"/>
+          <a:chOff x="0" y="0"/>
+          <a:chExt cx="0" cy="0"/>
+        </a:xfrm>
+      </p:grpSpPr>
+      <p:sp>
+        <p:nvSpPr>
+          <p:cNvPr id="3" name="Title 2">
+            <a:extLst>
+              <a:ext uri="{FF2B5EF4-FFF2-40B4-BE49-F238E27FC236}">
+                <a16:creationId xmlns:a16="http://schemas.microsoft.com/office/drawing/2014/main" id="{12221E77-9EB6-4784-9966-605692DCEACA}"/>
+              </a:ext>
+            </a:extLst>
+          </p:cNvPr>
+          <p:cNvSpPr>
+            <a:spLocks noGrp="1"/>
+          </p:cNvSpPr>
+          <p:nvPr>
+            <p:ph type="title"/>
+          </p:nvPr>
+        </p:nvSpPr>
+        <p:spPr/>
+        <p:txBody>
+          <a:bodyPr/>
+          <a:lstStyle/>
+          <a:p>
+            <a:r>
+              <a:rPr lang="en-US" altLang="ko-KR" dirty="0"/>
+              <a:t>Realized Double Linked List</a:t>
+            </a:r>
+            <a:endParaRPr lang="ko-KR" altLang="en-US" dirty="0"/>
+          </a:p>
+        </p:txBody>
+      </p:sp>
+      <p:sp>
+        <p:nvSpPr>
+          <p:cNvPr id="4" name="Slide Number Placeholder 3">
+            <a:extLst>
+              <a:ext uri="{FF2B5EF4-FFF2-40B4-BE49-F238E27FC236}">
+                <a16:creationId xmlns:a16="http://schemas.microsoft.com/office/drawing/2014/main" id="{09245503-33CA-4213-9D8E-FA845344FA1A}"/>
+              </a:ext>
+            </a:extLst>
+          </p:cNvPr>
+          <p:cNvSpPr>
+            <a:spLocks noGrp="1"/>
+          </p:cNvSpPr>
+          <p:nvPr>
+            <p:ph type="sldNum" sz="quarter" idx="11"/>
+          </p:nvPr>
+        </p:nvSpPr>
+        <p:spPr/>
+        <p:txBody>
+          <a:bodyPr/>
+          <a:lstStyle/>
+          <a:p>
+            <a:pPr>
+              <a:defRPr/>
+            </a:pPr>
+            <a:fld id="{7585D841-3058-4BFE-8F4A-3303B3707F0A}" type="slidenum">
+              <a:rPr lang="en-US" altLang="ko-KR" smtClean="0"/>
+              <a:pPr>
+                <a:defRPr/>
+              </a:pPr>
+              <a:t>10</a:t>
+            </a:fld>
+            <a:endParaRPr lang="en-US" altLang="ko-KR"/>
+          </a:p>
+        </p:txBody>
+      </p:sp>
+      <p:sp>
+        <p:nvSpPr>
+          <p:cNvPr id="5" name="Rectangle 4">
+            <a:extLst>
+              <a:ext uri="{FF2B5EF4-FFF2-40B4-BE49-F238E27FC236}">
+                <a16:creationId xmlns:a16="http://schemas.microsoft.com/office/drawing/2014/main" id="{BF5B196D-2A69-49BF-9D7C-770D56E9AFCA}"/>
+              </a:ext>
+            </a:extLst>
+          </p:cNvPr>
+          <p:cNvSpPr/>
+          <p:nvPr/>
+        </p:nvSpPr>
+        <p:spPr bwMode="auto">
+          <a:xfrm>
+            <a:off x="2362200" y="2292350"/>
+            <a:ext cx="1066800" cy="639762"/>
+          </a:xfrm>
+          <a:prstGeom prst="rect">
+            <a:avLst/>
+          </a:prstGeom>
+          <a:solidFill>
+            <a:schemeClr val="bg1"/>
+          </a:solidFill>
+          <a:ln w="19050" cap="flat" cmpd="sng" algn="ctr">
+            <a:solidFill>
+              <a:schemeClr val="tx1"/>
+            </a:solidFill>
+            <a:prstDash val="solid"/>
+            <a:round/>
+            <a:headEnd type="none" w="lg" len="lg"/>
+            <a:tailEnd type="none" w="lg" len="lg"/>
+          </a:ln>
+          <a:effectLst/>
+        </p:spPr>
+        <p:txBody>
+          <a:bodyPr vert="horz" wrap="none" lIns="91440" tIns="45720" rIns="91440" bIns="45720" numCol="1" rtlCol="0" anchor="ctr" anchorCtr="0" compatLnSpc="1">
+            <a:prstTxWarp prst="textNoShape">
+              <a:avLst/>
+            </a:prstTxWarp>
+          </a:bodyPr>
+          <a:lstStyle/>
+          <a:p>
+            <a:pPr marL="0" marR="0" indent="0" algn="l" defTabSz="914400" rtl="0" eaLnBrk="0" fontAlgn="base" latinLnBrk="0" hangingPunct="0">
+              <a:lnSpc>
+                <a:spcPct val="100000"/>
+              </a:lnSpc>
+              <a:spcBef>
+                <a:spcPct val="0"/>
+              </a:spcBef>
+              <a:spcAft>
+                <a:spcPct val="0"/>
+              </a:spcAft>
+              <a:buClrTx/>
+              <a:buSzTx/>
+              <a:buFontTx/>
+              <a:buNone/>
+              <a:tabLst/>
+            </a:pPr>
+            <a:endParaRPr kumimoji="0" lang="ko-KR" altLang="en-US" sz="1800" b="0" i="0" u="none" strike="noStrike" cap="none" normalizeH="0" baseline="0">
+              <a:ln>
+                <a:noFill/>
+              </a:ln>
+              <a:solidFill>
+                <a:schemeClr val="tx1"/>
+              </a:solidFill>
+              <a:effectLst/>
+              <a:latin typeface="Arial" pitchFamily="34" charset="0"/>
+              <a:ea typeface="굴림" pitchFamily="50" charset="-127"/>
+            </a:endParaRPr>
+          </a:p>
+        </p:txBody>
+      </p:sp>
+      <p:sp>
+        <p:nvSpPr>
+          <p:cNvPr id="6" name="Rectangle 5">
+            <a:extLst>
+              <a:ext uri="{FF2B5EF4-FFF2-40B4-BE49-F238E27FC236}">
+                <a16:creationId xmlns:a16="http://schemas.microsoft.com/office/drawing/2014/main" id="{C048BE06-6469-47E7-9BD7-B11087AFE7CD}"/>
+              </a:ext>
+            </a:extLst>
+          </p:cNvPr>
+          <p:cNvSpPr/>
+          <p:nvPr/>
+        </p:nvSpPr>
+        <p:spPr bwMode="auto">
+          <a:xfrm>
+            <a:off x="3124200" y="2292350"/>
+            <a:ext cx="304800" cy="639762"/>
+          </a:xfrm>
+          <a:prstGeom prst="rect">
+            <a:avLst/>
+          </a:prstGeom>
+          <a:solidFill>
+            <a:schemeClr val="bg1"/>
+          </a:solidFill>
+          <a:ln w="19050" cap="flat" cmpd="sng" algn="ctr">
+            <a:solidFill>
+              <a:schemeClr val="tx1"/>
+            </a:solidFill>
+            <a:prstDash val="solid"/>
+            <a:round/>
+            <a:headEnd type="none" w="lg" len="lg"/>
+            <a:tailEnd type="none" w="lg" len="lg"/>
+          </a:ln>
+          <a:effectLst/>
+        </p:spPr>
+        <p:txBody>
+          <a:bodyPr vert="horz" wrap="none" lIns="91440" tIns="45720" rIns="91440" bIns="45720" numCol="1" rtlCol="0" anchor="ctr" anchorCtr="0" compatLnSpc="1">
+            <a:prstTxWarp prst="textNoShape">
+              <a:avLst/>
+            </a:prstTxWarp>
+          </a:bodyPr>
+          <a:lstStyle/>
+          <a:p>
+            <a:pPr marL="0" marR="0" indent="0" algn="l" defTabSz="914400" rtl="0" eaLnBrk="0" fontAlgn="base" latinLnBrk="0" hangingPunct="0">
+              <a:lnSpc>
+                <a:spcPct val="100000"/>
+              </a:lnSpc>
+              <a:spcBef>
+                <a:spcPct val="0"/>
+              </a:spcBef>
+              <a:spcAft>
+                <a:spcPct val="0"/>
+              </a:spcAft>
+              <a:buClrTx/>
+              <a:buSzTx/>
+              <a:buFontTx/>
+              <a:buNone/>
+              <a:tabLst/>
+            </a:pPr>
+            <a:endParaRPr kumimoji="0" lang="ko-KR" altLang="en-US" sz="1800" b="0" i="0" u="none" strike="noStrike" cap="none" normalizeH="0" baseline="0">
+              <a:ln>
+                <a:noFill/>
+              </a:ln>
+              <a:solidFill>
+                <a:schemeClr val="tx1"/>
+              </a:solidFill>
+              <a:effectLst/>
+              <a:latin typeface="Arial" pitchFamily="34" charset="0"/>
+              <a:ea typeface="굴림" pitchFamily="50" charset="-127"/>
+            </a:endParaRPr>
+          </a:p>
+        </p:txBody>
+      </p:sp>
+      <p:sp>
+        <p:nvSpPr>
+          <p:cNvPr id="7" name="Rectangle 6">
+            <a:extLst>
+              <a:ext uri="{FF2B5EF4-FFF2-40B4-BE49-F238E27FC236}">
+                <a16:creationId xmlns:a16="http://schemas.microsoft.com/office/drawing/2014/main" id="{EB33201E-C9A0-4580-B627-7A97D5D22532}"/>
+              </a:ext>
+            </a:extLst>
+          </p:cNvPr>
+          <p:cNvSpPr/>
+          <p:nvPr/>
+        </p:nvSpPr>
+        <p:spPr bwMode="auto">
+          <a:xfrm>
+            <a:off x="4572000" y="2934570"/>
+            <a:ext cx="1066800" cy="639762"/>
+          </a:xfrm>
+          <a:prstGeom prst="rect">
+            <a:avLst/>
+          </a:prstGeom>
+          <a:solidFill>
+            <a:schemeClr val="bg1"/>
+          </a:solidFill>
+          <a:ln w="19050" cap="flat" cmpd="sng" algn="ctr">
+            <a:solidFill>
+              <a:schemeClr val="tx1"/>
+            </a:solidFill>
+            <a:prstDash val="solid"/>
+            <a:round/>
+            <a:headEnd type="none" w="lg" len="lg"/>
+            <a:tailEnd type="none" w="lg" len="lg"/>
+          </a:ln>
+          <a:effectLst/>
+        </p:spPr>
+        <p:txBody>
+          <a:bodyPr vert="horz" wrap="none" lIns="91440" tIns="45720" rIns="91440" bIns="45720" numCol="1" rtlCol="0" anchor="ctr" anchorCtr="0" compatLnSpc="1">
+            <a:prstTxWarp prst="textNoShape">
+              <a:avLst/>
+            </a:prstTxWarp>
+          </a:bodyPr>
+          <a:lstStyle/>
+          <a:p>
+            <a:pPr marL="0" marR="0" indent="0" algn="l" defTabSz="914400" rtl="0" eaLnBrk="0" fontAlgn="base" latinLnBrk="0" hangingPunct="0">
+              <a:lnSpc>
+                <a:spcPct val="100000"/>
+              </a:lnSpc>
+              <a:spcBef>
+                <a:spcPct val="0"/>
+              </a:spcBef>
+              <a:spcAft>
+                <a:spcPct val="0"/>
+              </a:spcAft>
+              <a:buClrTx/>
+              <a:buSzTx/>
+              <a:buFontTx/>
+              <a:buNone/>
+              <a:tabLst/>
+            </a:pPr>
+            <a:endParaRPr kumimoji="0" lang="ko-KR" altLang="en-US" sz="1800" b="0" i="0" u="none" strike="noStrike" cap="none" normalizeH="0" baseline="0">
+              <a:ln>
+                <a:noFill/>
+              </a:ln>
+              <a:solidFill>
+                <a:schemeClr val="tx1"/>
+              </a:solidFill>
+              <a:effectLst/>
+              <a:latin typeface="Arial" pitchFamily="34" charset="0"/>
+              <a:ea typeface="굴림" pitchFamily="50" charset="-127"/>
+            </a:endParaRPr>
+          </a:p>
+        </p:txBody>
+      </p:sp>
+      <p:sp>
+        <p:nvSpPr>
+          <p:cNvPr id="8" name="Rectangle 7">
+            <a:extLst>
+              <a:ext uri="{FF2B5EF4-FFF2-40B4-BE49-F238E27FC236}">
+                <a16:creationId xmlns:a16="http://schemas.microsoft.com/office/drawing/2014/main" id="{6C4041EC-D4C2-40C2-9C7D-BB49C9099313}"/>
+              </a:ext>
+            </a:extLst>
+          </p:cNvPr>
+          <p:cNvSpPr/>
+          <p:nvPr/>
+        </p:nvSpPr>
+        <p:spPr bwMode="auto">
+          <a:xfrm>
+            <a:off x="5334000" y="2934570"/>
+            <a:ext cx="304800" cy="639762"/>
+          </a:xfrm>
+          <a:prstGeom prst="rect">
+            <a:avLst/>
+          </a:prstGeom>
+          <a:solidFill>
+            <a:schemeClr val="bg1"/>
+          </a:solidFill>
+          <a:ln w="19050" cap="flat" cmpd="sng" algn="ctr">
+            <a:solidFill>
+              <a:schemeClr val="tx1"/>
+            </a:solidFill>
+            <a:prstDash val="solid"/>
+            <a:round/>
+            <a:headEnd type="none" w="lg" len="lg"/>
+            <a:tailEnd type="none" w="lg" len="lg"/>
+          </a:ln>
+          <a:effectLst/>
+        </p:spPr>
+        <p:txBody>
+          <a:bodyPr vert="horz" wrap="none" lIns="91440" tIns="45720" rIns="91440" bIns="45720" numCol="1" rtlCol="0" anchor="ctr" anchorCtr="0" compatLnSpc="1">
+            <a:prstTxWarp prst="textNoShape">
+              <a:avLst/>
+            </a:prstTxWarp>
+          </a:bodyPr>
+          <a:lstStyle/>
+          <a:p>
+            <a:pPr marL="0" marR="0" indent="0" algn="l" defTabSz="914400" rtl="0" eaLnBrk="0" fontAlgn="base" latinLnBrk="0" hangingPunct="0">
+              <a:lnSpc>
+                <a:spcPct val="100000"/>
+              </a:lnSpc>
+              <a:spcBef>
+                <a:spcPct val="0"/>
+              </a:spcBef>
+              <a:spcAft>
+                <a:spcPct val="0"/>
+              </a:spcAft>
+              <a:buClrTx/>
+              <a:buSzTx/>
+              <a:buFontTx/>
+              <a:buNone/>
+              <a:tabLst/>
+            </a:pPr>
+            <a:endParaRPr kumimoji="0" lang="ko-KR" altLang="en-US" sz="1800" b="0" i="0" u="none" strike="noStrike" cap="none" normalizeH="0" baseline="0">
+              <a:ln>
+                <a:noFill/>
+              </a:ln>
+              <a:solidFill>
+                <a:schemeClr val="tx1"/>
+              </a:solidFill>
+              <a:effectLst/>
+              <a:latin typeface="Arial" pitchFamily="34" charset="0"/>
+              <a:ea typeface="굴림" pitchFamily="50" charset="-127"/>
+            </a:endParaRPr>
+          </a:p>
+        </p:txBody>
+      </p:sp>
+      <p:sp>
+        <p:nvSpPr>
+          <p:cNvPr id="9" name="Rectangle 8">
+            <a:extLst>
+              <a:ext uri="{FF2B5EF4-FFF2-40B4-BE49-F238E27FC236}">
+                <a16:creationId xmlns:a16="http://schemas.microsoft.com/office/drawing/2014/main" id="{04061F04-064C-408F-80DF-69C4D8715705}"/>
+              </a:ext>
+            </a:extLst>
+          </p:cNvPr>
+          <p:cNvSpPr/>
+          <p:nvPr/>
+        </p:nvSpPr>
+        <p:spPr bwMode="auto">
+          <a:xfrm>
+            <a:off x="6806242" y="3663950"/>
+            <a:ext cx="1066800" cy="639762"/>
+          </a:xfrm>
+          <a:prstGeom prst="rect">
+            <a:avLst/>
+          </a:prstGeom>
+          <a:solidFill>
+            <a:schemeClr val="bg1"/>
+          </a:solidFill>
+          <a:ln w="19050" cap="flat" cmpd="sng" algn="ctr">
+            <a:solidFill>
+              <a:schemeClr val="tx1"/>
+            </a:solidFill>
+            <a:prstDash val="solid"/>
+            <a:round/>
+            <a:headEnd type="none" w="lg" len="lg"/>
+            <a:tailEnd type="none" w="lg" len="lg"/>
+          </a:ln>
+          <a:effectLst/>
+        </p:spPr>
+        <p:txBody>
+          <a:bodyPr vert="horz" wrap="none" lIns="91440" tIns="45720" rIns="91440" bIns="45720" numCol="1" rtlCol="0" anchor="ctr" anchorCtr="0" compatLnSpc="1">
+            <a:prstTxWarp prst="textNoShape">
+              <a:avLst/>
+            </a:prstTxWarp>
+          </a:bodyPr>
+          <a:lstStyle/>
+          <a:p>
+            <a:pPr marL="0" marR="0" indent="0" algn="l" defTabSz="914400" rtl="0" eaLnBrk="0" fontAlgn="base" latinLnBrk="0" hangingPunct="0">
+              <a:lnSpc>
+                <a:spcPct val="100000"/>
+              </a:lnSpc>
+              <a:spcBef>
+                <a:spcPct val="0"/>
+              </a:spcBef>
+              <a:spcAft>
+                <a:spcPct val="0"/>
+              </a:spcAft>
+              <a:buClrTx/>
+              <a:buSzTx/>
+              <a:buFontTx/>
+              <a:buNone/>
+              <a:tabLst/>
+            </a:pPr>
+            <a:endParaRPr kumimoji="0" lang="ko-KR" altLang="en-US" sz="1800" b="0" i="0" u="none" strike="noStrike" cap="none" normalizeH="0" baseline="0">
+              <a:ln>
+                <a:noFill/>
+              </a:ln>
+              <a:solidFill>
+                <a:schemeClr val="tx1"/>
+              </a:solidFill>
+              <a:effectLst/>
+              <a:latin typeface="Arial" pitchFamily="34" charset="0"/>
+              <a:ea typeface="굴림" pitchFamily="50" charset="-127"/>
+            </a:endParaRPr>
+          </a:p>
+        </p:txBody>
+      </p:sp>
+      <p:sp>
+        <p:nvSpPr>
+          <p:cNvPr id="10" name="Rectangle 9">
+            <a:extLst>
+              <a:ext uri="{FF2B5EF4-FFF2-40B4-BE49-F238E27FC236}">
+                <a16:creationId xmlns:a16="http://schemas.microsoft.com/office/drawing/2014/main" id="{59526112-D10E-4162-BB76-E2F3409CDC83}"/>
+              </a:ext>
+            </a:extLst>
+          </p:cNvPr>
+          <p:cNvSpPr/>
+          <p:nvPr/>
+        </p:nvSpPr>
+        <p:spPr bwMode="auto">
+          <a:xfrm>
+            <a:off x="7568242" y="3663950"/>
+            <a:ext cx="304800" cy="639762"/>
+          </a:xfrm>
+          <a:prstGeom prst="rect">
+            <a:avLst/>
+          </a:prstGeom>
+          <a:solidFill>
+            <a:schemeClr val="bg1"/>
+          </a:solidFill>
+          <a:ln w="19050" cap="flat" cmpd="sng" algn="ctr">
+            <a:solidFill>
+              <a:schemeClr val="tx1"/>
+            </a:solidFill>
+            <a:prstDash val="solid"/>
+            <a:round/>
+            <a:headEnd type="none" w="lg" len="lg"/>
+            <a:tailEnd type="none" w="lg" len="lg"/>
+          </a:ln>
+          <a:effectLst/>
+        </p:spPr>
+        <p:txBody>
+          <a:bodyPr vert="horz" wrap="none" lIns="91440" tIns="45720" rIns="91440" bIns="45720" numCol="1" rtlCol="0" anchor="ctr" anchorCtr="0" compatLnSpc="1">
+            <a:prstTxWarp prst="textNoShape">
+              <a:avLst/>
+            </a:prstTxWarp>
+          </a:bodyPr>
+          <a:lstStyle/>
+          <a:p>
+            <a:pPr marL="0" marR="0" indent="0" algn="l" defTabSz="914400" rtl="0" eaLnBrk="0" fontAlgn="base" latinLnBrk="0" hangingPunct="0">
+              <a:lnSpc>
+                <a:spcPct val="100000"/>
+              </a:lnSpc>
+              <a:spcBef>
+                <a:spcPct val="0"/>
+              </a:spcBef>
+              <a:spcAft>
+                <a:spcPct val="0"/>
+              </a:spcAft>
+              <a:buClrTx/>
+              <a:buSzTx/>
+              <a:buFontTx/>
+              <a:buNone/>
+              <a:tabLst/>
+            </a:pPr>
+            <a:endParaRPr kumimoji="0" lang="ko-KR" altLang="en-US" sz="1800" b="0" i="0" u="none" strike="noStrike" cap="none" normalizeH="0" baseline="0">
+              <a:ln>
+                <a:noFill/>
+              </a:ln>
+              <a:solidFill>
+                <a:schemeClr val="tx1"/>
+              </a:solidFill>
+              <a:effectLst/>
+              <a:latin typeface="Arial" pitchFamily="34" charset="0"/>
+              <a:ea typeface="굴림" pitchFamily="50" charset="-127"/>
+            </a:endParaRPr>
+          </a:p>
+        </p:txBody>
+      </p:sp>
+      <p:cxnSp>
+        <p:nvCxnSpPr>
+          <p:cNvPr id="12" name="Connector: Elbow 11">
+            <a:extLst>
+              <a:ext uri="{FF2B5EF4-FFF2-40B4-BE49-F238E27FC236}">
+                <a16:creationId xmlns:a16="http://schemas.microsoft.com/office/drawing/2014/main" id="{6F928C6C-8A38-4ACA-A87F-3034E0FAD149}"/>
+              </a:ext>
+            </a:extLst>
+          </p:cNvPr>
+          <p:cNvCxnSpPr>
+            <a:cxnSpLocks/>
+            <a:stCxn id="6" idx="3"/>
+            <a:endCxn id="17" idx="1"/>
+          </p:cNvCxnSpPr>
+          <p:nvPr/>
+        </p:nvCxnSpPr>
+        <p:spPr bwMode="auto">
+          <a:xfrm>
+            <a:off x="3429000" y="2612231"/>
+            <a:ext cx="1143000" cy="639762"/>
+          </a:xfrm>
+          <a:prstGeom prst="bentConnector3">
+            <a:avLst/>
+          </a:prstGeom>
+          <a:solidFill>
+            <a:schemeClr val="accent1"/>
+          </a:solidFill>
+          <a:ln w="19050" cap="flat" cmpd="sng" algn="ctr">
+            <a:solidFill>
+              <a:schemeClr val="tx1"/>
+            </a:solidFill>
+            <a:prstDash val="solid"/>
+            <a:round/>
+            <a:headEnd type="none" w="lg" len="lg"/>
+            <a:tailEnd type="arrow"/>
+          </a:ln>
+          <a:effectLst/>
+        </p:spPr>
+      </p:cxnSp>
+      <p:cxnSp>
+        <p:nvCxnSpPr>
+          <p:cNvPr id="13" name="Connector: Elbow 12">
+            <a:extLst>
+              <a:ext uri="{FF2B5EF4-FFF2-40B4-BE49-F238E27FC236}">
+                <a16:creationId xmlns:a16="http://schemas.microsoft.com/office/drawing/2014/main" id="{ABE6947B-33A9-41C7-B076-294AAC8E694C}"/>
+              </a:ext>
+            </a:extLst>
+          </p:cNvPr>
+          <p:cNvCxnSpPr>
+            <a:cxnSpLocks/>
+            <a:stCxn id="8" idx="3"/>
+            <a:endCxn id="9" idx="1"/>
+          </p:cNvCxnSpPr>
+          <p:nvPr/>
+        </p:nvCxnSpPr>
+        <p:spPr bwMode="auto">
+          <a:xfrm>
+            <a:off x="5638800" y="3254451"/>
+            <a:ext cx="1167442" cy="729380"/>
+          </a:xfrm>
+          <a:prstGeom prst="bentConnector3">
+            <a:avLst/>
+          </a:prstGeom>
+          <a:solidFill>
+            <a:schemeClr val="accent1"/>
+          </a:solidFill>
+          <a:ln w="19050" cap="flat" cmpd="sng" algn="ctr">
+            <a:solidFill>
+              <a:schemeClr val="tx1"/>
+            </a:solidFill>
+            <a:prstDash val="solid"/>
+            <a:round/>
+            <a:headEnd type="none" w="lg" len="lg"/>
+            <a:tailEnd type="arrow"/>
+          </a:ln>
+          <a:effectLst/>
+        </p:spPr>
+      </p:cxnSp>
+      <p:sp>
+        <p:nvSpPr>
+          <p:cNvPr id="16" name="Rectangle 15">
+            <a:extLst>
+              <a:ext uri="{FF2B5EF4-FFF2-40B4-BE49-F238E27FC236}">
+                <a16:creationId xmlns:a16="http://schemas.microsoft.com/office/drawing/2014/main" id="{72C4A2C3-8ADF-452A-8499-176EDE5034A5}"/>
+              </a:ext>
+            </a:extLst>
+          </p:cNvPr>
+          <p:cNvSpPr/>
+          <p:nvPr/>
+        </p:nvSpPr>
+        <p:spPr bwMode="auto">
+          <a:xfrm>
+            <a:off x="2362200" y="2292350"/>
+            <a:ext cx="304800" cy="639762"/>
+          </a:xfrm>
+          <a:prstGeom prst="rect">
+            <a:avLst/>
+          </a:prstGeom>
+          <a:solidFill>
+            <a:schemeClr val="bg1"/>
+          </a:solidFill>
+          <a:ln w="19050" cap="flat" cmpd="sng" algn="ctr">
+            <a:solidFill>
+              <a:schemeClr val="tx1"/>
+            </a:solidFill>
+            <a:prstDash val="solid"/>
+            <a:round/>
+            <a:headEnd type="none" w="lg" len="lg"/>
+            <a:tailEnd type="none" w="lg" len="lg"/>
+          </a:ln>
+          <a:effectLst/>
+        </p:spPr>
+        <p:txBody>
+          <a:bodyPr vert="horz" wrap="none" lIns="91440" tIns="45720" rIns="91440" bIns="45720" numCol="1" rtlCol="0" anchor="ctr" anchorCtr="0" compatLnSpc="1">
+            <a:prstTxWarp prst="textNoShape">
+              <a:avLst/>
+            </a:prstTxWarp>
+          </a:bodyPr>
+          <a:lstStyle/>
+          <a:p>
+            <a:pPr marL="0" marR="0" indent="0" algn="l" defTabSz="914400" rtl="0" eaLnBrk="0" fontAlgn="base" latinLnBrk="0" hangingPunct="0">
+              <a:lnSpc>
+                <a:spcPct val="100000"/>
+              </a:lnSpc>
+              <a:spcBef>
+                <a:spcPct val="0"/>
+              </a:spcBef>
+              <a:spcAft>
+                <a:spcPct val="0"/>
+              </a:spcAft>
+              <a:buClrTx/>
+              <a:buSzTx/>
+              <a:buFontTx/>
+              <a:buNone/>
+              <a:tabLst/>
+            </a:pPr>
+            <a:endParaRPr kumimoji="0" lang="ko-KR" altLang="en-US" sz="1800" b="0" i="0" u="none" strike="noStrike" cap="none" normalizeH="0" baseline="0">
+              <a:ln>
+                <a:noFill/>
+              </a:ln>
+              <a:solidFill>
+                <a:schemeClr val="tx1"/>
+              </a:solidFill>
+              <a:effectLst/>
+              <a:latin typeface="Arial" pitchFamily="34" charset="0"/>
+              <a:ea typeface="굴림" pitchFamily="50" charset="-127"/>
+            </a:endParaRPr>
+          </a:p>
+        </p:txBody>
+      </p:sp>
+      <p:sp>
+        <p:nvSpPr>
+          <p:cNvPr id="17" name="Rectangle 16">
+            <a:extLst>
+              <a:ext uri="{FF2B5EF4-FFF2-40B4-BE49-F238E27FC236}">
+                <a16:creationId xmlns:a16="http://schemas.microsoft.com/office/drawing/2014/main" id="{26AF5DB2-EF1B-435C-AC9C-18D2D14C19B9}"/>
+              </a:ext>
+            </a:extLst>
+          </p:cNvPr>
+          <p:cNvSpPr/>
+          <p:nvPr/>
+        </p:nvSpPr>
+        <p:spPr bwMode="auto">
+          <a:xfrm>
+            <a:off x="4572000" y="2932112"/>
+            <a:ext cx="304800" cy="639762"/>
+          </a:xfrm>
+          <a:prstGeom prst="rect">
+            <a:avLst/>
+          </a:prstGeom>
+          <a:solidFill>
+            <a:schemeClr val="bg1"/>
+          </a:solidFill>
+          <a:ln w="19050" cap="flat" cmpd="sng" algn="ctr">
+            <a:solidFill>
+              <a:schemeClr val="tx1"/>
+            </a:solidFill>
+            <a:prstDash val="solid"/>
+            <a:round/>
+            <a:headEnd type="none" w="lg" len="lg"/>
+            <a:tailEnd type="none" w="lg" len="lg"/>
+          </a:ln>
+          <a:effectLst/>
+        </p:spPr>
+        <p:txBody>
+          <a:bodyPr vert="horz" wrap="none" lIns="91440" tIns="45720" rIns="91440" bIns="45720" numCol="1" rtlCol="0" anchor="ctr" anchorCtr="0" compatLnSpc="1">
+            <a:prstTxWarp prst="textNoShape">
+              <a:avLst/>
+            </a:prstTxWarp>
+          </a:bodyPr>
+          <a:lstStyle/>
+          <a:p>
+            <a:pPr marL="0" marR="0" indent="0" algn="l" defTabSz="914400" rtl="0" eaLnBrk="0" fontAlgn="base" latinLnBrk="0" hangingPunct="0">
+              <a:lnSpc>
+                <a:spcPct val="100000"/>
+              </a:lnSpc>
+              <a:spcBef>
+                <a:spcPct val="0"/>
+              </a:spcBef>
+              <a:spcAft>
+                <a:spcPct val="0"/>
+              </a:spcAft>
+              <a:buClrTx/>
+              <a:buSzTx/>
+              <a:buFontTx/>
+              <a:buNone/>
+              <a:tabLst/>
+            </a:pPr>
+            <a:endParaRPr kumimoji="0" lang="ko-KR" altLang="en-US" sz="1800" b="0" i="0" u="none" strike="noStrike" cap="none" normalizeH="0" baseline="0">
+              <a:ln>
+                <a:noFill/>
+              </a:ln>
+              <a:solidFill>
+                <a:schemeClr val="tx1"/>
+              </a:solidFill>
+              <a:effectLst/>
+              <a:latin typeface="Arial" pitchFamily="34" charset="0"/>
+              <a:ea typeface="굴림" pitchFamily="50" charset="-127"/>
+            </a:endParaRPr>
+          </a:p>
+        </p:txBody>
+      </p:sp>
+      <p:sp>
+        <p:nvSpPr>
+          <p:cNvPr id="18" name="Rectangle 17">
+            <a:extLst>
+              <a:ext uri="{FF2B5EF4-FFF2-40B4-BE49-F238E27FC236}">
+                <a16:creationId xmlns:a16="http://schemas.microsoft.com/office/drawing/2014/main" id="{D7BB3BB5-8AA8-41E7-84CD-19D561151FDA}"/>
+              </a:ext>
+            </a:extLst>
+          </p:cNvPr>
+          <p:cNvSpPr/>
+          <p:nvPr/>
+        </p:nvSpPr>
+        <p:spPr bwMode="auto">
+          <a:xfrm>
+            <a:off x="6820620" y="3663950"/>
+            <a:ext cx="304800" cy="639762"/>
+          </a:xfrm>
+          <a:prstGeom prst="rect">
+            <a:avLst/>
+          </a:prstGeom>
+          <a:solidFill>
+            <a:schemeClr val="bg1"/>
+          </a:solidFill>
+          <a:ln w="19050" cap="flat" cmpd="sng" algn="ctr">
+            <a:solidFill>
+              <a:schemeClr val="tx1"/>
+            </a:solidFill>
+            <a:prstDash val="solid"/>
+            <a:round/>
+            <a:headEnd type="none" w="lg" len="lg"/>
+            <a:tailEnd type="none" w="lg" len="lg"/>
+          </a:ln>
+          <a:effectLst/>
+        </p:spPr>
+        <p:txBody>
+          <a:bodyPr vert="horz" wrap="none" lIns="91440" tIns="45720" rIns="91440" bIns="45720" numCol="1" rtlCol="0" anchor="ctr" anchorCtr="0" compatLnSpc="1">
+            <a:prstTxWarp prst="textNoShape">
+              <a:avLst/>
+            </a:prstTxWarp>
+          </a:bodyPr>
+          <a:lstStyle/>
+          <a:p>
+            <a:pPr marL="0" marR="0" indent="0" algn="l" defTabSz="914400" rtl="0" eaLnBrk="0" fontAlgn="base" latinLnBrk="0" hangingPunct="0">
+              <a:lnSpc>
+                <a:spcPct val="100000"/>
+              </a:lnSpc>
+              <a:spcBef>
+                <a:spcPct val="0"/>
+              </a:spcBef>
+              <a:spcAft>
+                <a:spcPct val="0"/>
+              </a:spcAft>
+              <a:buClrTx/>
+              <a:buSzTx/>
+              <a:buFontTx/>
+              <a:buNone/>
+              <a:tabLst/>
+            </a:pPr>
+            <a:endParaRPr kumimoji="0" lang="ko-KR" altLang="en-US" sz="1800" b="0" i="0" u="none" strike="noStrike" cap="none" normalizeH="0" baseline="0">
+              <a:ln>
+                <a:noFill/>
+              </a:ln>
+              <a:solidFill>
+                <a:schemeClr val="tx1"/>
+              </a:solidFill>
+              <a:effectLst/>
+              <a:latin typeface="Arial" pitchFamily="34" charset="0"/>
+              <a:ea typeface="굴림" pitchFamily="50" charset="-127"/>
+            </a:endParaRPr>
+          </a:p>
+        </p:txBody>
+      </p:sp>
+      <p:cxnSp>
+        <p:nvCxnSpPr>
+          <p:cNvPr id="19" name="Connector: Elbow 18">
+            <a:extLst>
+              <a:ext uri="{FF2B5EF4-FFF2-40B4-BE49-F238E27FC236}">
+                <a16:creationId xmlns:a16="http://schemas.microsoft.com/office/drawing/2014/main" id="{C656285C-1B88-4D3A-8405-B42CF5448D2D}"/>
+              </a:ext>
+            </a:extLst>
+          </p:cNvPr>
+          <p:cNvCxnSpPr>
+            <a:cxnSpLocks/>
+            <a:stCxn id="17" idx="2"/>
+            <a:endCxn id="6" idx="2"/>
+          </p:cNvCxnSpPr>
+          <p:nvPr/>
+        </p:nvCxnSpPr>
+        <p:spPr bwMode="auto">
+          <a:xfrm rot="5400000" flipH="1">
+            <a:off x="3680619" y="2528093"/>
+            <a:ext cx="639762" cy="1447800"/>
+          </a:xfrm>
+          <a:prstGeom prst="bentConnector3">
+            <a:avLst>
+              <a:gd name="adj1" fmla="val -35732"/>
+            </a:avLst>
+          </a:prstGeom>
+          <a:solidFill>
+            <a:schemeClr val="accent1"/>
+          </a:solidFill>
+          <a:ln w="19050" cap="flat" cmpd="sng" algn="ctr">
+            <a:solidFill>
+              <a:schemeClr val="tx1"/>
+            </a:solidFill>
+            <a:prstDash val="solid"/>
+            <a:round/>
+            <a:headEnd type="none" w="lg" len="lg"/>
+            <a:tailEnd type="arrow"/>
+          </a:ln>
+          <a:effectLst/>
+        </p:spPr>
+      </p:cxnSp>
+      <p:cxnSp>
+        <p:nvCxnSpPr>
+          <p:cNvPr id="23" name="Connector: Elbow 22">
+            <a:extLst>
+              <a:ext uri="{FF2B5EF4-FFF2-40B4-BE49-F238E27FC236}">
+                <a16:creationId xmlns:a16="http://schemas.microsoft.com/office/drawing/2014/main" id="{8B6D513C-BF03-4104-A773-B566C905B039}"/>
+              </a:ext>
+            </a:extLst>
+          </p:cNvPr>
+          <p:cNvCxnSpPr>
+            <a:cxnSpLocks/>
+            <a:stCxn id="18" idx="2"/>
+            <a:endCxn id="8" idx="2"/>
+          </p:cNvCxnSpPr>
+          <p:nvPr/>
+        </p:nvCxnSpPr>
+        <p:spPr bwMode="auto">
+          <a:xfrm rot="5400000" flipH="1">
+            <a:off x="5865020" y="3195712"/>
+            <a:ext cx="729380" cy="1486620"/>
+          </a:xfrm>
+          <a:prstGeom prst="bentConnector3">
+            <a:avLst>
+              <a:gd name="adj1" fmla="val -31342"/>
+            </a:avLst>
+          </a:prstGeom>
+          <a:solidFill>
+            <a:schemeClr val="accent1"/>
+          </a:solidFill>
+          <a:ln w="19050" cap="flat" cmpd="sng" algn="ctr">
+            <a:solidFill>
+              <a:schemeClr val="tx1"/>
+            </a:solidFill>
+            <a:prstDash val="solid"/>
+            <a:round/>
+            <a:headEnd type="none" w="lg" len="lg"/>
+            <a:tailEnd type="arrow"/>
+          </a:ln>
+          <a:effectLst/>
+        </p:spPr>
+      </p:cxnSp>
+      <p:cxnSp>
+        <p:nvCxnSpPr>
+          <p:cNvPr id="32" name="Connector: Elbow 31">
+            <a:extLst>
+              <a:ext uri="{FF2B5EF4-FFF2-40B4-BE49-F238E27FC236}">
+                <a16:creationId xmlns:a16="http://schemas.microsoft.com/office/drawing/2014/main" id="{C5D0055F-90E2-488B-8253-63ACAD987768}"/>
+              </a:ext>
+            </a:extLst>
+          </p:cNvPr>
+          <p:cNvCxnSpPr>
+            <a:cxnSpLocks/>
+            <a:stCxn id="16" idx="1"/>
+          </p:cNvCxnSpPr>
+          <p:nvPr/>
+        </p:nvCxnSpPr>
+        <p:spPr bwMode="auto">
+          <a:xfrm rot="10800000">
+            <a:off x="1655552" y="2292351"/>
+            <a:ext cx="706649" cy="319881"/>
+          </a:xfrm>
+          <a:prstGeom prst="bentConnector3">
+            <a:avLst>
+              <a:gd name="adj1" fmla="val 50000"/>
+            </a:avLst>
+          </a:prstGeom>
+          <a:solidFill>
+            <a:schemeClr val="accent1"/>
+          </a:solidFill>
+          <a:ln w="19050" cap="flat" cmpd="sng" algn="ctr">
+            <a:solidFill>
+              <a:schemeClr val="tx1"/>
+            </a:solidFill>
+            <a:prstDash val="solid"/>
+            <a:round/>
+            <a:headEnd type="none" w="lg" len="lg"/>
+            <a:tailEnd type="arrow"/>
+          </a:ln>
+          <a:effectLst/>
+        </p:spPr>
+      </p:cxnSp>
+      <p:cxnSp>
+        <p:nvCxnSpPr>
+          <p:cNvPr id="35" name="Connector: Elbow 34">
+            <a:extLst>
+              <a:ext uri="{FF2B5EF4-FFF2-40B4-BE49-F238E27FC236}">
+                <a16:creationId xmlns:a16="http://schemas.microsoft.com/office/drawing/2014/main" id="{46472F09-6C60-4725-9082-FC5C91F04093}"/>
+              </a:ext>
+            </a:extLst>
+          </p:cNvPr>
+          <p:cNvCxnSpPr>
+            <a:cxnSpLocks/>
+            <a:stCxn id="10" idx="3"/>
+          </p:cNvCxnSpPr>
+          <p:nvPr/>
+        </p:nvCxnSpPr>
+        <p:spPr bwMode="auto">
+          <a:xfrm>
+            <a:off x="7873042" y="3983831"/>
+            <a:ext cx="747622" cy="725288"/>
+          </a:xfrm>
+          <a:prstGeom prst="bentConnector3">
+            <a:avLst>
+              <a:gd name="adj1" fmla="val 50000"/>
+            </a:avLst>
+          </a:prstGeom>
+          <a:solidFill>
+            <a:schemeClr val="accent1"/>
+          </a:solidFill>
+          <a:ln w="19050" cap="flat" cmpd="sng" algn="ctr">
+            <a:solidFill>
+              <a:schemeClr val="tx1"/>
+            </a:solidFill>
+            <a:prstDash val="solid"/>
+            <a:round/>
+            <a:headEnd type="none" w="lg" len="lg"/>
+            <a:tailEnd type="arrow"/>
+          </a:ln>
+          <a:effectLst/>
+        </p:spPr>
+      </p:cxnSp>
+      <p:cxnSp>
+        <p:nvCxnSpPr>
+          <p:cNvPr id="20" name="Connector: Elbow 19">
+            <a:extLst>
+              <a:ext uri="{FF2B5EF4-FFF2-40B4-BE49-F238E27FC236}">
+                <a16:creationId xmlns:a16="http://schemas.microsoft.com/office/drawing/2014/main" id="{002C1D1C-E9FB-4E79-B86F-5947C95C78A9}"/>
+              </a:ext>
+            </a:extLst>
+          </p:cNvPr>
+          <p:cNvCxnSpPr>
+            <a:cxnSpLocks/>
+          </p:cNvCxnSpPr>
+          <p:nvPr/>
+        </p:nvCxnSpPr>
+        <p:spPr bwMode="auto">
+          <a:xfrm rot="5400000">
+            <a:off x="2027215" y="2809942"/>
+            <a:ext cx="1012870" cy="723900"/>
+          </a:xfrm>
+          <a:prstGeom prst="bentConnector3">
+            <a:avLst>
+              <a:gd name="adj1" fmla="val 50000"/>
+            </a:avLst>
+          </a:prstGeom>
+          <a:solidFill>
+            <a:schemeClr val="accent1"/>
+          </a:solidFill>
+          <a:ln w="19050" cap="flat" cmpd="sng" algn="ctr">
+            <a:solidFill>
+              <a:schemeClr val="tx1"/>
+            </a:solidFill>
+            <a:prstDash val="solid"/>
+            <a:round/>
+            <a:headEnd type="none" w="lg" len="lg"/>
+            <a:tailEnd type="arrow"/>
+          </a:ln>
+          <a:effectLst/>
+        </p:spPr>
+      </p:cxnSp>
+      <p:cxnSp>
+        <p:nvCxnSpPr>
+          <p:cNvPr id="21" name="Connector: Elbow 20">
+            <a:extLst>
+              <a:ext uri="{FF2B5EF4-FFF2-40B4-BE49-F238E27FC236}">
+                <a16:creationId xmlns:a16="http://schemas.microsoft.com/office/drawing/2014/main" id="{E3AEEB67-0CFC-4B72-B92E-1276529A4FA8}"/>
+              </a:ext>
+            </a:extLst>
+          </p:cNvPr>
+          <p:cNvCxnSpPr>
+            <a:cxnSpLocks/>
+          </p:cNvCxnSpPr>
+          <p:nvPr/>
+        </p:nvCxnSpPr>
+        <p:spPr bwMode="auto">
+          <a:xfrm rot="5400000">
+            <a:off x="4188851" y="3529805"/>
+            <a:ext cx="1012870" cy="723900"/>
+          </a:xfrm>
+          <a:prstGeom prst="bentConnector3">
+            <a:avLst>
+              <a:gd name="adj1" fmla="val 50000"/>
+            </a:avLst>
+          </a:prstGeom>
+          <a:solidFill>
+            <a:schemeClr val="accent1"/>
+          </a:solidFill>
+          <a:ln w="19050" cap="flat" cmpd="sng" algn="ctr">
+            <a:solidFill>
+              <a:schemeClr val="tx1"/>
+            </a:solidFill>
+            <a:prstDash val="solid"/>
+            <a:round/>
+            <a:headEnd type="none" w="lg" len="lg"/>
+            <a:tailEnd type="arrow"/>
+          </a:ln>
+          <a:effectLst/>
+        </p:spPr>
+      </p:cxnSp>
+      <p:cxnSp>
+        <p:nvCxnSpPr>
+          <p:cNvPr id="22" name="Connector: Elbow 21">
+            <a:extLst>
+              <a:ext uri="{FF2B5EF4-FFF2-40B4-BE49-F238E27FC236}">
+                <a16:creationId xmlns:a16="http://schemas.microsoft.com/office/drawing/2014/main" id="{F03EFAC2-38D2-4D34-A2ED-C7B67B59DD94}"/>
+              </a:ext>
+            </a:extLst>
+          </p:cNvPr>
+          <p:cNvCxnSpPr>
+            <a:cxnSpLocks/>
+          </p:cNvCxnSpPr>
+          <p:nvPr/>
+        </p:nvCxnSpPr>
+        <p:spPr bwMode="auto">
+          <a:xfrm rot="5400000">
+            <a:off x="6482759" y="4261643"/>
+            <a:ext cx="1012870" cy="723900"/>
+          </a:xfrm>
+          <a:prstGeom prst="bentConnector3">
+            <a:avLst>
+              <a:gd name="adj1" fmla="val 50000"/>
+            </a:avLst>
+          </a:prstGeom>
+          <a:solidFill>
+            <a:schemeClr val="accent1"/>
+          </a:solidFill>
+          <a:ln w="19050" cap="flat" cmpd="sng" algn="ctr">
+            <a:solidFill>
+              <a:schemeClr val="tx1"/>
+            </a:solidFill>
+            <a:prstDash val="solid"/>
+            <a:round/>
+            <a:headEnd type="none" w="lg" len="lg"/>
+            <a:tailEnd type="arrow"/>
+          </a:ln>
+          <a:effectLst/>
+        </p:spPr>
+      </p:cxnSp>
+    </p:spTree>
+    <p:extLst>
+      <p:ext uri="{BB962C8B-B14F-4D97-AF65-F5344CB8AC3E}">
+        <p14:creationId xmlns:p14="http://schemas.microsoft.com/office/powerpoint/2010/main" val="1499748722"/>
+      </p:ext>
+    </p:extLst>
+  </p:cSld>
+  <p:clrMapOvr>
+    <a:masterClrMapping/>
+  </p:clrMapOvr>
+</p:sld>
+</file>
+
 <file path=ppt/slides/slide2.xml><?xml version="1.0" encoding="utf-8"?>
 <p:sld xmlns:a="http://schemas.openxmlformats.org/drawingml/2006/main" xmlns:r="http://schemas.openxmlformats.org/officeDocument/2006/relationships" xmlns:p="http://schemas.openxmlformats.org/presentationml/2006/main">
   <p:cSld>
@@ -13753,6 +16153,2577 @@
     <p:extLst>
       <p:ext uri="{BB962C8B-B14F-4D97-AF65-F5344CB8AC3E}">
         <p14:creationId xmlns:p14="http://schemas.microsoft.com/office/powerpoint/2010/main" val="1019554700"/>
+      </p:ext>
+    </p:extLst>
+  </p:cSld>
+  <p:clrMapOvr>
+    <a:masterClrMapping/>
+  </p:clrMapOvr>
+</p:sld>
+</file>
+
+<file path=ppt/slides/slide7.xml><?xml version="1.0" encoding="utf-8"?>
+<p:sld xmlns:a="http://schemas.openxmlformats.org/drawingml/2006/main" xmlns:r="http://schemas.openxmlformats.org/officeDocument/2006/relationships" xmlns:p="http://schemas.openxmlformats.org/presentationml/2006/main">
+  <p:cSld>
+    <p:spTree>
+      <p:nvGrpSpPr>
+        <p:cNvPr id="1" name=""/>
+        <p:cNvGrpSpPr/>
+        <p:nvPr/>
+      </p:nvGrpSpPr>
+      <p:grpSpPr>
+        <a:xfrm>
+          <a:off x="0" y="0"/>
+          <a:ext cx="0" cy="0"/>
+          <a:chOff x="0" y="0"/>
+          <a:chExt cx="0" cy="0"/>
+        </a:xfrm>
+      </p:grpSpPr>
+      <p:sp>
+        <p:nvSpPr>
+          <p:cNvPr id="3" name="Title 2">
+            <a:extLst>
+              <a:ext uri="{FF2B5EF4-FFF2-40B4-BE49-F238E27FC236}">
+                <a16:creationId xmlns:a16="http://schemas.microsoft.com/office/drawing/2014/main" id="{12221E77-9EB6-4784-9966-605692DCEACA}"/>
+              </a:ext>
+            </a:extLst>
+          </p:cNvPr>
+          <p:cNvSpPr>
+            <a:spLocks noGrp="1"/>
+          </p:cNvSpPr>
+          <p:nvPr>
+            <p:ph type="title"/>
+          </p:nvPr>
+        </p:nvSpPr>
+        <p:spPr/>
+        <p:txBody>
+          <a:bodyPr/>
+          <a:lstStyle/>
+          <a:p>
+            <a:r>
+              <a:rPr lang="en-US" altLang="ko-KR" dirty="0"/>
+              <a:t>Linked List</a:t>
+            </a:r>
+            <a:endParaRPr lang="ko-KR" altLang="en-US" dirty="0"/>
+          </a:p>
+        </p:txBody>
+      </p:sp>
+      <p:sp>
+        <p:nvSpPr>
+          <p:cNvPr id="4" name="Slide Number Placeholder 3">
+            <a:extLst>
+              <a:ext uri="{FF2B5EF4-FFF2-40B4-BE49-F238E27FC236}">
+                <a16:creationId xmlns:a16="http://schemas.microsoft.com/office/drawing/2014/main" id="{09245503-33CA-4213-9D8E-FA845344FA1A}"/>
+              </a:ext>
+            </a:extLst>
+          </p:cNvPr>
+          <p:cNvSpPr>
+            <a:spLocks noGrp="1"/>
+          </p:cNvSpPr>
+          <p:nvPr>
+            <p:ph type="sldNum" sz="quarter" idx="11"/>
+          </p:nvPr>
+        </p:nvSpPr>
+        <p:spPr/>
+        <p:txBody>
+          <a:bodyPr/>
+          <a:lstStyle/>
+          <a:p>
+            <a:pPr>
+              <a:defRPr/>
+            </a:pPr>
+            <a:fld id="{7585D841-3058-4BFE-8F4A-3303B3707F0A}" type="slidenum">
+              <a:rPr lang="en-US" altLang="ko-KR" smtClean="0"/>
+              <a:pPr>
+                <a:defRPr/>
+              </a:pPr>
+              <a:t>6</a:t>
+            </a:fld>
+            <a:endParaRPr lang="en-US" altLang="ko-KR"/>
+          </a:p>
+        </p:txBody>
+      </p:sp>
+      <p:sp>
+        <p:nvSpPr>
+          <p:cNvPr id="5" name="Rectangle 4">
+            <a:extLst>
+              <a:ext uri="{FF2B5EF4-FFF2-40B4-BE49-F238E27FC236}">
+                <a16:creationId xmlns:a16="http://schemas.microsoft.com/office/drawing/2014/main" id="{BF5B196D-2A69-49BF-9D7C-770D56E9AFCA}"/>
+              </a:ext>
+            </a:extLst>
+          </p:cNvPr>
+          <p:cNvSpPr/>
+          <p:nvPr/>
+        </p:nvSpPr>
+        <p:spPr bwMode="auto">
+          <a:xfrm>
+            <a:off x="2362200" y="2292350"/>
+            <a:ext cx="1066800" cy="639762"/>
+          </a:xfrm>
+          <a:prstGeom prst="rect">
+            <a:avLst/>
+          </a:prstGeom>
+          <a:solidFill>
+            <a:schemeClr val="bg1"/>
+          </a:solidFill>
+          <a:ln w="19050" cap="flat" cmpd="sng" algn="ctr">
+            <a:solidFill>
+              <a:schemeClr val="tx1"/>
+            </a:solidFill>
+            <a:prstDash val="solid"/>
+            <a:round/>
+            <a:headEnd type="none" w="lg" len="lg"/>
+            <a:tailEnd type="none" w="lg" len="lg"/>
+          </a:ln>
+          <a:effectLst/>
+        </p:spPr>
+        <p:txBody>
+          <a:bodyPr vert="horz" wrap="none" lIns="91440" tIns="45720" rIns="91440" bIns="45720" numCol="1" rtlCol="0" anchor="ctr" anchorCtr="0" compatLnSpc="1">
+            <a:prstTxWarp prst="textNoShape">
+              <a:avLst/>
+            </a:prstTxWarp>
+          </a:bodyPr>
+          <a:lstStyle/>
+          <a:p>
+            <a:pPr marL="0" marR="0" indent="0" algn="l" defTabSz="914400" rtl="0" eaLnBrk="0" fontAlgn="base" latinLnBrk="0" hangingPunct="0">
+              <a:lnSpc>
+                <a:spcPct val="100000"/>
+              </a:lnSpc>
+              <a:spcBef>
+                <a:spcPct val="0"/>
+              </a:spcBef>
+              <a:spcAft>
+                <a:spcPct val="0"/>
+              </a:spcAft>
+              <a:buClrTx/>
+              <a:buSzTx/>
+              <a:buFontTx/>
+              <a:buNone/>
+              <a:tabLst/>
+            </a:pPr>
+            <a:endParaRPr kumimoji="0" lang="ko-KR" altLang="en-US" sz="1800" b="0" i="0" u="none" strike="noStrike" cap="none" normalizeH="0" baseline="0">
+              <a:ln>
+                <a:noFill/>
+              </a:ln>
+              <a:solidFill>
+                <a:schemeClr val="tx1"/>
+              </a:solidFill>
+              <a:effectLst/>
+              <a:latin typeface="Arial" pitchFamily="34" charset="0"/>
+              <a:ea typeface="굴림" pitchFamily="50" charset="-127"/>
+            </a:endParaRPr>
+          </a:p>
+        </p:txBody>
+      </p:sp>
+      <p:sp>
+        <p:nvSpPr>
+          <p:cNvPr id="6" name="Rectangle 5">
+            <a:extLst>
+              <a:ext uri="{FF2B5EF4-FFF2-40B4-BE49-F238E27FC236}">
+                <a16:creationId xmlns:a16="http://schemas.microsoft.com/office/drawing/2014/main" id="{C048BE06-6469-47E7-9BD7-B11087AFE7CD}"/>
+              </a:ext>
+            </a:extLst>
+          </p:cNvPr>
+          <p:cNvSpPr/>
+          <p:nvPr/>
+        </p:nvSpPr>
+        <p:spPr bwMode="auto">
+          <a:xfrm>
+            <a:off x="3124200" y="2292350"/>
+            <a:ext cx="304800" cy="639762"/>
+          </a:xfrm>
+          <a:prstGeom prst="rect">
+            <a:avLst/>
+          </a:prstGeom>
+          <a:solidFill>
+            <a:schemeClr val="bg1"/>
+          </a:solidFill>
+          <a:ln w="19050" cap="flat" cmpd="sng" algn="ctr">
+            <a:solidFill>
+              <a:schemeClr val="tx1"/>
+            </a:solidFill>
+            <a:prstDash val="solid"/>
+            <a:round/>
+            <a:headEnd type="none" w="lg" len="lg"/>
+            <a:tailEnd type="none" w="lg" len="lg"/>
+          </a:ln>
+          <a:effectLst/>
+        </p:spPr>
+        <p:txBody>
+          <a:bodyPr vert="horz" wrap="none" lIns="91440" tIns="45720" rIns="91440" bIns="45720" numCol="1" rtlCol="0" anchor="ctr" anchorCtr="0" compatLnSpc="1">
+            <a:prstTxWarp prst="textNoShape">
+              <a:avLst/>
+            </a:prstTxWarp>
+          </a:bodyPr>
+          <a:lstStyle/>
+          <a:p>
+            <a:pPr marL="0" marR="0" indent="0" algn="l" defTabSz="914400" rtl="0" eaLnBrk="0" fontAlgn="base" latinLnBrk="0" hangingPunct="0">
+              <a:lnSpc>
+                <a:spcPct val="100000"/>
+              </a:lnSpc>
+              <a:spcBef>
+                <a:spcPct val="0"/>
+              </a:spcBef>
+              <a:spcAft>
+                <a:spcPct val="0"/>
+              </a:spcAft>
+              <a:buClrTx/>
+              <a:buSzTx/>
+              <a:buFontTx/>
+              <a:buNone/>
+              <a:tabLst/>
+            </a:pPr>
+            <a:endParaRPr kumimoji="0" lang="ko-KR" altLang="en-US" sz="1800" b="0" i="0" u="none" strike="noStrike" cap="none" normalizeH="0" baseline="0">
+              <a:ln>
+                <a:noFill/>
+              </a:ln>
+              <a:solidFill>
+                <a:schemeClr val="tx1"/>
+              </a:solidFill>
+              <a:effectLst/>
+              <a:latin typeface="Arial" pitchFamily="34" charset="0"/>
+              <a:ea typeface="굴림" pitchFamily="50" charset="-127"/>
+            </a:endParaRPr>
+          </a:p>
+        </p:txBody>
+      </p:sp>
+      <p:sp>
+        <p:nvSpPr>
+          <p:cNvPr id="7" name="Rectangle 6">
+            <a:extLst>
+              <a:ext uri="{FF2B5EF4-FFF2-40B4-BE49-F238E27FC236}">
+                <a16:creationId xmlns:a16="http://schemas.microsoft.com/office/drawing/2014/main" id="{EB33201E-C9A0-4580-B627-7A97D5D22532}"/>
+              </a:ext>
+            </a:extLst>
+          </p:cNvPr>
+          <p:cNvSpPr/>
+          <p:nvPr/>
+        </p:nvSpPr>
+        <p:spPr bwMode="auto">
+          <a:xfrm>
+            <a:off x="4572000" y="2934570"/>
+            <a:ext cx="1066800" cy="639762"/>
+          </a:xfrm>
+          <a:prstGeom prst="rect">
+            <a:avLst/>
+          </a:prstGeom>
+          <a:solidFill>
+            <a:schemeClr val="bg1"/>
+          </a:solidFill>
+          <a:ln w="19050" cap="flat" cmpd="sng" algn="ctr">
+            <a:solidFill>
+              <a:schemeClr val="tx1"/>
+            </a:solidFill>
+            <a:prstDash val="solid"/>
+            <a:round/>
+            <a:headEnd type="none" w="lg" len="lg"/>
+            <a:tailEnd type="none" w="lg" len="lg"/>
+          </a:ln>
+          <a:effectLst/>
+        </p:spPr>
+        <p:txBody>
+          <a:bodyPr vert="horz" wrap="none" lIns="91440" tIns="45720" rIns="91440" bIns="45720" numCol="1" rtlCol="0" anchor="ctr" anchorCtr="0" compatLnSpc="1">
+            <a:prstTxWarp prst="textNoShape">
+              <a:avLst/>
+            </a:prstTxWarp>
+          </a:bodyPr>
+          <a:lstStyle/>
+          <a:p>
+            <a:pPr marL="0" marR="0" indent="0" algn="l" defTabSz="914400" rtl="0" eaLnBrk="0" fontAlgn="base" latinLnBrk="0" hangingPunct="0">
+              <a:lnSpc>
+                <a:spcPct val="100000"/>
+              </a:lnSpc>
+              <a:spcBef>
+                <a:spcPct val="0"/>
+              </a:spcBef>
+              <a:spcAft>
+                <a:spcPct val="0"/>
+              </a:spcAft>
+              <a:buClrTx/>
+              <a:buSzTx/>
+              <a:buFontTx/>
+              <a:buNone/>
+              <a:tabLst/>
+            </a:pPr>
+            <a:endParaRPr kumimoji="0" lang="ko-KR" altLang="en-US" sz="1800" b="0" i="0" u="none" strike="noStrike" cap="none" normalizeH="0" baseline="0">
+              <a:ln>
+                <a:noFill/>
+              </a:ln>
+              <a:solidFill>
+                <a:schemeClr val="tx1"/>
+              </a:solidFill>
+              <a:effectLst/>
+              <a:latin typeface="Arial" pitchFamily="34" charset="0"/>
+              <a:ea typeface="굴림" pitchFamily="50" charset="-127"/>
+            </a:endParaRPr>
+          </a:p>
+        </p:txBody>
+      </p:sp>
+      <p:sp>
+        <p:nvSpPr>
+          <p:cNvPr id="8" name="Rectangle 7">
+            <a:extLst>
+              <a:ext uri="{FF2B5EF4-FFF2-40B4-BE49-F238E27FC236}">
+                <a16:creationId xmlns:a16="http://schemas.microsoft.com/office/drawing/2014/main" id="{6C4041EC-D4C2-40C2-9C7D-BB49C9099313}"/>
+              </a:ext>
+            </a:extLst>
+          </p:cNvPr>
+          <p:cNvSpPr/>
+          <p:nvPr/>
+        </p:nvSpPr>
+        <p:spPr bwMode="auto">
+          <a:xfrm>
+            <a:off x="5334000" y="2934570"/>
+            <a:ext cx="304800" cy="639762"/>
+          </a:xfrm>
+          <a:prstGeom prst="rect">
+            <a:avLst/>
+          </a:prstGeom>
+          <a:solidFill>
+            <a:schemeClr val="bg1"/>
+          </a:solidFill>
+          <a:ln w="19050" cap="flat" cmpd="sng" algn="ctr">
+            <a:solidFill>
+              <a:schemeClr val="tx1"/>
+            </a:solidFill>
+            <a:prstDash val="solid"/>
+            <a:round/>
+            <a:headEnd type="none" w="lg" len="lg"/>
+            <a:tailEnd type="none" w="lg" len="lg"/>
+          </a:ln>
+          <a:effectLst/>
+        </p:spPr>
+        <p:txBody>
+          <a:bodyPr vert="horz" wrap="none" lIns="91440" tIns="45720" rIns="91440" bIns="45720" numCol="1" rtlCol="0" anchor="ctr" anchorCtr="0" compatLnSpc="1">
+            <a:prstTxWarp prst="textNoShape">
+              <a:avLst/>
+            </a:prstTxWarp>
+          </a:bodyPr>
+          <a:lstStyle/>
+          <a:p>
+            <a:pPr marL="0" marR="0" indent="0" algn="l" defTabSz="914400" rtl="0" eaLnBrk="0" fontAlgn="base" latinLnBrk="0" hangingPunct="0">
+              <a:lnSpc>
+                <a:spcPct val="100000"/>
+              </a:lnSpc>
+              <a:spcBef>
+                <a:spcPct val="0"/>
+              </a:spcBef>
+              <a:spcAft>
+                <a:spcPct val="0"/>
+              </a:spcAft>
+              <a:buClrTx/>
+              <a:buSzTx/>
+              <a:buFontTx/>
+              <a:buNone/>
+              <a:tabLst/>
+            </a:pPr>
+            <a:endParaRPr kumimoji="0" lang="ko-KR" altLang="en-US" sz="1800" b="0" i="0" u="none" strike="noStrike" cap="none" normalizeH="0" baseline="0">
+              <a:ln>
+                <a:noFill/>
+              </a:ln>
+              <a:solidFill>
+                <a:schemeClr val="tx1"/>
+              </a:solidFill>
+              <a:effectLst/>
+              <a:latin typeface="Arial" pitchFamily="34" charset="0"/>
+              <a:ea typeface="굴림" pitchFamily="50" charset="-127"/>
+            </a:endParaRPr>
+          </a:p>
+        </p:txBody>
+      </p:sp>
+      <p:sp>
+        <p:nvSpPr>
+          <p:cNvPr id="9" name="Rectangle 8">
+            <a:extLst>
+              <a:ext uri="{FF2B5EF4-FFF2-40B4-BE49-F238E27FC236}">
+                <a16:creationId xmlns:a16="http://schemas.microsoft.com/office/drawing/2014/main" id="{04061F04-064C-408F-80DF-69C4D8715705}"/>
+              </a:ext>
+            </a:extLst>
+          </p:cNvPr>
+          <p:cNvSpPr/>
+          <p:nvPr/>
+        </p:nvSpPr>
+        <p:spPr bwMode="auto">
+          <a:xfrm>
+            <a:off x="6806242" y="3663950"/>
+            <a:ext cx="1066800" cy="639762"/>
+          </a:xfrm>
+          <a:prstGeom prst="rect">
+            <a:avLst/>
+          </a:prstGeom>
+          <a:solidFill>
+            <a:schemeClr val="bg1"/>
+          </a:solidFill>
+          <a:ln w="19050" cap="flat" cmpd="sng" algn="ctr">
+            <a:solidFill>
+              <a:schemeClr val="tx1"/>
+            </a:solidFill>
+            <a:prstDash val="solid"/>
+            <a:round/>
+            <a:headEnd type="none" w="lg" len="lg"/>
+            <a:tailEnd type="none" w="lg" len="lg"/>
+          </a:ln>
+          <a:effectLst/>
+        </p:spPr>
+        <p:txBody>
+          <a:bodyPr vert="horz" wrap="none" lIns="91440" tIns="45720" rIns="91440" bIns="45720" numCol="1" rtlCol="0" anchor="ctr" anchorCtr="0" compatLnSpc="1">
+            <a:prstTxWarp prst="textNoShape">
+              <a:avLst/>
+            </a:prstTxWarp>
+          </a:bodyPr>
+          <a:lstStyle/>
+          <a:p>
+            <a:pPr marL="0" marR="0" indent="0" algn="l" defTabSz="914400" rtl="0" eaLnBrk="0" fontAlgn="base" latinLnBrk="0" hangingPunct="0">
+              <a:lnSpc>
+                <a:spcPct val="100000"/>
+              </a:lnSpc>
+              <a:spcBef>
+                <a:spcPct val="0"/>
+              </a:spcBef>
+              <a:spcAft>
+                <a:spcPct val="0"/>
+              </a:spcAft>
+              <a:buClrTx/>
+              <a:buSzTx/>
+              <a:buFontTx/>
+              <a:buNone/>
+              <a:tabLst/>
+            </a:pPr>
+            <a:endParaRPr kumimoji="0" lang="ko-KR" altLang="en-US" sz="1800" b="0" i="0" u="none" strike="noStrike" cap="none" normalizeH="0" baseline="0">
+              <a:ln>
+                <a:noFill/>
+              </a:ln>
+              <a:solidFill>
+                <a:schemeClr val="tx1"/>
+              </a:solidFill>
+              <a:effectLst/>
+              <a:latin typeface="Arial" pitchFamily="34" charset="0"/>
+              <a:ea typeface="굴림" pitchFamily="50" charset="-127"/>
+            </a:endParaRPr>
+          </a:p>
+        </p:txBody>
+      </p:sp>
+      <p:sp>
+        <p:nvSpPr>
+          <p:cNvPr id="10" name="Rectangle 9">
+            <a:extLst>
+              <a:ext uri="{FF2B5EF4-FFF2-40B4-BE49-F238E27FC236}">
+                <a16:creationId xmlns:a16="http://schemas.microsoft.com/office/drawing/2014/main" id="{59526112-D10E-4162-BB76-E2F3409CDC83}"/>
+              </a:ext>
+            </a:extLst>
+          </p:cNvPr>
+          <p:cNvSpPr/>
+          <p:nvPr/>
+        </p:nvSpPr>
+        <p:spPr bwMode="auto">
+          <a:xfrm>
+            <a:off x="7568242" y="3663950"/>
+            <a:ext cx="304800" cy="639762"/>
+          </a:xfrm>
+          <a:prstGeom prst="rect">
+            <a:avLst/>
+          </a:prstGeom>
+          <a:solidFill>
+            <a:schemeClr val="bg1"/>
+          </a:solidFill>
+          <a:ln w="19050" cap="flat" cmpd="sng" algn="ctr">
+            <a:solidFill>
+              <a:schemeClr val="tx1"/>
+            </a:solidFill>
+            <a:prstDash val="solid"/>
+            <a:round/>
+            <a:headEnd type="none" w="lg" len="lg"/>
+            <a:tailEnd type="none" w="lg" len="lg"/>
+          </a:ln>
+          <a:effectLst/>
+        </p:spPr>
+        <p:txBody>
+          <a:bodyPr vert="horz" wrap="none" lIns="91440" tIns="45720" rIns="91440" bIns="45720" numCol="1" rtlCol="0" anchor="ctr" anchorCtr="0" compatLnSpc="1">
+            <a:prstTxWarp prst="textNoShape">
+              <a:avLst/>
+            </a:prstTxWarp>
+          </a:bodyPr>
+          <a:lstStyle/>
+          <a:p>
+            <a:pPr marL="0" marR="0" indent="0" algn="l" defTabSz="914400" rtl="0" eaLnBrk="0" fontAlgn="base" latinLnBrk="0" hangingPunct="0">
+              <a:lnSpc>
+                <a:spcPct val="100000"/>
+              </a:lnSpc>
+              <a:spcBef>
+                <a:spcPct val="0"/>
+              </a:spcBef>
+              <a:spcAft>
+                <a:spcPct val="0"/>
+              </a:spcAft>
+              <a:buClrTx/>
+              <a:buSzTx/>
+              <a:buFontTx/>
+              <a:buNone/>
+              <a:tabLst/>
+            </a:pPr>
+            <a:endParaRPr kumimoji="0" lang="ko-KR" altLang="en-US" sz="1800" b="0" i="0" u="none" strike="noStrike" cap="none" normalizeH="0" baseline="0">
+              <a:ln>
+                <a:noFill/>
+              </a:ln>
+              <a:solidFill>
+                <a:schemeClr val="tx1"/>
+              </a:solidFill>
+              <a:effectLst/>
+              <a:latin typeface="Arial" pitchFamily="34" charset="0"/>
+              <a:ea typeface="굴림" pitchFamily="50" charset="-127"/>
+            </a:endParaRPr>
+          </a:p>
+        </p:txBody>
+      </p:sp>
+      <p:cxnSp>
+        <p:nvCxnSpPr>
+          <p:cNvPr id="12" name="Connector: Elbow 11">
+            <a:extLst>
+              <a:ext uri="{FF2B5EF4-FFF2-40B4-BE49-F238E27FC236}">
+                <a16:creationId xmlns:a16="http://schemas.microsoft.com/office/drawing/2014/main" id="{6F928C6C-8A38-4ACA-A87F-3034E0FAD149}"/>
+              </a:ext>
+            </a:extLst>
+          </p:cNvPr>
+          <p:cNvCxnSpPr>
+            <a:stCxn id="6" idx="3"/>
+            <a:endCxn id="7" idx="1"/>
+          </p:cNvCxnSpPr>
+          <p:nvPr/>
+        </p:nvCxnSpPr>
+        <p:spPr bwMode="auto">
+          <a:xfrm>
+            <a:off x="3429000" y="2612231"/>
+            <a:ext cx="1143000" cy="642220"/>
+          </a:xfrm>
+          <a:prstGeom prst="bentConnector3">
+            <a:avLst/>
+          </a:prstGeom>
+          <a:solidFill>
+            <a:schemeClr val="accent1"/>
+          </a:solidFill>
+          <a:ln w="19050" cap="flat" cmpd="sng" algn="ctr">
+            <a:solidFill>
+              <a:schemeClr val="tx1"/>
+            </a:solidFill>
+            <a:prstDash val="solid"/>
+            <a:round/>
+            <a:headEnd type="none" w="lg" len="lg"/>
+            <a:tailEnd type="arrow"/>
+          </a:ln>
+          <a:effectLst/>
+        </p:spPr>
+      </p:cxnSp>
+      <p:cxnSp>
+        <p:nvCxnSpPr>
+          <p:cNvPr id="13" name="Connector: Elbow 12">
+            <a:extLst>
+              <a:ext uri="{FF2B5EF4-FFF2-40B4-BE49-F238E27FC236}">
+                <a16:creationId xmlns:a16="http://schemas.microsoft.com/office/drawing/2014/main" id="{ABE6947B-33A9-41C7-B076-294AAC8E694C}"/>
+              </a:ext>
+            </a:extLst>
+          </p:cNvPr>
+          <p:cNvCxnSpPr>
+            <a:cxnSpLocks/>
+            <a:stCxn id="8" idx="3"/>
+            <a:endCxn id="9" idx="1"/>
+          </p:cNvCxnSpPr>
+          <p:nvPr/>
+        </p:nvCxnSpPr>
+        <p:spPr bwMode="auto">
+          <a:xfrm>
+            <a:off x="5638800" y="3254451"/>
+            <a:ext cx="1167442" cy="729380"/>
+          </a:xfrm>
+          <a:prstGeom prst="bentConnector3">
+            <a:avLst/>
+          </a:prstGeom>
+          <a:solidFill>
+            <a:schemeClr val="accent1"/>
+          </a:solidFill>
+          <a:ln w="19050" cap="flat" cmpd="sng" algn="ctr">
+            <a:solidFill>
+              <a:schemeClr val="tx1"/>
+            </a:solidFill>
+            <a:prstDash val="solid"/>
+            <a:round/>
+            <a:headEnd type="none" w="lg" len="lg"/>
+            <a:tailEnd type="arrow"/>
+          </a:ln>
+          <a:effectLst/>
+        </p:spPr>
+      </p:cxnSp>
+    </p:spTree>
+    <p:extLst>
+      <p:ext uri="{BB962C8B-B14F-4D97-AF65-F5344CB8AC3E}">
+        <p14:creationId xmlns:p14="http://schemas.microsoft.com/office/powerpoint/2010/main" val="3730418812"/>
+      </p:ext>
+    </p:extLst>
+  </p:cSld>
+  <p:clrMapOvr>
+    <a:masterClrMapping/>
+  </p:clrMapOvr>
+</p:sld>
+</file>
+
+<file path=ppt/slides/slide8.xml><?xml version="1.0" encoding="utf-8"?>
+<p:sld xmlns:a="http://schemas.openxmlformats.org/drawingml/2006/main" xmlns:r="http://schemas.openxmlformats.org/officeDocument/2006/relationships" xmlns:p="http://schemas.openxmlformats.org/presentationml/2006/main">
+  <p:cSld>
+    <p:spTree>
+      <p:nvGrpSpPr>
+        <p:cNvPr id="1" name=""/>
+        <p:cNvGrpSpPr/>
+        <p:nvPr/>
+      </p:nvGrpSpPr>
+      <p:grpSpPr>
+        <a:xfrm>
+          <a:off x="0" y="0"/>
+          <a:ext cx="0" cy="0"/>
+          <a:chOff x="0" y="0"/>
+          <a:chExt cx="0" cy="0"/>
+        </a:xfrm>
+      </p:grpSpPr>
+      <p:sp>
+        <p:nvSpPr>
+          <p:cNvPr id="3" name="Title 2">
+            <a:extLst>
+              <a:ext uri="{FF2B5EF4-FFF2-40B4-BE49-F238E27FC236}">
+                <a16:creationId xmlns:a16="http://schemas.microsoft.com/office/drawing/2014/main" id="{12221E77-9EB6-4784-9966-605692DCEACA}"/>
+              </a:ext>
+            </a:extLst>
+          </p:cNvPr>
+          <p:cNvSpPr>
+            <a:spLocks noGrp="1"/>
+          </p:cNvSpPr>
+          <p:nvPr>
+            <p:ph type="title"/>
+          </p:nvPr>
+        </p:nvSpPr>
+        <p:spPr/>
+        <p:txBody>
+          <a:bodyPr/>
+          <a:lstStyle/>
+          <a:p>
+            <a:r>
+              <a:rPr lang="en-US" altLang="ko-KR" dirty="0"/>
+              <a:t>Double Linked List</a:t>
+            </a:r>
+            <a:endParaRPr lang="ko-KR" altLang="en-US" dirty="0"/>
+          </a:p>
+        </p:txBody>
+      </p:sp>
+      <p:sp>
+        <p:nvSpPr>
+          <p:cNvPr id="4" name="Slide Number Placeholder 3">
+            <a:extLst>
+              <a:ext uri="{FF2B5EF4-FFF2-40B4-BE49-F238E27FC236}">
+                <a16:creationId xmlns:a16="http://schemas.microsoft.com/office/drawing/2014/main" id="{09245503-33CA-4213-9D8E-FA845344FA1A}"/>
+              </a:ext>
+            </a:extLst>
+          </p:cNvPr>
+          <p:cNvSpPr>
+            <a:spLocks noGrp="1"/>
+          </p:cNvSpPr>
+          <p:nvPr>
+            <p:ph type="sldNum" sz="quarter" idx="11"/>
+          </p:nvPr>
+        </p:nvSpPr>
+        <p:spPr/>
+        <p:txBody>
+          <a:bodyPr/>
+          <a:lstStyle/>
+          <a:p>
+            <a:pPr>
+              <a:defRPr/>
+            </a:pPr>
+            <a:fld id="{7585D841-3058-4BFE-8F4A-3303B3707F0A}" type="slidenum">
+              <a:rPr lang="en-US" altLang="ko-KR" smtClean="0"/>
+              <a:pPr>
+                <a:defRPr/>
+              </a:pPr>
+              <a:t>7</a:t>
+            </a:fld>
+            <a:endParaRPr lang="en-US" altLang="ko-KR"/>
+          </a:p>
+        </p:txBody>
+      </p:sp>
+      <p:sp>
+        <p:nvSpPr>
+          <p:cNvPr id="5" name="Rectangle 4">
+            <a:extLst>
+              <a:ext uri="{FF2B5EF4-FFF2-40B4-BE49-F238E27FC236}">
+                <a16:creationId xmlns:a16="http://schemas.microsoft.com/office/drawing/2014/main" id="{BF5B196D-2A69-49BF-9D7C-770D56E9AFCA}"/>
+              </a:ext>
+            </a:extLst>
+          </p:cNvPr>
+          <p:cNvSpPr/>
+          <p:nvPr/>
+        </p:nvSpPr>
+        <p:spPr bwMode="auto">
+          <a:xfrm>
+            <a:off x="2362200" y="2292350"/>
+            <a:ext cx="1066800" cy="639762"/>
+          </a:xfrm>
+          <a:prstGeom prst="rect">
+            <a:avLst/>
+          </a:prstGeom>
+          <a:solidFill>
+            <a:schemeClr val="bg1"/>
+          </a:solidFill>
+          <a:ln w="19050" cap="flat" cmpd="sng" algn="ctr">
+            <a:solidFill>
+              <a:schemeClr val="tx1"/>
+            </a:solidFill>
+            <a:prstDash val="solid"/>
+            <a:round/>
+            <a:headEnd type="none" w="lg" len="lg"/>
+            <a:tailEnd type="none" w="lg" len="lg"/>
+          </a:ln>
+          <a:effectLst/>
+        </p:spPr>
+        <p:txBody>
+          <a:bodyPr vert="horz" wrap="none" lIns="91440" tIns="45720" rIns="91440" bIns="45720" numCol="1" rtlCol="0" anchor="ctr" anchorCtr="0" compatLnSpc="1">
+            <a:prstTxWarp prst="textNoShape">
+              <a:avLst/>
+            </a:prstTxWarp>
+          </a:bodyPr>
+          <a:lstStyle/>
+          <a:p>
+            <a:pPr marL="0" marR="0" indent="0" algn="l" defTabSz="914400" rtl="0" eaLnBrk="0" fontAlgn="base" latinLnBrk="0" hangingPunct="0">
+              <a:lnSpc>
+                <a:spcPct val="100000"/>
+              </a:lnSpc>
+              <a:spcBef>
+                <a:spcPct val="0"/>
+              </a:spcBef>
+              <a:spcAft>
+                <a:spcPct val="0"/>
+              </a:spcAft>
+              <a:buClrTx/>
+              <a:buSzTx/>
+              <a:buFontTx/>
+              <a:buNone/>
+              <a:tabLst/>
+            </a:pPr>
+            <a:endParaRPr kumimoji="0" lang="ko-KR" altLang="en-US" sz="1800" b="0" i="0" u="none" strike="noStrike" cap="none" normalizeH="0" baseline="0">
+              <a:ln>
+                <a:noFill/>
+              </a:ln>
+              <a:solidFill>
+                <a:schemeClr val="tx1"/>
+              </a:solidFill>
+              <a:effectLst/>
+              <a:latin typeface="Arial" pitchFamily="34" charset="0"/>
+              <a:ea typeface="굴림" pitchFamily="50" charset="-127"/>
+            </a:endParaRPr>
+          </a:p>
+        </p:txBody>
+      </p:sp>
+      <p:sp>
+        <p:nvSpPr>
+          <p:cNvPr id="6" name="Rectangle 5">
+            <a:extLst>
+              <a:ext uri="{FF2B5EF4-FFF2-40B4-BE49-F238E27FC236}">
+                <a16:creationId xmlns:a16="http://schemas.microsoft.com/office/drawing/2014/main" id="{C048BE06-6469-47E7-9BD7-B11087AFE7CD}"/>
+              </a:ext>
+            </a:extLst>
+          </p:cNvPr>
+          <p:cNvSpPr/>
+          <p:nvPr/>
+        </p:nvSpPr>
+        <p:spPr bwMode="auto">
+          <a:xfrm>
+            <a:off x="3124200" y="2292350"/>
+            <a:ext cx="304800" cy="639762"/>
+          </a:xfrm>
+          <a:prstGeom prst="rect">
+            <a:avLst/>
+          </a:prstGeom>
+          <a:solidFill>
+            <a:schemeClr val="bg1"/>
+          </a:solidFill>
+          <a:ln w="19050" cap="flat" cmpd="sng" algn="ctr">
+            <a:solidFill>
+              <a:schemeClr val="tx1"/>
+            </a:solidFill>
+            <a:prstDash val="solid"/>
+            <a:round/>
+            <a:headEnd type="none" w="lg" len="lg"/>
+            <a:tailEnd type="none" w="lg" len="lg"/>
+          </a:ln>
+          <a:effectLst/>
+        </p:spPr>
+        <p:txBody>
+          <a:bodyPr vert="horz" wrap="none" lIns="91440" tIns="45720" rIns="91440" bIns="45720" numCol="1" rtlCol="0" anchor="ctr" anchorCtr="0" compatLnSpc="1">
+            <a:prstTxWarp prst="textNoShape">
+              <a:avLst/>
+            </a:prstTxWarp>
+          </a:bodyPr>
+          <a:lstStyle/>
+          <a:p>
+            <a:pPr marL="0" marR="0" indent="0" algn="l" defTabSz="914400" rtl="0" eaLnBrk="0" fontAlgn="base" latinLnBrk="0" hangingPunct="0">
+              <a:lnSpc>
+                <a:spcPct val="100000"/>
+              </a:lnSpc>
+              <a:spcBef>
+                <a:spcPct val="0"/>
+              </a:spcBef>
+              <a:spcAft>
+                <a:spcPct val="0"/>
+              </a:spcAft>
+              <a:buClrTx/>
+              <a:buSzTx/>
+              <a:buFontTx/>
+              <a:buNone/>
+              <a:tabLst/>
+            </a:pPr>
+            <a:endParaRPr kumimoji="0" lang="ko-KR" altLang="en-US" sz="1800" b="0" i="0" u="none" strike="noStrike" cap="none" normalizeH="0" baseline="0">
+              <a:ln>
+                <a:noFill/>
+              </a:ln>
+              <a:solidFill>
+                <a:schemeClr val="tx1"/>
+              </a:solidFill>
+              <a:effectLst/>
+              <a:latin typeface="Arial" pitchFamily="34" charset="0"/>
+              <a:ea typeface="굴림" pitchFamily="50" charset="-127"/>
+            </a:endParaRPr>
+          </a:p>
+        </p:txBody>
+      </p:sp>
+      <p:sp>
+        <p:nvSpPr>
+          <p:cNvPr id="7" name="Rectangle 6">
+            <a:extLst>
+              <a:ext uri="{FF2B5EF4-FFF2-40B4-BE49-F238E27FC236}">
+                <a16:creationId xmlns:a16="http://schemas.microsoft.com/office/drawing/2014/main" id="{EB33201E-C9A0-4580-B627-7A97D5D22532}"/>
+              </a:ext>
+            </a:extLst>
+          </p:cNvPr>
+          <p:cNvSpPr/>
+          <p:nvPr/>
+        </p:nvSpPr>
+        <p:spPr bwMode="auto">
+          <a:xfrm>
+            <a:off x="4572000" y="2934570"/>
+            <a:ext cx="1066800" cy="639762"/>
+          </a:xfrm>
+          <a:prstGeom prst="rect">
+            <a:avLst/>
+          </a:prstGeom>
+          <a:solidFill>
+            <a:schemeClr val="bg1"/>
+          </a:solidFill>
+          <a:ln w="19050" cap="flat" cmpd="sng" algn="ctr">
+            <a:solidFill>
+              <a:schemeClr val="tx1"/>
+            </a:solidFill>
+            <a:prstDash val="solid"/>
+            <a:round/>
+            <a:headEnd type="none" w="lg" len="lg"/>
+            <a:tailEnd type="none" w="lg" len="lg"/>
+          </a:ln>
+          <a:effectLst/>
+        </p:spPr>
+        <p:txBody>
+          <a:bodyPr vert="horz" wrap="none" lIns="91440" tIns="45720" rIns="91440" bIns="45720" numCol="1" rtlCol="0" anchor="ctr" anchorCtr="0" compatLnSpc="1">
+            <a:prstTxWarp prst="textNoShape">
+              <a:avLst/>
+            </a:prstTxWarp>
+          </a:bodyPr>
+          <a:lstStyle/>
+          <a:p>
+            <a:pPr marL="0" marR="0" indent="0" algn="l" defTabSz="914400" rtl="0" eaLnBrk="0" fontAlgn="base" latinLnBrk="0" hangingPunct="0">
+              <a:lnSpc>
+                <a:spcPct val="100000"/>
+              </a:lnSpc>
+              <a:spcBef>
+                <a:spcPct val="0"/>
+              </a:spcBef>
+              <a:spcAft>
+                <a:spcPct val="0"/>
+              </a:spcAft>
+              <a:buClrTx/>
+              <a:buSzTx/>
+              <a:buFontTx/>
+              <a:buNone/>
+              <a:tabLst/>
+            </a:pPr>
+            <a:endParaRPr kumimoji="0" lang="ko-KR" altLang="en-US" sz="1800" b="0" i="0" u="none" strike="noStrike" cap="none" normalizeH="0" baseline="0">
+              <a:ln>
+                <a:noFill/>
+              </a:ln>
+              <a:solidFill>
+                <a:schemeClr val="tx1"/>
+              </a:solidFill>
+              <a:effectLst/>
+              <a:latin typeface="Arial" pitchFamily="34" charset="0"/>
+              <a:ea typeface="굴림" pitchFamily="50" charset="-127"/>
+            </a:endParaRPr>
+          </a:p>
+        </p:txBody>
+      </p:sp>
+      <p:sp>
+        <p:nvSpPr>
+          <p:cNvPr id="8" name="Rectangle 7">
+            <a:extLst>
+              <a:ext uri="{FF2B5EF4-FFF2-40B4-BE49-F238E27FC236}">
+                <a16:creationId xmlns:a16="http://schemas.microsoft.com/office/drawing/2014/main" id="{6C4041EC-D4C2-40C2-9C7D-BB49C9099313}"/>
+              </a:ext>
+            </a:extLst>
+          </p:cNvPr>
+          <p:cNvSpPr/>
+          <p:nvPr/>
+        </p:nvSpPr>
+        <p:spPr bwMode="auto">
+          <a:xfrm>
+            <a:off x="5334000" y="2934570"/>
+            <a:ext cx="304800" cy="639762"/>
+          </a:xfrm>
+          <a:prstGeom prst="rect">
+            <a:avLst/>
+          </a:prstGeom>
+          <a:solidFill>
+            <a:schemeClr val="bg1"/>
+          </a:solidFill>
+          <a:ln w="19050" cap="flat" cmpd="sng" algn="ctr">
+            <a:solidFill>
+              <a:schemeClr val="tx1"/>
+            </a:solidFill>
+            <a:prstDash val="solid"/>
+            <a:round/>
+            <a:headEnd type="none" w="lg" len="lg"/>
+            <a:tailEnd type="none" w="lg" len="lg"/>
+          </a:ln>
+          <a:effectLst/>
+        </p:spPr>
+        <p:txBody>
+          <a:bodyPr vert="horz" wrap="none" lIns="91440" tIns="45720" rIns="91440" bIns="45720" numCol="1" rtlCol="0" anchor="ctr" anchorCtr="0" compatLnSpc="1">
+            <a:prstTxWarp prst="textNoShape">
+              <a:avLst/>
+            </a:prstTxWarp>
+          </a:bodyPr>
+          <a:lstStyle/>
+          <a:p>
+            <a:pPr marL="0" marR="0" indent="0" algn="l" defTabSz="914400" rtl="0" eaLnBrk="0" fontAlgn="base" latinLnBrk="0" hangingPunct="0">
+              <a:lnSpc>
+                <a:spcPct val="100000"/>
+              </a:lnSpc>
+              <a:spcBef>
+                <a:spcPct val="0"/>
+              </a:spcBef>
+              <a:spcAft>
+                <a:spcPct val="0"/>
+              </a:spcAft>
+              <a:buClrTx/>
+              <a:buSzTx/>
+              <a:buFontTx/>
+              <a:buNone/>
+              <a:tabLst/>
+            </a:pPr>
+            <a:endParaRPr kumimoji="0" lang="ko-KR" altLang="en-US" sz="1800" b="0" i="0" u="none" strike="noStrike" cap="none" normalizeH="0" baseline="0">
+              <a:ln>
+                <a:noFill/>
+              </a:ln>
+              <a:solidFill>
+                <a:schemeClr val="tx1"/>
+              </a:solidFill>
+              <a:effectLst/>
+              <a:latin typeface="Arial" pitchFamily="34" charset="0"/>
+              <a:ea typeface="굴림" pitchFamily="50" charset="-127"/>
+            </a:endParaRPr>
+          </a:p>
+        </p:txBody>
+      </p:sp>
+      <p:sp>
+        <p:nvSpPr>
+          <p:cNvPr id="9" name="Rectangle 8">
+            <a:extLst>
+              <a:ext uri="{FF2B5EF4-FFF2-40B4-BE49-F238E27FC236}">
+                <a16:creationId xmlns:a16="http://schemas.microsoft.com/office/drawing/2014/main" id="{04061F04-064C-408F-80DF-69C4D8715705}"/>
+              </a:ext>
+            </a:extLst>
+          </p:cNvPr>
+          <p:cNvSpPr/>
+          <p:nvPr/>
+        </p:nvSpPr>
+        <p:spPr bwMode="auto">
+          <a:xfrm>
+            <a:off x="6806242" y="3663950"/>
+            <a:ext cx="1066800" cy="639762"/>
+          </a:xfrm>
+          <a:prstGeom prst="rect">
+            <a:avLst/>
+          </a:prstGeom>
+          <a:solidFill>
+            <a:schemeClr val="bg1"/>
+          </a:solidFill>
+          <a:ln w="19050" cap="flat" cmpd="sng" algn="ctr">
+            <a:solidFill>
+              <a:schemeClr val="tx1"/>
+            </a:solidFill>
+            <a:prstDash val="solid"/>
+            <a:round/>
+            <a:headEnd type="none" w="lg" len="lg"/>
+            <a:tailEnd type="none" w="lg" len="lg"/>
+          </a:ln>
+          <a:effectLst/>
+        </p:spPr>
+        <p:txBody>
+          <a:bodyPr vert="horz" wrap="none" lIns="91440" tIns="45720" rIns="91440" bIns="45720" numCol="1" rtlCol="0" anchor="ctr" anchorCtr="0" compatLnSpc="1">
+            <a:prstTxWarp prst="textNoShape">
+              <a:avLst/>
+            </a:prstTxWarp>
+          </a:bodyPr>
+          <a:lstStyle/>
+          <a:p>
+            <a:pPr marL="0" marR="0" indent="0" algn="l" defTabSz="914400" rtl="0" eaLnBrk="0" fontAlgn="base" latinLnBrk="0" hangingPunct="0">
+              <a:lnSpc>
+                <a:spcPct val="100000"/>
+              </a:lnSpc>
+              <a:spcBef>
+                <a:spcPct val="0"/>
+              </a:spcBef>
+              <a:spcAft>
+                <a:spcPct val="0"/>
+              </a:spcAft>
+              <a:buClrTx/>
+              <a:buSzTx/>
+              <a:buFontTx/>
+              <a:buNone/>
+              <a:tabLst/>
+            </a:pPr>
+            <a:endParaRPr kumimoji="0" lang="ko-KR" altLang="en-US" sz="1800" b="0" i="0" u="none" strike="noStrike" cap="none" normalizeH="0" baseline="0">
+              <a:ln>
+                <a:noFill/>
+              </a:ln>
+              <a:solidFill>
+                <a:schemeClr val="tx1"/>
+              </a:solidFill>
+              <a:effectLst/>
+              <a:latin typeface="Arial" pitchFamily="34" charset="0"/>
+              <a:ea typeface="굴림" pitchFamily="50" charset="-127"/>
+            </a:endParaRPr>
+          </a:p>
+        </p:txBody>
+      </p:sp>
+      <p:sp>
+        <p:nvSpPr>
+          <p:cNvPr id="10" name="Rectangle 9">
+            <a:extLst>
+              <a:ext uri="{FF2B5EF4-FFF2-40B4-BE49-F238E27FC236}">
+                <a16:creationId xmlns:a16="http://schemas.microsoft.com/office/drawing/2014/main" id="{59526112-D10E-4162-BB76-E2F3409CDC83}"/>
+              </a:ext>
+            </a:extLst>
+          </p:cNvPr>
+          <p:cNvSpPr/>
+          <p:nvPr/>
+        </p:nvSpPr>
+        <p:spPr bwMode="auto">
+          <a:xfrm>
+            <a:off x="7568242" y="3663950"/>
+            <a:ext cx="304800" cy="639762"/>
+          </a:xfrm>
+          <a:prstGeom prst="rect">
+            <a:avLst/>
+          </a:prstGeom>
+          <a:solidFill>
+            <a:schemeClr val="bg1"/>
+          </a:solidFill>
+          <a:ln w="19050" cap="flat" cmpd="sng" algn="ctr">
+            <a:solidFill>
+              <a:schemeClr val="tx1"/>
+            </a:solidFill>
+            <a:prstDash val="solid"/>
+            <a:round/>
+            <a:headEnd type="none" w="lg" len="lg"/>
+            <a:tailEnd type="none" w="lg" len="lg"/>
+          </a:ln>
+          <a:effectLst/>
+        </p:spPr>
+        <p:txBody>
+          <a:bodyPr vert="horz" wrap="none" lIns="91440" tIns="45720" rIns="91440" bIns="45720" numCol="1" rtlCol="0" anchor="ctr" anchorCtr="0" compatLnSpc="1">
+            <a:prstTxWarp prst="textNoShape">
+              <a:avLst/>
+            </a:prstTxWarp>
+          </a:bodyPr>
+          <a:lstStyle/>
+          <a:p>
+            <a:pPr marL="0" marR="0" indent="0" algn="l" defTabSz="914400" rtl="0" eaLnBrk="0" fontAlgn="base" latinLnBrk="0" hangingPunct="0">
+              <a:lnSpc>
+                <a:spcPct val="100000"/>
+              </a:lnSpc>
+              <a:spcBef>
+                <a:spcPct val="0"/>
+              </a:spcBef>
+              <a:spcAft>
+                <a:spcPct val="0"/>
+              </a:spcAft>
+              <a:buClrTx/>
+              <a:buSzTx/>
+              <a:buFontTx/>
+              <a:buNone/>
+              <a:tabLst/>
+            </a:pPr>
+            <a:endParaRPr kumimoji="0" lang="ko-KR" altLang="en-US" sz="1800" b="0" i="0" u="none" strike="noStrike" cap="none" normalizeH="0" baseline="0">
+              <a:ln>
+                <a:noFill/>
+              </a:ln>
+              <a:solidFill>
+                <a:schemeClr val="tx1"/>
+              </a:solidFill>
+              <a:effectLst/>
+              <a:latin typeface="Arial" pitchFamily="34" charset="0"/>
+              <a:ea typeface="굴림" pitchFamily="50" charset="-127"/>
+            </a:endParaRPr>
+          </a:p>
+        </p:txBody>
+      </p:sp>
+      <p:cxnSp>
+        <p:nvCxnSpPr>
+          <p:cNvPr id="12" name="Connector: Elbow 11">
+            <a:extLst>
+              <a:ext uri="{FF2B5EF4-FFF2-40B4-BE49-F238E27FC236}">
+                <a16:creationId xmlns:a16="http://schemas.microsoft.com/office/drawing/2014/main" id="{6F928C6C-8A38-4ACA-A87F-3034E0FAD149}"/>
+              </a:ext>
+            </a:extLst>
+          </p:cNvPr>
+          <p:cNvCxnSpPr>
+            <a:cxnSpLocks/>
+            <a:stCxn id="6" idx="3"/>
+            <a:endCxn id="17" idx="1"/>
+          </p:cNvCxnSpPr>
+          <p:nvPr/>
+        </p:nvCxnSpPr>
+        <p:spPr bwMode="auto">
+          <a:xfrm>
+            <a:off x="3429000" y="2612231"/>
+            <a:ext cx="1143000" cy="639762"/>
+          </a:xfrm>
+          <a:prstGeom prst="bentConnector3">
+            <a:avLst/>
+          </a:prstGeom>
+          <a:solidFill>
+            <a:schemeClr val="accent1"/>
+          </a:solidFill>
+          <a:ln w="19050" cap="flat" cmpd="sng" algn="ctr">
+            <a:solidFill>
+              <a:schemeClr val="tx1"/>
+            </a:solidFill>
+            <a:prstDash val="solid"/>
+            <a:round/>
+            <a:headEnd type="none" w="lg" len="lg"/>
+            <a:tailEnd type="arrow"/>
+          </a:ln>
+          <a:effectLst/>
+        </p:spPr>
+      </p:cxnSp>
+      <p:cxnSp>
+        <p:nvCxnSpPr>
+          <p:cNvPr id="13" name="Connector: Elbow 12">
+            <a:extLst>
+              <a:ext uri="{FF2B5EF4-FFF2-40B4-BE49-F238E27FC236}">
+                <a16:creationId xmlns:a16="http://schemas.microsoft.com/office/drawing/2014/main" id="{ABE6947B-33A9-41C7-B076-294AAC8E694C}"/>
+              </a:ext>
+            </a:extLst>
+          </p:cNvPr>
+          <p:cNvCxnSpPr>
+            <a:cxnSpLocks/>
+            <a:stCxn id="8" idx="3"/>
+            <a:endCxn id="9" idx="1"/>
+          </p:cNvCxnSpPr>
+          <p:nvPr/>
+        </p:nvCxnSpPr>
+        <p:spPr bwMode="auto">
+          <a:xfrm>
+            <a:off x="5638800" y="3254451"/>
+            <a:ext cx="1167442" cy="729380"/>
+          </a:xfrm>
+          <a:prstGeom prst="bentConnector3">
+            <a:avLst/>
+          </a:prstGeom>
+          <a:solidFill>
+            <a:schemeClr val="accent1"/>
+          </a:solidFill>
+          <a:ln w="19050" cap="flat" cmpd="sng" algn="ctr">
+            <a:solidFill>
+              <a:schemeClr val="tx1"/>
+            </a:solidFill>
+            <a:prstDash val="solid"/>
+            <a:round/>
+            <a:headEnd type="none" w="lg" len="lg"/>
+            <a:tailEnd type="arrow"/>
+          </a:ln>
+          <a:effectLst/>
+        </p:spPr>
+      </p:cxnSp>
+      <p:sp>
+        <p:nvSpPr>
+          <p:cNvPr id="16" name="Rectangle 15">
+            <a:extLst>
+              <a:ext uri="{FF2B5EF4-FFF2-40B4-BE49-F238E27FC236}">
+                <a16:creationId xmlns:a16="http://schemas.microsoft.com/office/drawing/2014/main" id="{72C4A2C3-8ADF-452A-8499-176EDE5034A5}"/>
+              </a:ext>
+            </a:extLst>
+          </p:cNvPr>
+          <p:cNvSpPr/>
+          <p:nvPr/>
+        </p:nvSpPr>
+        <p:spPr bwMode="auto">
+          <a:xfrm>
+            <a:off x="2362200" y="2292350"/>
+            <a:ext cx="304800" cy="639762"/>
+          </a:xfrm>
+          <a:prstGeom prst="rect">
+            <a:avLst/>
+          </a:prstGeom>
+          <a:solidFill>
+            <a:schemeClr val="bg1"/>
+          </a:solidFill>
+          <a:ln w="19050" cap="flat" cmpd="sng" algn="ctr">
+            <a:solidFill>
+              <a:schemeClr val="tx1"/>
+            </a:solidFill>
+            <a:prstDash val="solid"/>
+            <a:round/>
+            <a:headEnd type="none" w="lg" len="lg"/>
+            <a:tailEnd type="none" w="lg" len="lg"/>
+          </a:ln>
+          <a:effectLst/>
+        </p:spPr>
+        <p:txBody>
+          <a:bodyPr vert="horz" wrap="none" lIns="91440" tIns="45720" rIns="91440" bIns="45720" numCol="1" rtlCol="0" anchor="ctr" anchorCtr="0" compatLnSpc="1">
+            <a:prstTxWarp prst="textNoShape">
+              <a:avLst/>
+            </a:prstTxWarp>
+          </a:bodyPr>
+          <a:lstStyle/>
+          <a:p>
+            <a:pPr marL="0" marR="0" indent="0" algn="l" defTabSz="914400" rtl="0" eaLnBrk="0" fontAlgn="base" latinLnBrk="0" hangingPunct="0">
+              <a:lnSpc>
+                <a:spcPct val="100000"/>
+              </a:lnSpc>
+              <a:spcBef>
+                <a:spcPct val="0"/>
+              </a:spcBef>
+              <a:spcAft>
+                <a:spcPct val="0"/>
+              </a:spcAft>
+              <a:buClrTx/>
+              <a:buSzTx/>
+              <a:buFontTx/>
+              <a:buNone/>
+              <a:tabLst/>
+            </a:pPr>
+            <a:endParaRPr kumimoji="0" lang="ko-KR" altLang="en-US" sz="1800" b="0" i="0" u="none" strike="noStrike" cap="none" normalizeH="0" baseline="0">
+              <a:ln>
+                <a:noFill/>
+              </a:ln>
+              <a:solidFill>
+                <a:schemeClr val="tx1"/>
+              </a:solidFill>
+              <a:effectLst/>
+              <a:latin typeface="Arial" pitchFamily="34" charset="0"/>
+              <a:ea typeface="굴림" pitchFamily="50" charset="-127"/>
+            </a:endParaRPr>
+          </a:p>
+        </p:txBody>
+      </p:sp>
+      <p:sp>
+        <p:nvSpPr>
+          <p:cNvPr id="17" name="Rectangle 16">
+            <a:extLst>
+              <a:ext uri="{FF2B5EF4-FFF2-40B4-BE49-F238E27FC236}">
+                <a16:creationId xmlns:a16="http://schemas.microsoft.com/office/drawing/2014/main" id="{26AF5DB2-EF1B-435C-AC9C-18D2D14C19B9}"/>
+              </a:ext>
+            </a:extLst>
+          </p:cNvPr>
+          <p:cNvSpPr/>
+          <p:nvPr/>
+        </p:nvSpPr>
+        <p:spPr bwMode="auto">
+          <a:xfrm>
+            <a:off x="4572000" y="2932112"/>
+            <a:ext cx="304800" cy="639762"/>
+          </a:xfrm>
+          <a:prstGeom prst="rect">
+            <a:avLst/>
+          </a:prstGeom>
+          <a:solidFill>
+            <a:schemeClr val="bg1"/>
+          </a:solidFill>
+          <a:ln w="19050" cap="flat" cmpd="sng" algn="ctr">
+            <a:solidFill>
+              <a:schemeClr val="tx1"/>
+            </a:solidFill>
+            <a:prstDash val="solid"/>
+            <a:round/>
+            <a:headEnd type="none" w="lg" len="lg"/>
+            <a:tailEnd type="none" w="lg" len="lg"/>
+          </a:ln>
+          <a:effectLst/>
+        </p:spPr>
+        <p:txBody>
+          <a:bodyPr vert="horz" wrap="none" lIns="91440" tIns="45720" rIns="91440" bIns="45720" numCol="1" rtlCol="0" anchor="ctr" anchorCtr="0" compatLnSpc="1">
+            <a:prstTxWarp prst="textNoShape">
+              <a:avLst/>
+            </a:prstTxWarp>
+          </a:bodyPr>
+          <a:lstStyle/>
+          <a:p>
+            <a:pPr marL="0" marR="0" indent="0" algn="l" defTabSz="914400" rtl="0" eaLnBrk="0" fontAlgn="base" latinLnBrk="0" hangingPunct="0">
+              <a:lnSpc>
+                <a:spcPct val="100000"/>
+              </a:lnSpc>
+              <a:spcBef>
+                <a:spcPct val="0"/>
+              </a:spcBef>
+              <a:spcAft>
+                <a:spcPct val="0"/>
+              </a:spcAft>
+              <a:buClrTx/>
+              <a:buSzTx/>
+              <a:buFontTx/>
+              <a:buNone/>
+              <a:tabLst/>
+            </a:pPr>
+            <a:endParaRPr kumimoji="0" lang="ko-KR" altLang="en-US" sz="1800" b="0" i="0" u="none" strike="noStrike" cap="none" normalizeH="0" baseline="0">
+              <a:ln>
+                <a:noFill/>
+              </a:ln>
+              <a:solidFill>
+                <a:schemeClr val="tx1"/>
+              </a:solidFill>
+              <a:effectLst/>
+              <a:latin typeface="Arial" pitchFamily="34" charset="0"/>
+              <a:ea typeface="굴림" pitchFamily="50" charset="-127"/>
+            </a:endParaRPr>
+          </a:p>
+        </p:txBody>
+      </p:sp>
+      <p:sp>
+        <p:nvSpPr>
+          <p:cNvPr id="18" name="Rectangle 17">
+            <a:extLst>
+              <a:ext uri="{FF2B5EF4-FFF2-40B4-BE49-F238E27FC236}">
+                <a16:creationId xmlns:a16="http://schemas.microsoft.com/office/drawing/2014/main" id="{D7BB3BB5-8AA8-41E7-84CD-19D561151FDA}"/>
+              </a:ext>
+            </a:extLst>
+          </p:cNvPr>
+          <p:cNvSpPr/>
+          <p:nvPr/>
+        </p:nvSpPr>
+        <p:spPr bwMode="auto">
+          <a:xfrm>
+            <a:off x="6820620" y="3663950"/>
+            <a:ext cx="304800" cy="639762"/>
+          </a:xfrm>
+          <a:prstGeom prst="rect">
+            <a:avLst/>
+          </a:prstGeom>
+          <a:solidFill>
+            <a:schemeClr val="bg1"/>
+          </a:solidFill>
+          <a:ln w="19050" cap="flat" cmpd="sng" algn="ctr">
+            <a:solidFill>
+              <a:schemeClr val="tx1"/>
+            </a:solidFill>
+            <a:prstDash val="solid"/>
+            <a:round/>
+            <a:headEnd type="none" w="lg" len="lg"/>
+            <a:tailEnd type="none" w="lg" len="lg"/>
+          </a:ln>
+          <a:effectLst/>
+        </p:spPr>
+        <p:txBody>
+          <a:bodyPr vert="horz" wrap="none" lIns="91440" tIns="45720" rIns="91440" bIns="45720" numCol="1" rtlCol="0" anchor="ctr" anchorCtr="0" compatLnSpc="1">
+            <a:prstTxWarp prst="textNoShape">
+              <a:avLst/>
+            </a:prstTxWarp>
+          </a:bodyPr>
+          <a:lstStyle/>
+          <a:p>
+            <a:pPr marL="0" marR="0" indent="0" algn="l" defTabSz="914400" rtl="0" eaLnBrk="0" fontAlgn="base" latinLnBrk="0" hangingPunct="0">
+              <a:lnSpc>
+                <a:spcPct val="100000"/>
+              </a:lnSpc>
+              <a:spcBef>
+                <a:spcPct val="0"/>
+              </a:spcBef>
+              <a:spcAft>
+                <a:spcPct val="0"/>
+              </a:spcAft>
+              <a:buClrTx/>
+              <a:buSzTx/>
+              <a:buFontTx/>
+              <a:buNone/>
+              <a:tabLst/>
+            </a:pPr>
+            <a:endParaRPr kumimoji="0" lang="ko-KR" altLang="en-US" sz="1800" b="0" i="0" u="none" strike="noStrike" cap="none" normalizeH="0" baseline="0">
+              <a:ln>
+                <a:noFill/>
+              </a:ln>
+              <a:solidFill>
+                <a:schemeClr val="tx1"/>
+              </a:solidFill>
+              <a:effectLst/>
+              <a:latin typeface="Arial" pitchFamily="34" charset="0"/>
+              <a:ea typeface="굴림" pitchFamily="50" charset="-127"/>
+            </a:endParaRPr>
+          </a:p>
+        </p:txBody>
+      </p:sp>
+      <p:cxnSp>
+        <p:nvCxnSpPr>
+          <p:cNvPr id="19" name="Connector: Elbow 18">
+            <a:extLst>
+              <a:ext uri="{FF2B5EF4-FFF2-40B4-BE49-F238E27FC236}">
+                <a16:creationId xmlns:a16="http://schemas.microsoft.com/office/drawing/2014/main" id="{C656285C-1B88-4D3A-8405-B42CF5448D2D}"/>
+              </a:ext>
+            </a:extLst>
+          </p:cNvPr>
+          <p:cNvCxnSpPr>
+            <a:cxnSpLocks/>
+            <a:stCxn id="17" idx="2"/>
+            <a:endCxn id="6" idx="2"/>
+          </p:cNvCxnSpPr>
+          <p:nvPr/>
+        </p:nvCxnSpPr>
+        <p:spPr bwMode="auto">
+          <a:xfrm rot="5400000" flipH="1">
+            <a:off x="3680619" y="2528093"/>
+            <a:ext cx="639762" cy="1447800"/>
+          </a:xfrm>
+          <a:prstGeom prst="bentConnector3">
+            <a:avLst>
+              <a:gd name="adj1" fmla="val -35732"/>
+            </a:avLst>
+          </a:prstGeom>
+          <a:solidFill>
+            <a:schemeClr val="accent1"/>
+          </a:solidFill>
+          <a:ln w="19050" cap="flat" cmpd="sng" algn="ctr">
+            <a:solidFill>
+              <a:schemeClr val="tx1"/>
+            </a:solidFill>
+            <a:prstDash val="solid"/>
+            <a:round/>
+            <a:headEnd type="none" w="lg" len="lg"/>
+            <a:tailEnd type="arrow"/>
+          </a:ln>
+          <a:effectLst/>
+        </p:spPr>
+      </p:cxnSp>
+      <p:cxnSp>
+        <p:nvCxnSpPr>
+          <p:cNvPr id="23" name="Connector: Elbow 22">
+            <a:extLst>
+              <a:ext uri="{FF2B5EF4-FFF2-40B4-BE49-F238E27FC236}">
+                <a16:creationId xmlns:a16="http://schemas.microsoft.com/office/drawing/2014/main" id="{8B6D513C-BF03-4104-A773-B566C905B039}"/>
+              </a:ext>
+            </a:extLst>
+          </p:cNvPr>
+          <p:cNvCxnSpPr>
+            <a:cxnSpLocks/>
+            <a:stCxn id="18" idx="2"/>
+            <a:endCxn id="8" idx="2"/>
+          </p:cNvCxnSpPr>
+          <p:nvPr/>
+        </p:nvCxnSpPr>
+        <p:spPr bwMode="auto">
+          <a:xfrm rot="5400000" flipH="1">
+            <a:off x="5865020" y="3195712"/>
+            <a:ext cx="729380" cy="1486620"/>
+          </a:xfrm>
+          <a:prstGeom prst="bentConnector3">
+            <a:avLst>
+              <a:gd name="adj1" fmla="val -31342"/>
+            </a:avLst>
+          </a:prstGeom>
+          <a:solidFill>
+            <a:schemeClr val="accent1"/>
+          </a:solidFill>
+          <a:ln w="19050" cap="flat" cmpd="sng" algn="ctr">
+            <a:solidFill>
+              <a:schemeClr val="tx1"/>
+            </a:solidFill>
+            <a:prstDash val="solid"/>
+            <a:round/>
+            <a:headEnd type="none" w="lg" len="lg"/>
+            <a:tailEnd type="arrow"/>
+          </a:ln>
+          <a:effectLst/>
+        </p:spPr>
+      </p:cxnSp>
+      <p:cxnSp>
+        <p:nvCxnSpPr>
+          <p:cNvPr id="32" name="Connector: Elbow 31">
+            <a:extLst>
+              <a:ext uri="{FF2B5EF4-FFF2-40B4-BE49-F238E27FC236}">
+                <a16:creationId xmlns:a16="http://schemas.microsoft.com/office/drawing/2014/main" id="{C5D0055F-90E2-488B-8253-63ACAD987768}"/>
+              </a:ext>
+            </a:extLst>
+          </p:cNvPr>
+          <p:cNvCxnSpPr>
+            <a:cxnSpLocks/>
+            <a:stCxn id="16" idx="1"/>
+          </p:cNvCxnSpPr>
+          <p:nvPr/>
+        </p:nvCxnSpPr>
+        <p:spPr bwMode="auto">
+          <a:xfrm rot="10800000">
+            <a:off x="1655552" y="2292351"/>
+            <a:ext cx="706649" cy="319881"/>
+          </a:xfrm>
+          <a:prstGeom prst="bentConnector3">
+            <a:avLst>
+              <a:gd name="adj1" fmla="val 50000"/>
+            </a:avLst>
+          </a:prstGeom>
+          <a:solidFill>
+            <a:schemeClr val="accent1"/>
+          </a:solidFill>
+          <a:ln w="19050" cap="flat" cmpd="sng" algn="ctr">
+            <a:solidFill>
+              <a:schemeClr val="tx1"/>
+            </a:solidFill>
+            <a:prstDash val="solid"/>
+            <a:round/>
+            <a:headEnd type="none" w="lg" len="lg"/>
+            <a:tailEnd type="arrow"/>
+          </a:ln>
+          <a:effectLst/>
+        </p:spPr>
+      </p:cxnSp>
+      <p:cxnSp>
+        <p:nvCxnSpPr>
+          <p:cNvPr id="35" name="Connector: Elbow 34">
+            <a:extLst>
+              <a:ext uri="{FF2B5EF4-FFF2-40B4-BE49-F238E27FC236}">
+                <a16:creationId xmlns:a16="http://schemas.microsoft.com/office/drawing/2014/main" id="{46472F09-6C60-4725-9082-FC5C91F04093}"/>
+              </a:ext>
+            </a:extLst>
+          </p:cNvPr>
+          <p:cNvCxnSpPr>
+            <a:cxnSpLocks/>
+            <a:stCxn id="10" idx="3"/>
+          </p:cNvCxnSpPr>
+          <p:nvPr/>
+        </p:nvCxnSpPr>
+        <p:spPr bwMode="auto">
+          <a:xfrm>
+            <a:off x="7873042" y="3983831"/>
+            <a:ext cx="747622" cy="725288"/>
+          </a:xfrm>
+          <a:prstGeom prst="bentConnector3">
+            <a:avLst>
+              <a:gd name="adj1" fmla="val 50000"/>
+            </a:avLst>
+          </a:prstGeom>
+          <a:solidFill>
+            <a:schemeClr val="accent1"/>
+          </a:solidFill>
+          <a:ln w="19050" cap="flat" cmpd="sng" algn="ctr">
+            <a:solidFill>
+              <a:schemeClr val="tx1"/>
+            </a:solidFill>
+            <a:prstDash val="solid"/>
+            <a:round/>
+            <a:headEnd type="none" w="lg" len="lg"/>
+            <a:tailEnd type="arrow"/>
+          </a:ln>
+          <a:effectLst/>
+        </p:spPr>
+      </p:cxnSp>
+    </p:spTree>
+    <p:extLst>
+      <p:ext uri="{BB962C8B-B14F-4D97-AF65-F5344CB8AC3E}">
+        <p14:creationId xmlns:p14="http://schemas.microsoft.com/office/powerpoint/2010/main" val="2812437764"/>
+      </p:ext>
+    </p:extLst>
+  </p:cSld>
+  <p:clrMapOvr>
+    <a:masterClrMapping/>
+  </p:clrMapOvr>
+</p:sld>
+</file>
+
+<file path=ppt/slides/slide9.xml><?xml version="1.0" encoding="utf-8"?>
+<p:sld xmlns:a="http://schemas.openxmlformats.org/drawingml/2006/main" xmlns:r="http://schemas.openxmlformats.org/officeDocument/2006/relationships" xmlns:p="http://schemas.openxmlformats.org/presentationml/2006/main">
+  <p:cSld>
+    <p:spTree>
+      <p:nvGrpSpPr>
+        <p:cNvPr id="1" name=""/>
+        <p:cNvGrpSpPr/>
+        <p:nvPr/>
+      </p:nvGrpSpPr>
+      <p:grpSpPr>
+        <a:xfrm>
+          <a:off x="0" y="0"/>
+          <a:ext cx="0" cy="0"/>
+          <a:chOff x="0" y="0"/>
+          <a:chExt cx="0" cy="0"/>
+        </a:xfrm>
+      </p:grpSpPr>
+      <p:sp>
+        <p:nvSpPr>
+          <p:cNvPr id="3" name="Title 2">
+            <a:extLst>
+              <a:ext uri="{FF2B5EF4-FFF2-40B4-BE49-F238E27FC236}">
+                <a16:creationId xmlns:a16="http://schemas.microsoft.com/office/drawing/2014/main" id="{12221E77-9EB6-4784-9966-605692DCEACA}"/>
+              </a:ext>
+            </a:extLst>
+          </p:cNvPr>
+          <p:cNvSpPr>
+            <a:spLocks noGrp="1"/>
+          </p:cNvSpPr>
+          <p:nvPr>
+            <p:ph type="title"/>
+          </p:nvPr>
+        </p:nvSpPr>
+        <p:spPr/>
+        <p:txBody>
+          <a:bodyPr/>
+          <a:lstStyle/>
+          <a:p>
+            <a:r>
+              <a:rPr lang="en-US" altLang="ko-KR" dirty="0"/>
+              <a:t>Circular Queue</a:t>
+            </a:r>
+            <a:endParaRPr lang="ko-KR" altLang="en-US" dirty="0"/>
+          </a:p>
+        </p:txBody>
+      </p:sp>
+      <p:sp>
+        <p:nvSpPr>
+          <p:cNvPr id="4" name="Slide Number Placeholder 3">
+            <a:extLst>
+              <a:ext uri="{FF2B5EF4-FFF2-40B4-BE49-F238E27FC236}">
+                <a16:creationId xmlns:a16="http://schemas.microsoft.com/office/drawing/2014/main" id="{09245503-33CA-4213-9D8E-FA845344FA1A}"/>
+              </a:ext>
+            </a:extLst>
+          </p:cNvPr>
+          <p:cNvSpPr>
+            <a:spLocks noGrp="1"/>
+          </p:cNvSpPr>
+          <p:nvPr>
+            <p:ph type="sldNum" sz="quarter" idx="11"/>
+          </p:nvPr>
+        </p:nvSpPr>
+        <p:spPr/>
+        <p:txBody>
+          <a:bodyPr/>
+          <a:lstStyle/>
+          <a:p>
+            <a:pPr>
+              <a:defRPr/>
+            </a:pPr>
+            <a:fld id="{7585D841-3058-4BFE-8F4A-3303B3707F0A}" type="slidenum">
+              <a:rPr lang="en-US" altLang="ko-KR" smtClean="0"/>
+              <a:pPr>
+                <a:defRPr/>
+              </a:pPr>
+              <a:t>8</a:t>
+            </a:fld>
+            <a:endParaRPr lang="en-US" altLang="ko-KR"/>
+          </a:p>
+        </p:txBody>
+      </p:sp>
+      <p:sp>
+        <p:nvSpPr>
+          <p:cNvPr id="5" name="Rectangle 4">
+            <a:extLst>
+              <a:ext uri="{FF2B5EF4-FFF2-40B4-BE49-F238E27FC236}">
+                <a16:creationId xmlns:a16="http://schemas.microsoft.com/office/drawing/2014/main" id="{BF5B196D-2A69-49BF-9D7C-770D56E9AFCA}"/>
+              </a:ext>
+            </a:extLst>
+          </p:cNvPr>
+          <p:cNvSpPr/>
+          <p:nvPr/>
+        </p:nvSpPr>
+        <p:spPr bwMode="auto">
+          <a:xfrm>
+            <a:off x="2362200" y="2292350"/>
+            <a:ext cx="1066800" cy="639762"/>
+          </a:xfrm>
+          <a:prstGeom prst="rect">
+            <a:avLst/>
+          </a:prstGeom>
+          <a:solidFill>
+            <a:schemeClr val="bg1"/>
+          </a:solidFill>
+          <a:ln w="19050" cap="flat" cmpd="sng" algn="ctr">
+            <a:solidFill>
+              <a:schemeClr val="tx1"/>
+            </a:solidFill>
+            <a:prstDash val="solid"/>
+            <a:round/>
+            <a:headEnd type="none" w="lg" len="lg"/>
+            <a:tailEnd type="none" w="lg" len="lg"/>
+          </a:ln>
+          <a:effectLst/>
+        </p:spPr>
+        <p:txBody>
+          <a:bodyPr vert="horz" wrap="none" lIns="91440" tIns="45720" rIns="91440" bIns="45720" numCol="1" rtlCol="0" anchor="ctr" anchorCtr="0" compatLnSpc="1">
+            <a:prstTxWarp prst="textNoShape">
+              <a:avLst/>
+            </a:prstTxWarp>
+          </a:bodyPr>
+          <a:lstStyle/>
+          <a:p>
+            <a:pPr marL="0" marR="0" indent="0" algn="l" defTabSz="914400" rtl="0" eaLnBrk="0" fontAlgn="base" latinLnBrk="0" hangingPunct="0">
+              <a:lnSpc>
+                <a:spcPct val="100000"/>
+              </a:lnSpc>
+              <a:spcBef>
+                <a:spcPct val="0"/>
+              </a:spcBef>
+              <a:spcAft>
+                <a:spcPct val="0"/>
+              </a:spcAft>
+              <a:buClrTx/>
+              <a:buSzTx/>
+              <a:buFontTx/>
+              <a:buNone/>
+              <a:tabLst/>
+            </a:pPr>
+            <a:endParaRPr kumimoji="0" lang="ko-KR" altLang="en-US" sz="1800" b="0" i="0" u="none" strike="noStrike" cap="none" normalizeH="0" baseline="0">
+              <a:ln>
+                <a:noFill/>
+              </a:ln>
+              <a:solidFill>
+                <a:schemeClr val="tx1"/>
+              </a:solidFill>
+              <a:effectLst/>
+              <a:latin typeface="Arial" pitchFamily="34" charset="0"/>
+              <a:ea typeface="굴림" pitchFamily="50" charset="-127"/>
+            </a:endParaRPr>
+          </a:p>
+        </p:txBody>
+      </p:sp>
+      <p:sp>
+        <p:nvSpPr>
+          <p:cNvPr id="6" name="Rectangle 5">
+            <a:extLst>
+              <a:ext uri="{FF2B5EF4-FFF2-40B4-BE49-F238E27FC236}">
+                <a16:creationId xmlns:a16="http://schemas.microsoft.com/office/drawing/2014/main" id="{C048BE06-6469-47E7-9BD7-B11087AFE7CD}"/>
+              </a:ext>
+            </a:extLst>
+          </p:cNvPr>
+          <p:cNvSpPr/>
+          <p:nvPr/>
+        </p:nvSpPr>
+        <p:spPr bwMode="auto">
+          <a:xfrm>
+            <a:off x="3124200" y="2292350"/>
+            <a:ext cx="304800" cy="639762"/>
+          </a:xfrm>
+          <a:prstGeom prst="rect">
+            <a:avLst/>
+          </a:prstGeom>
+          <a:solidFill>
+            <a:schemeClr val="bg1"/>
+          </a:solidFill>
+          <a:ln w="19050" cap="flat" cmpd="sng" algn="ctr">
+            <a:solidFill>
+              <a:schemeClr val="tx1"/>
+            </a:solidFill>
+            <a:prstDash val="solid"/>
+            <a:round/>
+            <a:headEnd type="none" w="lg" len="lg"/>
+            <a:tailEnd type="none" w="lg" len="lg"/>
+          </a:ln>
+          <a:effectLst/>
+        </p:spPr>
+        <p:txBody>
+          <a:bodyPr vert="horz" wrap="none" lIns="91440" tIns="45720" rIns="91440" bIns="45720" numCol="1" rtlCol="0" anchor="ctr" anchorCtr="0" compatLnSpc="1">
+            <a:prstTxWarp prst="textNoShape">
+              <a:avLst/>
+            </a:prstTxWarp>
+          </a:bodyPr>
+          <a:lstStyle/>
+          <a:p>
+            <a:pPr marL="0" marR="0" indent="0" algn="l" defTabSz="914400" rtl="0" eaLnBrk="0" fontAlgn="base" latinLnBrk="0" hangingPunct="0">
+              <a:lnSpc>
+                <a:spcPct val="100000"/>
+              </a:lnSpc>
+              <a:spcBef>
+                <a:spcPct val="0"/>
+              </a:spcBef>
+              <a:spcAft>
+                <a:spcPct val="0"/>
+              </a:spcAft>
+              <a:buClrTx/>
+              <a:buSzTx/>
+              <a:buFontTx/>
+              <a:buNone/>
+              <a:tabLst/>
+            </a:pPr>
+            <a:endParaRPr kumimoji="0" lang="ko-KR" altLang="en-US" sz="1800" b="0" i="0" u="none" strike="noStrike" cap="none" normalizeH="0" baseline="0">
+              <a:ln>
+                <a:noFill/>
+              </a:ln>
+              <a:solidFill>
+                <a:schemeClr val="tx1"/>
+              </a:solidFill>
+              <a:effectLst/>
+              <a:latin typeface="Arial" pitchFamily="34" charset="0"/>
+              <a:ea typeface="굴림" pitchFamily="50" charset="-127"/>
+            </a:endParaRPr>
+          </a:p>
+        </p:txBody>
+      </p:sp>
+      <p:sp>
+        <p:nvSpPr>
+          <p:cNvPr id="7" name="Rectangle 6">
+            <a:extLst>
+              <a:ext uri="{FF2B5EF4-FFF2-40B4-BE49-F238E27FC236}">
+                <a16:creationId xmlns:a16="http://schemas.microsoft.com/office/drawing/2014/main" id="{EB33201E-C9A0-4580-B627-7A97D5D22532}"/>
+              </a:ext>
+            </a:extLst>
+          </p:cNvPr>
+          <p:cNvSpPr/>
+          <p:nvPr/>
+        </p:nvSpPr>
+        <p:spPr bwMode="auto">
+          <a:xfrm>
+            <a:off x="4572000" y="2934570"/>
+            <a:ext cx="1066800" cy="639762"/>
+          </a:xfrm>
+          <a:prstGeom prst="rect">
+            <a:avLst/>
+          </a:prstGeom>
+          <a:solidFill>
+            <a:schemeClr val="bg1"/>
+          </a:solidFill>
+          <a:ln w="19050" cap="flat" cmpd="sng" algn="ctr">
+            <a:solidFill>
+              <a:schemeClr val="tx1"/>
+            </a:solidFill>
+            <a:prstDash val="solid"/>
+            <a:round/>
+            <a:headEnd type="none" w="lg" len="lg"/>
+            <a:tailEnd type="none" w="lg" len="lg"/>
+          </a:ln>
+          <a:effectLst/>
+        </p:spPr>
+        <p:txBody>
+          <a:bodyPr vert="horz" wrap="none" lIns="91440" tIns="45720" rIns="91440" bIns="45720" numCol="1" rtlCol="0" anchor="ctr" anchorCtr="0" compatLnSpc="1">
+            <a:prstTxWarp prst="textNoShape">
+              <a:avLst/>
+            </a:prstTxWarp>
+          </a:bodyPr>
+          <a:lstStyle/>
+          <a:p>
+            <a:pPr marL="0" marR="0" indent="0" algn="l" defTabSz="914400" rtl="0" eaLnBrk="0" fontAlgn="base" latinLnBrk="0" hangingPunct="0">
+              <a:lnSpc>
+                <a:spcPct val="100000"/>
+              </a:lnSpc>
+              <a:spcBef>
+                <a:spcPct val="0"/>
+              </a:spcBef>
+              <a:spcAft>
+                <a:spcPct val="0"/>
+              </a:spcAft>
+              <a:buClrTx/>
+              <a:buSzTx/>
+              <a:buFontTx/>
+              <a:buNone/>
+              <a:tabLst/>
+            </a:pPr>
+            <a:endParaRPr kumimoji="0" lang="ko-KR" altLang="en-US" sz="1800" b="0" i="0" u="none" strike="noStrike" cap="none" normalizeH="0" baseline="0">
+              <a:ln>
+                <a:noFill/>
+              </a:ln>
+              <a:solidFill>
+                <a:schemeClr val="tx1"/>
+              </a:solidFill>
+              <a:effectLst/>
+              <a:latin typeface="Arial" pitchFamily="34" charset="0"/>
+              <a:ea typeface="굴림" pitchFamily="50" charset="-127"/>
+            </a:endParaRPr>
+          </a:p>
+        </p:txBody>
+      </p:sp>
+      <p:sp>
+        <p:nvSpPr>
+          <p:cNvPr id="8" name="Rectangle 7">
+            <a:extLst>
+              <a:ext uri="{FF2B5EF4-FFF2-40B4-BE49-F238E27FC236}">
+                <a16:creationId xmlns:a16="http://schemas.microsoft.com/office/drawing/2014/main" id="{6C4041EC-D4C2-40C2-9C7D-BB49C9099313}"/>
+              </a:ext>
+            </a:extLst>
+          </p:cNvPr>
+          <p:cNvSpPr/>
+          <p:nvPr/>
+        </p:nvSpPr>
+        <p:spPr bwMode="auto">
+          <a:xfrm>
+            <a:off x="5334000" y="2934570"/>
+            <a:ext cx="304800" cy="639762"/>
+          </a:xfrm>
+          <a:prstGeom prst="rect">
+            <a:avLst/>
+          </a:prstGeom>
+          <a:solidFill>
+            <a:schemeClr val="bg1"/>
+          </a:solidFill>
+          <a:ln w="19050" cap="flat" cmpd="sng" algn="ctr">
+            <a:solidFill>
+              <a:schemeClr val="tx1"/>
+            </a:solidFill>
+            <a:prstDash val="solid"/>
+            <a:round/>
+            <a:headEnd type="none" w="lg" len="lg"/>
+            <a:tailEnd type="none" w="lg" len="lg"/>
+          </a:ln>
+          <a:effectLst/>
+        </p:spPr>
+        <p:txBody>
+          <a:bodyPr vert="horz" wrap="none" lIns="91440" tIns="45720" rIns="91440" bIns="45720" numCol="1" rtlCol="0" anchor="ctr" anchorCtr="0" compatLnSpc="1">
+            <a:prstTxWarp prst="textNoShape">
+              <a:avLst/>
+            </a:prstTxWarp>
+          </a:bodyPr>
+          <a:lstStyle/>
+          <a:p>
+            <a:pPr marL="0" marR="0" indent="0" algn="l" defTabSz="914400" rtl="0" eaLnBrk="0" fontAlgn="base" latinLnBrk="0" hangingPunct="0">
+              <a:lnSpc>
+                <a:spcPct val="100000"/>
+              </a:lnSpc>
+              <a:spcBef>
+                <a:spcPct val="0"/>
+              </a:spcBef>
+              <a:spcAft>
+                <a:spcPct val="0"/>
+              </a:spcAft>
+              <a:buClrTx/>
+              <a:buSzTx/>
+              <a:buFontTx/>
+              <a:buNone/>
+              <a:tabLst/>
+            </a:pPr>
+            <a:endParaRPr kumimoji="0" lang="ko-KR" altLang="en-US" sz="1800" b="0" i="0" u="none" strike="noStrike" cap="none" normalizeH="0" baseline="0">
+              <a:ln>
+                <a:noFill/>
+              </a:ln>
+              <a:solidFill>
+                <a:schemeClr val="tx1"/>
+              </a:solidFill>
+              <a:effectLst/>
+              <a:latin typeface="Arial" pitchFamily="34" charset="0"/>
+              <a:ea typeface="굴림" pitchFamily="50" charset="-127"/>
+            </a:endParaRPr>
+          </a:p>
+        </p:txBody>
+      </p:sp>
+      <p:sp>
+        <p:nvSpPr>
+          <p:cNvPr id="9" name="Rectangle 8">
+            <a:extLst>
+              <a:ext uri="{FF2B5EF4-FFF2-40B4-BE49-F238E27FC236}">
+                <a16:creationId xmlns:a16="http://schemas.microsoft.com/office/drawing/2014/main" id="{04061F04-064C-408F-80DF-69C4D8715705}"/>
+              </a:ext>
+            </a:extLst>
+          </p:cNvPr>
+          <p:cNvSpPr/>
+          <p:nvPr/>
+        </p:nvSpPr>
+        <p:spPr bwMode="auto">
+          <a:xfrm>
+            <a:off x="6806242" y="3663950"/>
+            <a:ext cx="1066800" cy="639762"/>
+          </a:xfrm>
+          <a:prstGeom prst="rect">
+            <a:avLst/>
+          </a:prstGeom>
+          <a:solidFill>
+            <a:schemeClr val="bg1"/>
+          </a:solidFill>
+          <a:ln w="19050" cap="flat" cmpd="sng" algn="ctr">
+            <a:solidFill>
+              <a:schemeClr val="tx1"/>
+            </a:solidFill>
+            <a:prstDash val="solid"/>
+            <a:round/>
+            <a:headEnd type="none" w="lg" len="lg"/>
+            <a:tailEnd type="none" w="lg" len="lg"/>
+          </a:ln>
+          <a:effectLst/>
+        </p:spPr>
+        <p:txBody>
+          <a:bodyPr vert="horz" wrap="none" lIns="91440" tIns="45720" rIns="91440" bIns="45720" numCol="1" rtlCol="0" anchor="ctr" anchorCtr="0" compatLnSpc="1">
+            <a:prstTxWarp prst="textNoShape">
+              <a:avLst/>
+            </a:prstTxWarp>
+          </a:bodyPr>
+          <a:lstStyle/>
+          <a:p>
+            <a:pPr marL="0" marR="0" indent="0" algn="l" defTabSz="914400" rtl="0" eaLnBrk="0" fontAlgn="base" latinLnBrk="0" hangingPunct="0">
+              <a:lnSpc>
+                <a:spcPct val="100000"/>
+              </a:lnSpc>
+              <a:spcBef>
+                <a:spcPct val="0"/>
+              </a:spcBef>
+              <a:spcAft>
+                <a:spcPct val="0"/>
+              </a:spcAft>
+              <a:buClrTx/>
+              <a:buSzTx/>
+              <a:buFontTx/>
+              <a:buNone/>
+              <a:tabLst/>
+            </a:pPr>
+            <a:endParaRPr kumimoji="0" lang="ko-KR" altLang="en-US" sz="1800" b="0" i="0" u="none" strike="noStrike" cap="none" normalizeH="0" baseline="0">
+              <a:ln>
+                <a:noFill/>
+              </a:ln>
+              <a:solidFill>
+                <a:schemeClr val="tx1"/>
+              </a:solidFill>
+              <a:effectLst/>
+              <a:latin typeface="Arial" pitchFamily="34" charset="0"/>
+              <a:ea typeface="굴림" pitchFamily="50" charset="-127"/>
+            </a:endParaRPr>
+          </a:p>
+        </p:txBody>
+      </p:sp>
+      <p:sp>
+        <p:nvSpPr>
+          <p:cNvPr id="10" name="Rectangle 9">
+            <a:extLst>
+              <a:ext uri="{FF2B5EF4-FFF2-40B4-BE49-F238E27FC236}">
+                <a16:creationId xmlns:a16="http://schemas.microsoft.com/office/drawing/2014/main" id="{59526112-D10E-4162-BB76-E2F3409CDC83}"/>
+              </a:ext>
+            </a:extLst>
+          </p:cNvPr>
+          <p:cNvSpPr/>
+          <p:nvPr/>
+        </p:nvSpPr>
+        <p:spPr bwMode="auto">
+          <a:xfrm>
+            <a:off x="7568242" y="3663950"/>
+            <a:ext cx="304800" cy="639762"/>
+          </a:xfrm>
+          <a:prstGeom prst="rect">
+            <a:avLst/>
+          </a:prstGeom>
+          <a:solidFill>
+            <a:schemeClr val="bg1"/>
+          </a:solidFill>
+          <a:ln w="19050" cap="flat" cmpd="sng" algn="ctr">
+            <a:solidFill>
+              <a:schemeClr val="tx1"/>
+            </a:solidFill>
+            <a:prstDash val="solid"/>
+            <a:round/>
+            <a:headEnd type="none" w="lg" len="lg"/>
+            <a:tailEnd type="none" w="lg" len="lg"/>
+          </a:ln>
+          <a:effectLst/>
+        </p:spPr>
+        <p:txBody>
+          <a:bodyPr vert="horz" wrap="none" lIns="91440" tIns="45720" rIns="91440" bIns="45720" numCol="1" rtlCol="0" anchor="ctr" anchorCtr="0" compatLnSpc="1">
+            <a:prstTxWarp prst="textNoShape">
+              <a:avLst/>
+            </a:prstTxWarp>
+          </a:bodyPr>
+          <a:lstStyle/>
+          <a:p>
+            <a:pPr marL="0" marR="0" indent="0" algn="l" defTabSz="914400" rtl="0" eaLnBrk="0" fontAlgn="base" latinLnBrk="0" hangingPunct="0">
+              <a:lnSpc>
+                <a:spcPct val="100000"/>
+              </a:lnSpc>
+              <a:spcBef>
+                <a:spcPct val="0"/>
+              </a:spcBef>
+              <a:spcAft>
+                <a:spcPct val="0"/>
+              </a:spcAft>
+              <a:buClrTx/>
+              <a:buSzTx/>
+              <a:buFontTx/>
+              <a:buNone/>
+              <a:tabLst/>
+            </a:pPr>
+            <a:endParaRPr kumimoji="0" lang="ko-KR" altLang="en-US" sz="1800" b="0" i="0" u="none" strike="noStrike" cap="none" normalizeH="0" baseline="0">
+              <a:ln>
+                <a:noFill/>
+              </a:ln>
+              <a:solidFill>
+                <a:schemeClr val="tx1"/>
+              </a:solidFill>
+              <a:effectLst/>
+              <a:latin typeface="Arial" pitchFamily="34" charset="0"/>
+              <a:ea typeface="굴림" pitchFamily="50" charset="-127"/>
+            </a:endParaRPr>
+          </a:p>
+        </p:txBody>
+      </p:sp>
+      <p:cxnSp>
+        <p:nvCxnSpPr>
+          <p:cNvPr id="12" name="Connector: Elbow 11">
+            <a:extLst>
+              <a:ext uri="{FF2B5EF4-FFF2-40B4-BE49-F238E27FC236}">
+                <a16:creationId xmlns:a16="http://schemas.microsoft.com/office/drawing/2014/main" id="{6F928C6C-8A38-4ACA-A87F-3034E0FAD149}"/>
+              </a:ext>
+            </a:extLst>
+          </p:cNvPr>
+          <p:cNvCxnSpPr>
+            <a:cxnSpLocks/>
+            <a:stCxn id="6" idx="3"/>
+            <a:endCxn id="17" idx="1"/>
+          </p:cNvCxnSpPr>
+          <p:nvPr/>
+        </p:nvCxnSpPr>
+        <p:spPr bwMode="auto">
+          <a:xfrm>
+            <a:off x="3429000" y="2612231"/>
+            <a:ext cx="1143000" cy="639762"/>
+          </a:xfrm>
+          <a:prstGeom prst="bentConnector3">
+            <a:avLst/>
+          </a:prstGeom>
+          <a:solidFill>
+            <a:schemeClr val="accent1"/>
+          </a:solidFill>
+          <a:ln w="19050" cap="flat" cmpd="sng" algn="ctr">
+            <a:solidFill>
+              <a:schemeClr val="tx1"/>
+            </a:solidFill>
+            <a:prstDash val="solid"/>
+            <a:round/>
+            <a:headEnd type="none" w="lg" len="lg"/>
+            <a:tailEnd type="arrow"/>
+          </a:ln>
+          <a:effectLst/>
+        </p:spPr>
+      </p:cxnSp>
+      <p:cxnSp>
+        <p:nvCxnSpPr>
+          <p:cNvPr id="13" name="Connector: Elbow 12">
+            <a:extLst>
+              <a:ext uri="{FF2B5EF4-FFF2-40B4-BE49-F238E27FC236}">
+                <a16:creationId xmlns:a16="http://schemas.microsoft.com/office/drawing/2014/main" id="{ABE6947B-33A9-41C7-B076-294AAC8E694C}"/>
+              </a:ext>
+            </a:extLst>
+          </p:cNvPr>
+          <p:cNvCxnSpPr>
+            <a:cxnSpLocks/>
+            <a:stCxn id="8" idx="3"/>
+            <a:endCxn id="9" idx="1"/>
+          </p:cNvCxnSpPr>
+          <p:nvPr/>
+        </p:nvCxnSpPr>
+        <p:spPr bwMode="auto">
+          <a:xfrm>
+            <a:off x="5638800" y="3254451"/>
+            <a:ext cx="1167442" cy="729380"/>
+          </a:xfrm>
+          <a:prstGeom prst="bentConnector3">
+            <a:avLst/>
+          </a:prstGeom>
+          <a:solidFill>
+            <a:schemeClr val="accent1"/>
+          </a:solidFill>
+          <a:ln w="19050" cap="flat" cmpd="sng" algn="ctr">
+            <a:solidFill>
+              <a:schemeClr val="tx1"/>
+            </a:solidFill>
+            <a:prstDash val="solid"/>
+            <a:round/>
+            <a:headEnd type="none" w="lg" len="lg"/>
+            <a:tailEnd type="arrow"/>
+          </a:ln>
+          <a:effectLst/>
+        </p:spPr>
+      </p:cxnSp>
+      <p:sp>
+        <p:nvSpPr>
+          <p:cNvPr id="16" name="Rectangle 15">
+            <a:extLst>
+              <a:ext uri="{FF2B5EF4-FFF2-40B4-BE49-F238E27FC236}">
+                <a16:creationId xmlns:a16="http://schemas.microsoft.com/office/drawing/2014/main" id="{72C4A2C3-8ADF-452A-8499-176EDE5034A5}"/>
+              </a:ext>
+            </a:extLst>
+          </p:cNvPr>
+          <p:cNvSpPr/>
+          <p:nvPr/>
+        </p:nvSpPr>
+        <p:spPr bwMode="auto">
+          <a:xfrm>
+            <a:off x="2362200" y="2292350"/>
+            <a:ext cx="304800" cy="639762"/>
+          </a:xfrm>
+          <a:prstGeom prst="rect">
+            <a:avLst/>
+          </a:prstGeom>
+          <a:solidFill>
+            <a:schemeClr val="bg1"/>
+          </a:solidFill>
+          <a:ln w="19050" cap="flat" cmpd="sng" algn="ctr">
+            <a:solidFill>
+              <a:schemeClr val="tx1"/>
+            </a:solidFill>
+            <a:prstDash val="solid"/>
+            <a:round/>
+            <a:headEnd type="none" w="lg" len="lg"/>
+            <a:tailEnd type="none" w="lg" len="lg"/>
+          </a:ln>
+          <a:effectLst/>
+        </p:spPr>
+        <p:txBody>
+          <a:bodyPr vert="horz" wrap="none" lIns="91440" tIns="45720" rIns="91440" bIns="45720" numCol="1" rtlCol="0" anchor="ctr" anchorCtr="0" compatLnSpc="1">
+            <a:prstTxWarp prst="textNoShape">
+              <a:avLst/>
+            </a:prstTxWarp>
+          </a:bodyPr>
+          <a:lstStyle/>
+          <a:p>
+            <a:pPr marL="0" marR="0" indent="0" algn="l" defTabSz="914400" rtl="0" eaLnBrk="0" fontAlgn="base" latinLnBrk="0" hangingPunct="0">
+              <a:lnSpc>
+                <a:spcPct val="100000"/>
+              </a:lnSpc>
+              <a:spcBef>
+                <a:spcPct val="0"/>
+              </a:spcBef>
+              <a:spcAft>
+                <a:spcPct val="0"/>
+              </a:spcAft>
+              <a:buClrTx/>
+              <a:buSzTx/>
+              <a:buFontTx/>
+              <a:buNone/>
+              <a:tabLst/>
+            </a:pPr>
+            <a:endParaRPr kumimoji="0" lang="ko-KR" altLang="en-US" sz="1800" b="0" i="0" u="none" strike="noStrike" cap="none" normalizeH="0" baseline="0">
+              <a:ln>
+                <a:noFill/>
+              </a:ln>
+              <a:solidFill>
+                <a:schemeClr val="tx1"/>
+              </a:solidFill>
+              <a:effectLst/>
+              <a:latin typeface="Arial" pitchFamily="34" charset="0"/>
+              <a:ea typeface="굴림" pitchFamily="50" charset="-127"/>
+            </a:endParaRPr>
+          </a:p>
+        </p:txBody>
+      </p:sp>
+      <p:sp>
+        <p:nvSpPr>
+          <p:cNvPr id="17" name="Rectangle 16">
+            <a:extLst>
+              <a:ext uri="{FF2B5EF4-FFF2-40B4-BE49-F238E27FC236}">
+                <a16:creationId xmlns:a16="http://schemas.microsoft.com/office/drawing/2014/main" id="{26AF5DB2-EF1B-435C-AC9C-18D2D14C19B9}"/>
+              </a:ext>
+            </a:extLst>
+          </p:cNvPr>
+          <p:cNvSpPr/>
+          <p:nvPr/>
+        </p:nvSpPr>
+        <p:spPr bwMode="auto">
+          <a:xfrm>
+            <a:off x="4572000" y="2932112"/>
+            <a:ext cx="304800" cy="639762"/>
+          </a:xfrm>
+          <a:prstGeom prst="rect">
+            <a:avLst/>
+          </a:prstGeom>
+          <a:solidFill>
+            <a:schemeClr val="bg1"/>
+          </a:solidFill>
+          <a:ln w="19050" cap="flat" cmpd="sng" algn="ctr">
+            <a:solidFill>
+              <a:schemeClr val="tx1"/>
+            </a:solidFill>
+            <a:prstDash val="solid"/>
+            <a:round/>
+            <a:headEnd type="none" w="lg" len="lg"/>
+            <a:tailEnd type="none" w="lg" len="lg"/>
+          </a:ln>
+          <a:effectLst/>
+        </p:spPr>
+        <p:txBody>
+          <a:bodyPr vert="horz" wrap="none" lIns="91440" tIns="45720" rIns="91440" bIns="45720" numCol="1" rtlCol="0" anchor="ctr" anchorCtr="0" compatLnSpc="1">
+            <a:prstTxWarp prst="textNoShape">
+              <a:avLst/>
+            </a:prstTxWarp>
+          </a:bodyPr>
+          <a:lstStyle/>
+          <a:p>
+            <a:pPr marL="0" marR="0" indent="0" algn="l" defTabSz="914400" rtl="0" eaLnBrk="0" fontAlgn="base" latinLnBrk="0" hangingPunct="0">
+              <a:lnSpc>
+                <a:spcPct val="100000"/>
+              </a:lnSpc>
+              <a:spcBef>
+                <a:spcPct val="0"/>
+              </a:spcBef>
+              <a:spcAft>
+                <a:spcPct val="0"/>
+              </a:spcAft>
+              <a:buClrTx/>
+              <a:buSzTx/>
+              <a:buFontTx/>
+              <a:buNone/>
+              <a:tabLst/>
+            </a:pPr>
+            <a:endParaRPr kumimoji="0" lang="ko-KR" altLang="en-US" sz="1800" b="0" i="0" u="none" strike="noStrike" cap="none" normalizeH="0" baseline="0">
+              <a:ln>
+                <a:noFill/>
+              </a:ln>
+              <a:solidFill>
+                <a:schemeClr val="tx1"/>
+              </a:solidFill>
+              <a:effectLst/>
+              <a:latin typeface="Arial" pitchFamily="34" charset="0"/>
+              <a:ea typeface="굴림" pitchFamily="50" charset="-127"/>
+            </a:endParaRPr>
+          </a:p>
+        </p:txBody>
+      </p:sp>
+      <p:sp>
+        <p:nvSpPr>
+          <p:cNvPr id="18" name="Rectangle 17">
+            <a:extLst>
+              <a:ext uri="{FF2B5EF4-FFF2-40B4-BE49-F238E27FC236}">
+                <a16:creationId xmlns:a16="http://schemas.microsoft.com/office/drawing/2014/main" id="{D7BB3BB5-8AA8-41E7-84CD-19D561151FDA}"/>
+              </a:ext>
+            </a:extLst>
+          </p:cNvPr>
+          <p:cNvSpPr/>
+          <p:nvPr/>
+        </p:nvSpPr>
+        <p:spPr bwMode="auto">
+          <a:xfrm>
+            <a:off x="6820620" y="3663950"/>
+            <a:ext cx="304800" cy="639762"/>
+          </a:xfrm>
+          <a:prstGeom prst="rect">
+            <a:avLst/>
+          </a:prstGeom>
+          <a:solidFill>
+            <a:schemeClr val="bg1"/>
+          </a:solidFill>
+          <a:ln w="19050" cap="flat" cmpd="sng" algn="ctr">
+            <a:solidFill>
+              <a:schemeClr val="tx1"/>
+            </a:solidFill>
+            <a:prstDash val="solid"/>
+            <a:round/>
+            <a:headEnd type="none" w="lg" len="lg"/>
+            <a:tailEnd type="none" w="lg" len="lg"/>
+          </a:ln>
+          <a:effectLst/>
+        </p:spPr>
+        <p:txBody>
+          <a:bodyPr vert="horz" wrap="none" lIns="91440" tIns="45720" rIns="91440" bIns="45720" numCol="1" rtlCol="0" anchor="ctr" anchorCtr="0" compatLnSpc="1">
+            <a:prstTxWarp prst="textNoShape">
+              <a:avLst/>
+            </a:prstTxWarp>
+          </a:bodyPr>
+          <a:lstStyle/>
+          <a:p>
+            <a:pPr marL="0" marR="0" indent="0" algn="l" defTabSz="914400" rtl="0" eaLnBrk="0" fontAlgn="base" latinLnBrk="0" hangingPunct="0">
+              <a:lnSpc>
+                <a:spcPct val="100000"/>
+              </a:lnSpc>
+              <a:spcBef>
+                <a:spcPct val="0"/>
+              </a:spcBef>
+              <a:spcAft>
+                <a:spcPct val="0"/>
+              </a:spcAft>
+              <a:buClrTx/>
+              <a:buSzTx/>
+              <a:buFontTx/>
+              <a:buNone/>
+              <a:tabLst/>
+            </a:pPr>
+            <a:endParaRPr kumimoji="0" lang="ko-KR" altLang="en-US" sz="1800" b="0" i="0" u="none" strike="noStrike" cap="none" normalizeH="0" baseline="0">
+              <a:ln>
+                <a:noFill/>
+              </a:ln>
+              <a:solidFill>
+                <a:schemeClr val="tx1"/>
+              </a:solidFill>
+              <a:effectLst/>
+              <a:latin typeface="Arial" pitchFamily="34" charset="0"/>
+              <a:ea typeface="굴림" pitchFamily="50" charset="-127"/>
+            </a:endParaRPr>
+          </a:p>
+        </p:txBody>
+      </p:sp>
+      <p:cxnSp>
+        <p:nvCxnSpPr>
+          <p:cNvPr id="19" name="Connector: Elbow 18">
+            <a:extLst>
+              <a:ext uri="{FF2B5EF4-FFF2-40B4-BE49-F238E27FC236}">
+                <a16:creationId xmlns:a16="http://schemas.microsoft.com/office/drawing/2014/main" id="{C656285C-1B88-4D3A-8405-B42CF5448D2D}"/>
+              </a:ext>
+            </a:extLst>
+          </p:cNvPr>
+          <p:cNvCxnSpPr>
+            <a:cxnSpLocks/>
+            <a:stCxn id="17" idx="2"/>
+            <a:endCxn id="6" idx="2"/>
+          </p:cNvCxnSpPr>
+          <p:nvPr/>
+        </p:nvCxnSpPr>
+        <p:spPr bwMode="auto">
+          <a:xfrm rot="5400000" flipH="1">
+            <a:off x="3680619" y="2528093"/>
+            <a:ext cx="639762" cy="1447800"/>
+          </a:xfrm>
+          <a:prstGeom prst="bentConnector3">
+            <a:avLst>
+              <a:gd name="adj1" fmla="val -35732"/>
+            </a:avLst>
+          </a:prstGeom>
+          <a:solidFill>
+            <a:schemeClr val="accent1"/>
+          </a:solidFill>
+          <a:ln w="19050" cap="flat" cmpd="sng" algn="ctr">
+            <a:solidFill>
+              <a:schemeClr val="tx1"/>
+            </a:solidFill>
+            <a:prstDash val="solid"/>
+            <a:round/>
+            <a:headEnd type="none" w="lg" len="lg"/>
+            <a:tailEnd type="arrow"/>
+          </a:ln>
+          <a:effectLst/>
+        </p:spPr>
+      </p:cxnSp>
+      <p:cxnSp>
+        <p:nvCxnSpPr>
+          <p:cNvPr id="23" name="Connector: Elbow 22">
+            <a:extLst>
+              <a:ext uri="{FF2B5EF4-FFF2-40B4-BE49-F238E27FC236}">
+                <a16:creationId xmlns:a16="http://schemas.microsoft.com/office/drawing/2014/main" id="{8B6D513C-BF03-4104-A773-B566C905B039}"/>
+              </a:ext>
+            </a:extLst>
+          </p:cNvPr>
+          <p:cNvCxnSpPr>
+            <a:cxnSpLocks/>
+            <a:stCxn id="18" idx="2"/>
+            <a:endCxn id="8" idx="2"/>
+          </p:cNvCxnSpPr>
+          <p:nvPr/>
+        </p:nvCxnSpPr>
+        <p:spPr bwMode="auto">
+          <a:xfrm rot="5400000" flipH="1">
+            <a:off x="5865020" y="3195712"/>
+            <a:ext cx="729380" cy="1486620"/>
+          </a:xfrm>
+          <a:prstGeom prst="bentConnector3">
+            <a:avLst>
+              <a:gd name="adj1" fmla="val -31342"/>
+            </a:avLst>
+          </a:prstGeom>
+          <a:solidFill>
+            <a:schemeClr val="accent1"/>
+          </a:solidFill>
+          <a:ln w="19050" cap="flat" cmpd="sng" algn="ctr">
+            <a:solidFill>
+              <a:schemeClr val="tx1"/>
+            </a:solidFill>
+            <a:prstDash val="solid"/>
+            <a:round/>
+            <a:headEnd type="none" w="lg" len="lg"/>
+            <a:tailEnd type="arrow"/>
+          </a:ln>
+          <a:effectLst/>
+        </p:spPr>
+      </p:cxnSp>
+      <p:cxnSp>
+        <p:nvCxnSpPr>
+          <p:cNvPr id="32" name="Connector: Elbow 31">
+            <a:extLst>
+              <a:ext uri="{FF2B5EF4-FFF2-40B4-BE49-F238E27FC236}">
+                <a16:creationId xmlns:a16="http://schemas.microsoft.com/office/drawing/2014/main" id="{C5D0055F-90E2-488B-8253-63ACAD987768}"/>
+              </a:ext>
+            </a:extLst>
+          </p:cNvPr>
+          <p:cNvCxnSpPr>
+            <a:cxnSpLocks/>
+            <a:stCxn id="16" idx="2"/>
+            <a:endCxn id="10" idx="2"/>
+          </p:cNvCxnSpPr>
+          <p:nvPr/>
+        </p:nvCxnSpPr>
+        <p:spPr bwMode="auto">
+          <a:xfrm rot="16200000" flipH="1">
+            <a:off x="4431821" y="1014891"/>
+            <a:ext cx="1371600" cy="5206042"/>
+          </a:xfrm>
+          <a:prstGeom prst="bentConnector3">
+            <a:avLst>
+              <a:gd name="adj1" fmla="val 156919"/>
+            </a:avLst>
+          </a:prstGeom>
+          <a:solidFill>
+            <a:schemeClr val="accent1"/>
+          </a:solidFill>
+          <a:ln w="19050" cap="flat" cmpd="sng" algn="ctr">
+            <a:solidFill>
+              <a:schemeClr val="tx1"/>
+            </a:solidFill>
+            <a:prstDash val="solid"/>
+            <a:round/>
+            <a:headEnd type="none" w="lg" len="lg"/>
+            <a:tailEnd type="arrow"/>
+          </a:ln>
+          <a:effectLst/>
+        </p:spPr>
+      </p:cxnSp>
+      <p:cxnSp>
+        <p:nvCxnSpPr>
+          <p:cNvPr id="35" name="Connector: Elbow 34">
+            <a:extLst>
+              <a:ext uri="{FF2B5EF4-FFF2-40B4-BE49-F238E27FC236}">
+                <a16:creationId xmlns:a16="http://schemas.microsoft.com/office/drawing/2014/main" id="{46472F09-6C60-4725-9082-FC5C91F04093}"/>
+              </a:ext>
+            </a:extLst>
+          </p:cNvPr>
+          <p:cNvCxnSpPr>
+            <a:cxnSpLocks/>
+            <a:stCxn id="10" idx="3"/>
+            <a:endCxn id="16" idx="1"/>
+          </p:cNvCxnSpPr>
+          <p:nvPr/>
+        </p:nvCxnSpPr>
+        <p:spPr bwMode="auto">
+          <a:xfrm flipH="1" flipV="1">
+            <a:off x="2362200" y="2612231"/>
+            <a:ext cx="5510842" cy="1371600"/>
+          </a:xfrm>
+          <a:prstGeom prst="bentConnector5">
+            <a:avLst>
+              <a:gd name="adj1" fmla="val -4148"/>
+              <a:gd name="adj2" fmla="val 149371"/>
+              <a:gd name="adj3" fmla="val 104148"/>
+            </a:avLst>
+          </a:prstGeom>
+          <a:solidFill>
+            <a:schemeClr val="accent1"/>
+          </a:solidFill>
+          <a:ln w="19050" cap="flat" cmpd="sng" algn="ctr">
+            <a:solidFill>
+              <a:schemeClr val="tx1"/>
+            </a:solidFill>
+            <a:prstDash val="solid"/>
+            <a:round/>
+            <a:headEnd type="none" w="lg" len="lg"/>
+            <a:tailEnd type="arrow"/>
+          </a:ln>
+          <a:effectLst/>
+        </p:spPr>
+      </p:cxnSp>
+    </p:spTree>
+    <p:extLst>
+      <p:ext uri="{BB962C8B-B14F-4D97-AF65-F5344CB8AC3E}">
+        <p14:creationId xmlns:p14="http://schemas.microsoft.com/office/powerpoint/2010/main" val="3567052995"/>
       </p:ext>
     </p:extLst>
   </p:cSld>
@@ -14046,7 +19017,7 @@
           <a:prstDash val="solid"/>
           <a:round/>
           <a:headEnd type="none" w="lg" len="lg"/>
-          <a:tailEnd type="none" w="lg" len="lg"/>
+          <a:tailEnd type="arrow"/>
         </a:ln>
         <a:effectLst/>
       </a:spPr>

--- a/docs/socket.programings.pptx
+++ b/docs/socket.programings.pptx
@@ -6,20 +6,21 @@
     <p:sldMasterId id="2147483732" r:id="rId2"/>
   </p:sldMasterIdLst>
   <p:notesMasterIdLst>
-    <p:notesMasterId r:id="rId14"/>
+    <p:notesMasterId r:id="rId15"/>
   </p:notesMasterIdLst>
   <p:sldIdLst>
     <p:sldId id="256" r:id="rId3"/>
     <p:sldId id="785" r:id="rId4"/>
     <p:sldId id="786" r:id="rId5"/>
     <p:sldId id="787" r:id="rId6"/>
-    <p:sldId id="788" r:id="rId7"/>
-    <p:sldId id="789" r:id="rId8"/>
-    <p:sldId id="790" r:id="rId9"/>
-    <p:sldId id="791" r:id="rId10"/>
-    <p:sldId id="792" r:id="rId11"/>
-    <p:sldId id="794" r:id="rId12"/>
-    <p:sldId id="793" r:id="rId13"/>
+    <p:sldId id="795" r:id="rId7"/>
+    <p:sldId id="788" r:id="rId8"/>
+    <p:sldId id="789" r:id="rId9"/>
+    <p:sldId id="790" r:id="rId10"/>
+    <p:sldId id="791" r:id="rId11"/>
+    <p:sldId id="792" r:id="rId12"/>
+    <p:sldId id="794" r:id="rId13"/>
+    <p:sldId id="793" r:id="rId14"/>
   </p:sldIdLst>
   <p:sldSz cx="9906000" cy="6858000" type="A4"/>
   <p:notesSz cx="7010400" cy="9296400"/>
@@ -1857,7 +1858,7 @@
                 <a:latin typeface="굴림" panose="020B0600000101010101" pitchFamily="50" charset="-127"/>
               </a:rPr>
               <a:pPr/>
-              <a:t>4</a:t>
+              <a:t>5</a:t>
             </a:fld>
             <a:endParaRPr lang="en-US" altLang="ko-KR">
               <a:latin typeface="굴림" panose="020B0600000101010101" pitchFamily="50" charset="-127"/>
@@ -2102,7 +2103,7 @@
                 <a:latin typeface="굴림" panose="020B0600000101010101" pitchFamily="50" charset="-127"/>
               </a:rPr>
               <a:pPr/>
-              <a:t>5</a:t>
+              <a:t>6</a:t>
             </a:fld>
             <a:endParaRPr lang="en-US" altLang="ko-KR">
               <a:latin typeface="굴림" panose="020B0600000101010101" pitchFamily="50" charset="-127"/>
@@ -8554,7 +8555,7 @@
           <a:p>
             <a:r>
               <a:rPr lang="en-US" altLang="ko-KR" dirty="0"/>
-              <a:t>Graph</a:t>
+              <a:t>Circular Queue</a:t>
             </a:r>
             <a:endParaRPr lang="ko-KR" altLang="en-US" dirty="0"/>
           </a:p>
@@ -8590,6 +8591,992 @@
                 <a:defRPr/>
               </a:pPr>
               <a:t>9</a:t>
+            </a:fld>
+            <a:endParaRPr lang="en-US" altLang="ko-KR"/>
+          </a:p>
+        </p:txBody>
+      </p:sp>
+      <p:sp>
+        <p:nvSpPr>
+          <p:cNvPr id="5" name="Rectangle 4">
+            <a:extLst>
+              <a:ext uri="{FF2B5EF4-FFF2-40B4-BE49-F238E27FC236}">
+                <a16:creationId xmlns:a16="http://schemas.microsoft.com/office/drawing/2014/main" id="{BF5B196D-2A69-49BF-9D7C-770D56E9AFCA}"/>
+              </a:ext>
+            </a:extLst>
+          </p:cNvPr>
+          <p:cNvSpPr/>
+          <p:nvPr/>
+        </p:nvSpPr>
+        <p:spPr bwMode="auto">
+          <a:xfrm>
+            <a:off x="2362200" y="2292350"/>
+            <a:ext cx="1066800" cy="639762"/>
+          </a:xfrm>
+          <a:prstGeom prst="rect">
+            <a:avLst/>
+          </a:prstGeom>
+          <a:solidFill>
+            <a:schemeClr val="bg1"/>
+          </a:solidFill>
+          <a:ln w="19050" cap="flat" cmpd="sng" algn="ctr">
+            <a:solidFill>
+              <a:schemeClr val="tx1"/>
+            </a:solidFill>
+            <a:prstDash val="solid"/>
+            <a:round/>
+            <a:headEnd type="none" w="lg" len="lg"/>
+            <a:tailEnd type="none" w="lg" len="lg"/>
+          </a:ln>
+          <a:effectLst/>
+        </p:spPr>
+        <p:txBody>
+          <a:bodyPr vert="horz" wrap="none" lIns="91440" tIns="45720" rIns="91440" bIns="45720" numCol="1" rtlCol="0" anchor="ctr" anchorCtr="0" compatLnSpc="1">
+            <a:prstTxWarp prst="textNoShape">
+              <a:avLst/>
+            </a:prstTxWarp>
+          </a:bodyPr>
+          <a:lstStyle/>
+          <a:p>
+            <a:pPr marL="0" marR="0" indent="0" algn="l" defTabSz="914400" rtl="0" eaLnBrk="0" fontAlgn="base" latinLnBrk="0" hangingPunct="0">
+              <a:lnSpc>
+                <a:spcPct val="100000"/>
+              </a:lnSpc>
+              <a:spcBef>
+                <a:spcPct val="0"/>
+              </a:spcBef>
+              <a:spcAft>
+                <a:spcPct val="0"/>
+              </a:spcAft>
+              <a:buClrTx/>
+              <a:buSzTx/>
+              <a:buFontTx/>
+              <a:buNone/>
+              <a:tabLst/>
+            </a:pPr>
+            <a:endParaRPr kumimoji="0" lang="ko-KR" altLang="en-US" sz="1800" b="0" i="0" u="none" strike="noStrike" cap="none" normalizeH="0" baseline="0">
+              <a:ln>
+                <a:noFill/>
+              </a:ln>
+              <a:solidFill>
+                <a:schemeClr val="tx1"/>
+              </a:solidFill>
+              <a:effectLst/>
+              <a:latin typeface="Arial" pitchFamily="34" charset="0"/>
+              <a:ea typeface="굴림" pitchFamily="50" charset="-127"/>
+            </a:endParaRPr>
+          </a:p>
+        </p:txBody>
+      </p:sp>
+      <p:sp>
+        <p:nvSpPr>
+          <p:cNvPr id="6" name="Rectangle 5">
+            <a:extLst>
+              <a:ext uri="{FF2B5EF4-FFF2-40B4-BE49-F238E27FC236}">
+                <a16:creationId xmlns:a16="http://schemas.microsoft.com/office/drawing/2014/main" id="{C048BE06-6469-47E7-9BD7-B11087AFE7CD}"/>
+              </a:ext>
+            </a:extLst>
+          </p:cNvPr>
+          <p:cNvSpPr/>
+          <p:nvPr/>
+        </p:nvSpPr>
+        <p:spPr bwMode="auto">
+          <a:xfrm>
+            <a:off x="3124200" y="2292350"/>
+            <a:ext cx="304800" cy="639762"/>
+          </a:xfrm>
+          <a:prstGeom prst="rect">
+            <a:avLst/>
+          </a:prstGeom>
+          <a:solidFill>
+            <a:schemeClr val="bg1"/>
+          </a:solidFill>
+          <a:ln w="19050" cap="flat" cmpd="sng" algn="ctr">
+            <a:solidFill>
+              <a:schemeClr val="tx1"/>
+            </a:solidFill>
+            <a:prstDash val="solid"/>
+            <a:round/>
+            <a:headEnd type="none" w="lg" len="lg"/>
+            <a:tailEnd type="none" w="lg" len="lg"/>
+          </a:ln>
+          <a:effectLst/>
+        </p:spPr>
+        <p:txBody>
+          <a:bodyPr vert="horz" wrap="none" lIns="91440" tIns="45720" rIns="91440" bIns="45720" numCol="1" rtlCol="0" anchor="ctr" anchorCtr="0" compatLnSpc="1">
+            <a:prstTxWarp prst="textNoShape">
+              <a:avLst/>
+            </a:prstTxWarp>
+          </a:bodyPr>
+          <a:lstStyle/>
+          <a:p>
+            <a:pPr marL="0" marR="0" indent="0" algn="l" defTabSz="914400" rtl="0" eaLnBrk="0" fontAlgn="base" latinLnBrk="0" hangingPunct="0">
+              <a:lnSpc>
+                <a:spcPct val="100000"/>
+              </a:lnSpc>
+              <a:spcBef>
+                <a:spcPct val="0"/>
+              </a:spcBef>
+              <a:spcAft>
+                <a:spcPct val="0"/>
+              </a:spcAft>
+              <a:buClrTx/>
+              <a:buSzTx/>
+              <a:buFontTx/>
+              <a:buNone/>
+              <a:tabLst/>
+            </a:pPr>
+            <a:endParaRPr kumimoji="0" lang="ko-KR" altLang="en-US" sz="1800" b="0" i="0" u="none" strike="noStrike" cap="none" normalizeH="0" baseline="0">
+              <a:ln>
+                <a:noFill/>
+              </a:ln>
+              <a:solidFill>
+                <a:schemeClr val="tx1"/>
+              </a:solidFill>
+              <a:effectLst/>
+              <a:latin typeface="Arial" pitchFamily="34" charset="0"/>
+              <a:ea typeface="굴림" pitchFamily="50" charset="-127"/>
+            </a:endParaRPr>
+          </a:p>
+        </p:txBody>
+      </p:sp>
+      <p:sp>
+        <p:nvSpPr>
+          <p:cNvPr id="7" name="Rectangle 6">
+            <a:extLst>
+              <a:ext uri="{FF2B5EF4-FFF2-40B4-BE49-F238E27FC236}">
+                <a16:creationId xmlns:a16="http://schemas.microsoft.com/office/drawing/2014/main" id="{EB33201E-C9A0-4580-B627-7A97D5D22532}"/>
+              </a:ext>
+            </a:extLst>
+          </p:cNvPr>
+          <p:cNvSpPr/>
+          <p:nvPr/>
+        </p:nvSpPr>
+        <p:spPr bwMode="auto">
+          <a:xfrm>
+            <a:off x="4572000" y="2934570"/>
+            <a:ext cx="1066800" cy="639762"/>
+          </a:xfrm>
+          <a:prstGeom prst="rect">
+            <a:avLst/>
+          </a:prstGeom>
+          <a:solidFill>
+            <a:schemeClr val="bg1"/>
+          </a:solidFill>
+          <a:ln w="19050" cap="flat" cmpd="sng" algn="ctr">
+            <a:solidFill>
+              <a:schemeClr val="tx1"/>
+            </a:solidFill>
+            <a:prstDash val="solid"/>
+            <a:round/>
+            <a:headEnd type="none" w="lg" len="lg"/>
+            <a:tailEnd type="none" w="lg" len="lg"/>
+          </a:ln>
+          <a:effectLst/>
+        </p:spPr>
+        <p:txBody>
+          <a:bodyPr vert="horz" wrap="none" lIns="91440" tIns="45720" rIns="91440" bIns="45720" numCol="1" rtlCol="0" anchor="ctr" anchorCtr="0" compatLnSpc="1">
+            <a:prstTxWarp prst="textNoShape">
+              <a:avLst/>
+            </a:prstTxWarp>
+          </a:bodyPr>
+          <a:lstStyle/>
+          <a:p>
+            <a:pPr marL="0" marR="0" indent="0" algn="l" defTabSz="914400" rtl="0" eaLnBrk="0" fontAlgn="base" latinLnBrk="0" hangingPunct="0">
+              <a:lnSpc>
+                <a:spcPct val="100000"/>
+              </a:lnSpc>
+              <a:spcBef>
+                <a:spcPct val="0"/>
+              </a:spcBef>
+              <a:spcAft>
+                <a:spcPct val="0"/>
+              </a:spcAft>
+              <a:buClrTx/>
+              <a:buSzTx/>
+              <a:buFontTx/>
+              <a:buNone/>
+              <a:tabLst/>
+            </a:pPr>
+            <a:endParaRPr kumimoji="0" lang="ko-KR" altLang="en-US" sz="1800" b="0" i="0" u="none" strike="noStrike" cap="none" normalizeH="0" baseline="0">
+              <a:ln>
+                <a:noFill/>
+              </a:ln>
+              <a:solidFill>
+                <a:schemeClr val="tx1"/>
+              </a:solidFill>
+              <a:effectLst/>
+              <a:latin typeface="Arial" pitchFamily="34" charset="0"/>
+              <a:ea typeface="굴림" pitchFamily="50" charset="-127"/>
+            </a:endParaRPr>
+          </a:p>
+        </p:txBody>
+      </p:sp>
+      <p:sp>
+        <p:nvSpPr>
+          <p:cNvPr id="8" name="Rectangle 7">
+            <a:extLst>
+              <a:ext uri="{FF2B5EF4-FFF2-40B4-BE49-F238E27FC236}">
+                <a16:creationId xmlns:a16="http://schemas.microsoft.com/office/drawing/2014/main" id="{6C4041EC-D4C2-40C2-9C7D-BB49C9099313}"/>
+              </a:ext>
+            </a:extLst>
+          </p:cNvPr>
+          <p:cNvSpPr/>
+          <p:nvPr/>
+        </p:nvSpPr>
+        <p:spPr bwMode="auto">
+          <a:xfrm>
+            <a:off x="5334000" y="2934570"/>
+            <a:ext cx="304800" cy="639762"/>
+          </a:xfrm>
+          <a:prstGeom prst="rect">
+            <a:avLst/>
+          </a:prstGeom>
+          <a:solidFill>
+            <a:schemeClr val="bg1"/>
+          </a:solidFill>
+          <a:ln w="19050" cap="flat" cmpd="sng" algn="ctr">
+            <a:solidFill>
+              <a:schemeClr val="tx1"/>
+            </a:solidFill>
+            <a:prstDash val="solid"/>
+            <a:round/>
+            <a:headEnd type="none" w="lg" len="lg"/>
+            <a:tailEnd type="none" w="lg" len="lg"/>
+          </a:ln>
+          <a:effectLst/>
+        </p:spPr>
+        <p:txBody>
+          <a:bodyPr vert="horz" wrap="none" lIns="91440" tIns="45720" rIns="91440" bIns="45720" numCol="1" rtlCol="0" anchor="ctr" anchorCtr="0" compatLnSpc="1">
+            <a:prstTxWarp prst="textNoShape">
+              <a:avLst/>
+            </a:prstTxWarp>
+          </a:bodyPr>
+          <a:lstStyle/>
+          <a:p>
+            <a:pPr marL="0" marR="0" indent="0" algn="l" defTabSz="914400" rtl="0" eaLnBrk="0" fontAlgn="base" latinLnBrk="0" hangingPunct="0">
+              <a:lnSpc>
+                <a:spcPct val="100000"/>
+              </a:lnSpc>
+              <a:spcBef>
+                <a:spcPct val="0"/>
+              </a:spcBef>
+              <a:spcAft>
+                <a:spcPct val="0"/>
+              </a:spcAft>
+              <a:buClrTx/>
+              <a:buSzTx/>
+              <a:buFontTx/>
+              <a:buNone/>
+              <a:tabLst/>
+            </a:pPr>
+            <a:endParaRPr kumimoji="0" lang="ko-KR" altLang="en-US" sz="1800" b="0" i="0" u="none" strike="noStrike" cap="none" normalizeH="0" baseline="0">
+              <a:ln>
+                <a:noFill/>
+              </a:ln>
+              <a:solidFill>
+                <a:schemeClr val="tx1"/>
+              </a:solidFill>
+              <a:effectLst/>
+              <a:latin typeface="Arial" pitchFamily="34" charset="0"/>
+              <a:ea typeface="굴림" pitchFamily="50" charset="-127"/>
+            </a:endParaRPr>
+          </a:p>
+        </p:txBody>
+      </p:sp>
+      <p:sp>
+        <p:nvSpPr>
+          <p:cNvPr id="9" name="Rectangle 8">
+            <a:extLst>
+              <a:ext uri="{FF2B5EF4-FFF2-40B4-BE49-F238E27FC236}">
+                <a16:creationId xmlns:a16="http://schemas.microsoft.com/office/drawing/2014/main" id="{04061F04-064C-408F-80DF-69C4D8715705}"/>
+              </a:ext>
+            </a:extLst>
+          </p:cNvPr>
+          <p:cNvSpPr/>
+          <p:nvPr/>
+        </p:nvSpPr>
+        <p:spPr bwMode="auto">
+          <a:xfrm>
+            <a:off x="6806242" y="3663950"/>
+            <a:ext cx="1066800" cy="639762"/>
+          </a:xfrm>
+          <a:prstGeom prst="rect">
+            <a:avLst/>
+          </a:prstGeom>
+          <a:solidFill>
+            <a:schemeClr val="bg1"/>
+          </a:solidFill>
+          <a:ln w="19050" cap="flat" cmpd="sng" algn="ctr">
+            <a:solidFill>
+              <a:schemeClr val="tx1"/>
+            </a:solidFill>
+            <a:prstDash val="solid"/>
+            <a:round/>
+            <a:headEnd type="none" w="lg" len="lg"/>
+            <a:tailEnd type="none" w="lg" len="lg"/>
+          </a:ln>
+          <a:effectLst/>
+        </p:spPr>
+        <p:txBody>
+          <a:bodyPr vert="horz" wrap="none" lIns="91440" tIns="45720" rIns="91440" bIns="45720" numCol="1" rtlCol="0" anchor="ctr" anchorCtr="0" compatLnSpc="1">
+            <a:prstTxWarp prst="textNoShape">
+              <a:avLst/>
+            </a:prstTxWarp>
+          </a:bodyPr>
+          <a:lstStyle/>
+          <a:p>
+            <a:pPr marL="0" marR="0" indent="0" algn="l" defTabSz="914400" rtl="0" eaLnBrk="0" fontAlgn="base" latinLnBrk="0" hangingPunct="0">
+              <a:lnSpc>
+                <a:spcPct val="100000"/>
+              </a:lnSpc>
+              <a:spcBef>
+                <a:spcPct val="0"/>
+              </a:spcBef>
+              <a:spcAft>
+                <a:spcPct val="0"/>
+              </a:spcAft>
+              <a:buClrTx/>
+              <a:buSzTx/>
+              <a:buFontTx/>
+              <a:buNone/>
+              <a:tabLst/>
+            </a:pPr>
+            <a:endParaRPr kumimoji="0" lang="ko-KR" altLang="en-US" sz="1800" b="0" i="0" u="none" strike="noStrike" cap="none" normalizeH="0" baseline="0">
+              <a:ln>
+                <a:noFill/>
+              </a:ln>
+              <a:solidFill>
+                <a:schemeClr val="tx1"/>
+              </a:solidFill>
+              <a:effectLst/>
+              <a:latin typeface="Arial" pitchFamily="34" charset="0"/>
+              <a:ea typeface="굴림" pitchFamily="50" charset="-127"/>
+            </a:endParaRPr>
+          </a:p>
+        </p:txBody>
+      </p:sp>
+      <p:sp>
+        <p:nvSpPr>
+          <p:cNvPr id="10" name="Rectangle 9">
+            <a:extLst>
+              <a:ext uri="{FF2B5EF4-FFF2-40B4-BE49-F238E27FC236}">
+                <a16:creationId xmlns:a16="http://schemas.microsoft.com/office/drawing/2014/main" id="{59526112-D10E-4162-BB76-E2F3409CDC83}"/>
+              </a:ext>
+            </a:extLst>
+          </p:cNvPr>
+          <p:cNvSpPr/>
+          <p:nvPr/>
+        </p:nvSpPr>
+        <p:spPr bwMode="auto">
+          <a:xfrm>
+            <a:off x="7568242" y="3663950"/>
+            <a:ext cx="304800" cy="639762"/>
+          </a:xfrm>
+          <a:prstGeom prst="rect">
+            <a:avLst/>
+          </a:prstGeom>
+          <a:solidFill>
+            <a:schemeClr val="bg1"/>
+          </a:solidFill>
+          <a:ln w="19050" cap="flat" cmpd="sng" algn="ctr">
+            <a:solidFill>
+              <a:schemeClr val="tx1"/>
+            </a:solidFill>
+            <a:prstDash val="solid"/>
+            <a:round/>
+            <a:headEnd type="none" w="lg" len="lg"/>
+            <a:tailEnd type="none" w="lg" len="lg"/>
+          </a:ln>
+          <a:effectLst/>
+        </p:spPr>
+        <p:txBody>
+          <a:bodyPr vert="horz" wrap="none" lIns="91440" tIns="45720" rIns="91440" bIns="45720" numCol="1" rtlCol="0" anchor="ctr" anchorCtr="0" compatLnSpc="1">
+            <a:prstTxWarp prst="textNoShape">
+              <a:avLst/>
+            </a:prstTxWarp>
+          </a:bodyPr>
+          <a:lstStyle/>
+          <a:p>
+            <a:pPr marL="0" marR="0" indent="0" algn="l" defTabSz="914400" rtl="0" eaLnBrk="0" fontAlgn="base" latinLnBrk="0" hangingPunct="0">
+              <a:lnSpc>
+                <a:spcPct val="100000"/>
+              </a:lnSpc>
+              <a:spcBef>
+                <a:spcPct val="0"/>
+              </a:spcBef>
+              <a:spcAft>
+                <a:spcPct val="0"/>
+              </a:spcAft>
+              <a:buClrTx/>
+              <a:buSzTx/>
+              <a:buFontTx/>
+              <a:buNone/>
+              <a:tabLst/>
+            </a:pPr>
+            <a:endParaRPr kumimoji="0" lang="ko-KR" altLang="en-US" sz="1800" b="0" i="0" u="none" strike="noStrike" cap="none" normalizeH="0" baseline="0">
+              <a:ln>
+                <a:noFill/>
+              </a:ln>
+              <a:solidFill>
+                <a:schemeClr val="tx1"/>
+              </a:solidFill>
+              <a:effectLst/>
+              <a:latin typeface="Arial" pitchFamily="34" charset="0"/>
+              <a:ea typeface="굴림" pitchFamily="50" charset="-127"/>
+            </a:endParaRPr>
+          </a:p>
+        </p:txBody>
+      </p:sp>
+      <p:cxnSp>
+        <p:nvCxnSpPr>
+          <p:cNvPr id="12" name="Connector: Elbow 11">
+            <a:extLst>
+              <a:ext uri="{FF2B5EF4-FFF2-40B4-BE49-F238E27FC236}">
+                <a16:creationId xmlns:a16="http://schemas.microsoft.com/office/drawing/2014/main" id="{6F928C6C-8A38-4ACA-A87F-3034E0FAD149}"/>
+              </a:ext>
+            </a:extLst>
+          </p:cNvPr>
+          <p:cNvCxnSpPr>
+            <a:cxnSpLocks/>
+            <a:stCxn id="6" idx="3"/>
+            <a:endCxn id="17" idx="1"/>
+          </p:cNvCxnSpPr>
+          <p:nvPr/>
+        </p:nvCxnSpPr>
+        <p:spPr bwMode="auto">
+          <a:xfrm>
+            <a:off x="3429000" y="2612231"/>
+            <a:ext cx="1143000" cy="639762"/>
+          </a:xfrm>
+          <a:prstGeom prst="bentConnector3">
+            <a:avLst/>
+          </a:prstGeom>
+          <a:solidFill>
+            <a:schemeClr val="accent1"/>
+          </a:solidFill>
+          <a:ln w="19050" cap="flat" cmpd="sng" algn="ctr">
+            <a:solidFill>
+              <a:schemeClr val="tx1"/>
+            </a:solidFill>
+            <a:prstDash val="solid"/>
+            <a:round/>
+            <a:headEnd type="none" w="lg" len="lg"/>
+            <a:tailEnd type="arrow"/>
+          </a:ln>
+          <a:effectLst/>
+        </p:spPr>
+      </p:cxnSp>
+      <p:cxnSp>
+        <p:nvCxnSpPr>
+          <p:cNvPr id="13" name="Connector: Elbow 12">
+            <a:extLst>
+              <a:ext uri="{FF2B5EF4-FFF2-40B4-BE49-F238E27FC236}">
+                <a16:creationId xmlns:a16="http://schemas.microsoft.com/office/drawing/2014/main" id="{ABE6947B-33A9-41C7-B076-294AAC8E694C}"/>
+              </a:ext>
+            </a:extLst>
+          </p:cNvPr>
+          <p:cNvCxnSpPr>
+            <a:cxnSpLocks/>
+            <a:stCxn id="8" idx="3"/>
+            <a:endCxn id="9" idx="1"/>
+          </p:cNvCxnSpPr>
+          <p:nvPr/>
+        </p:nvCxnSpPr>
+        <p:spPr bwMode="auto">
+          <a:xfrm>
+            <a:off x="5638800" y="3254451"/>
+            <a:ext cx="1167442" cy="729380"/>
+          </a:xfrm>
+          <a:prstGeom prst="bentConnector3">
+            <a:avLst/>
+          </a:prstGeom>
+          <a:solidFill>
+            <a:schemeClr val="accent1"/>
+          </a:solidFill>
+          <a:ln w="19050" cap="flat" cmpd="sng" algn="ctr">
+            <a:solidFill>
+              <a:schemeClr val="tx1"/>
+            </a:solidFill>
+            <a:prstDash val="solid"/>
+            <a:round/>
+            <a:headEnd type="none" w="lg" len="lg"/>
+            <a:tailEnd type="arrow"/>
+          </a:ln>
+          <a:effectLst/>
+        </p:spPr>
+      </p:cxnSp>
+      <p:sp>
+        <p:nvSpPr>
+          <p:cNvPr id="16" name="Rectangle 15">
+            <a:extLst>
+              <a:ext uri="{FF2B5EF4-FFF2-40B4-BE49-F238E27FC236}">
+                <a16:creationId xmlns:a16="http://schemas.microsoft.com/office/drawing/2014/main" id="{72C4A2C3-8ADF-452A-8499-176EDE5034A5}"/>
+              </a:ext>
+            </a:extLst>
+          </p:cNvPr>
+          <p:cNvSpPr/>
+          <p:nvPr/>
+        </p:nvSpPr>
+        <p:spPr bwMode="auto">
+          <a:xfrm>
+            <a:off x="2362200" y="2292350"/>
+            <a:ext cx="304800" cy="639762"/>
+          </a:xfrm>
+          <a:prstGeom prst="rect">
+            <a:avLst/>
+          </a:prstGeom>
+          <a:solidFill>
+            <a:schemeClr val="bg1"/>
+          </a:solidFill>
+          <a:ln w="19050" cap="flat" cmpd="sng" algn="ctr">
+            <a:solidFill>
+              <a:schemeClr val="tx1"/>
+            </a:solidFill>
+            <a:prstDash val="solid"/>
+            <a:round/>
+            <a:headEnd type="none" w="lg" len="lg"/>
+            <a:tailEnd type="none" w="lg" len="lg"/>
+          </a:ln>
+          <a:effectLst/>
+        </p:spPr>
+        <p:txBody>
+          <a:bodyPr vert="horz" wrap="none" lIns="91440" tIns="45720" rIns="91440" bIns="45720" numCol="1" rtlCol="0" anchor="ctr" anchorCtr="0" compatLnSpc="1">
+            <a:prstTxWarp prst="textNoShape">
+              <a:avLst/>
+            </a:prstTxWarp>
+          </a:bodyPr>
+          <a:lstStyle/>
+          <a:p>
+            <a:pPr marL="0" marR="0" indent="0" algn="l" defTabSz="914400" rtl="0" eaLnBrk="0" fontAlgn="base" latinLnBrk="0" hangingPunct="0">
+              <a:lnSpc>
+                <a:spcPct val="100000"/>
+              </a:lnSpc>
+              <a:spcBef>
+                <a:spcPct val="0"/>
+              </a:spcBef>
+              <a:spcAft>
+                <a:spcPct val="0"/>
+              </a:spcAft>
+              <a:buClrTx/>
+              <a:buSzTx/>
+              <a:buFontTx/>
+              <a:buNone/>
+              <a:tabLst/>
+            </a:pPr>
+            <a:endParaRPr kumimoji="0" lang="ko-KR" altLang="en-US" sz="1800" b="0" i="0" u="none" strike="noStrike" cap="none" normalizeH="0" baseline="0">
+              <a:ln>
+                <a:noFill/>
+              </a:ln>
+              <a:solidFill>
+                <a:schemeClr val="tx1"/>
+              </a:solidFill>
+              <a:effectLst/>
+              <a:latin typeface="Arial" pitchFamily="34" charset="0"/>
+              <a:ea typeface="굴림" pitchFamily="50" charset="-127"/>
+            </a:endParaRPr>
+          </a:p>
+        </p:txBody>
+      </p:sp>
+      <p:sp>
+        <p:nvSpPr>
+          <p:cNvPr id="17" name="Rectangle 16">
+            <a:extLst>
+              <a:ext uri="{FF2B5EF4-FFF2-40B4-BE49-F238E27FC236}">
+                <a16:creationId xmlns:a16="http://schemas.microsoft.com/office/drawing/2014/main" id="{26AF5DB2-EF1B-435C-AC9C-18D2D14C19B9}"/>
+              </a:ext>
+            </a:extLst>
+          </p:cNvPr>
+          <p:cNvSpPr/>
+          <p:nvPr/>
+        </p:nvSpPr>
+        <p:spPr bwMode="auto">
+          <a:xfrm>
+            <a:off x="4572000" y="2932112"/>
+            <a:ext cx="304800" cy="639762"/>
+          </a:xfrm>
+          <a:prstGeom prst="rect">
+            <a:avLst/>
+          </a:prstGeom>
+          <a:solidFill>
+            <a:schemeClr val="bg1"/>
+          </a:solidFill>
+          <a:ln w="19050" cap="flat" cmpd="sng" algn="ctr">
+            <a:solidFill>
+              <a:schemeClr val="tx1"/>
+            </a:solidFill>
+            <a:prstDash val="solid"/>
+            <a:round/>
+            <a:headEnd type="none" w="lg" len="lg"/>
+            <a:tailEnd type="none" w="lg" len="lg"/>
+          </a:ln>
+          <a:effectLst/>
+        </p:spPr>
+        <p:txBody>
+          <a:bodyPr vert="horz" wrap="none" lIns="91440" tIns="45720" rIns="91440" bIns="45720" numCol="1" rtlCol="0" anchor="ctr" anchorCtr="0" compatLnSpc="1">
+            <a:prstTxWarp prst="textNoShape">
+              <a:avLst/>
+            </a:prstTxWarp>
+          </a:bodyPr>
+          <a:lstStyle/>
+          <a:p>
+            <a:pPr marL="0" marR="0" indent="0" algn="l" defTabSz="914400" rtl="0" eaLnBrk="0" fontAlgn="base" latinLnBrk="0" hangingPunct="0">
+              <a:lnSpc>
+                <a:spcPct val="100000"/>
+              </a:lnSpc>
+              <a:spcBef>
+                <a:spcPct val="0"/>
+              </a:spcBef>
+              <a:spcAft>
+                <a:spcPct val="0"/>
+              </a:spcAft>
+              <a:buClrTx/>
+              <a:buSzTx/>
+              <a:buFontTx/>
+              <a:buNone/>
+              <a:tabLst/>
+            </a:pPr>
+            <a:endParaRPr kumimoji="0" lang="ko-KR" altLang="en-US" sz="1800" b="0" i="0" u="none" strike="noStrike" cap="none" normalizeH="0" baseline="0">
+              <a:ln>
+                <a:noFill/>
+              </a:ln>
+              <a:solidFill>
+                <a:schemeClr val="tx1"/>
+              </a:solidFill>
+              <a:effectLst/>
+              <a:latin typeface="Arial" pitchFamily="34" charset="0"/>
+              <a:ea typeface="굴림" pitchFamily="50" charset="-127"/>
+            </a:endParaRPr>
+          </a:p>
+        </p:txBody>
+      </p:sp>
+      <p:sp>
+        <p:nvSpPr>
+          <p:cNvPr id="18" name="Rectangle 17">
+            <a:extLst>
+              <a:ext uri="{FF2B5EF4-FFF2-40B4-BE49-F238E27FC236}">
+                <a16:creationId xmlns:a16="http://schemas.microsoft.com/office/drawing/2014/main" id="{D7BB3BB5-8AA8-41E7-84CD-19D561151FDA}"/>
+              </a:ext>
+            </a:extLst>
+          </p:cNvPr>
+          <p:cNvSpPr/>
+          <p:nvPr/>
+        </p:nvSpPr>
+        <p:spPr bwMode="auto">
+          <a:xfrm>
+            <a:off x="6820620" y="3663950"/>
+            <a:ext cx="304800" cy="639762"/>
+          </a:xfrm>
+          <a:prstGeom prst="rect">
+            <a:avLst/>
+          </a:prstGeom>
+          <a:solidFill>
+            <a:schemeClr val="bg1"/>
+          </a:solidFill>
+          <a:ln w="19050" cap="flat" cmpd="sng" algn="ctr">
+            <a:solidFill>
+              <a:schemeClr val="tx1"/>
+            </a:solidFill>
+            <a:prstDash val="solid"/>
+            <a:round/>
+            <a:headEnd type="none" w="lg" len="lg"/>
+            <a:tailEnd type="none" w="lg" len="lg"/>
+          </a:ln>
+          <a:effectLst/>
+        </p:spPr>
+        <p:txBody>
+          <a:bodyPr vert="horz" wrap="none" lIns="91440" tIns="45720" rIns="91440" bIns="45720" numCol="1" rtlCol="0" anchor="ctr" anchorCtr="0" compatLnSpc="1">
+            <a:prstTxWarp prst="textNoShape">
+              <a:avLst/>
+            </a:prstTxWarp>
+          </a:bodyPr>
+          <a:lstStyle/>
+          <a:p>
+            <a:pPr marL="0" marR="0" indent="0" algn="l" defTabSz="914400" rtl="0" eaLnBrk="0" fontAlgn="base" latinLnBrk="0" hangingPunct="0">
+              <a:lnSpc>
+                <a:spcPct val="100000"/>
+              </a:lnSpc>
+              <a:spcBef>
+                <a:spcPct val="0"/>
+              </a:spcBef>
+              <a:spcAft>
+                <a:spcPct val="0"/>
+              </a:spcAft>
+              <a:buClrTx/>
+              <a:buSzTx/>
+              <a:buFontTx/>
+              <a:buNone/>
+              <a:tabLst/>
+            </a:pPr>
+            <a:endParaRPr kumimoji="0" lang="ko-KR" altLang="en-US" sz="1800" b="0" i="0" u="none" strike="noStrike" cap="none" normalizeH="0" baseline="0">
+              <a:ln>
+                <a:noFill/>
+              </a:ln>
+              <a:solidFill>
+                <a:schemeClr val="tx1"/>
+              </a:solidFill>
+              <a:effectLst/>
+              <a:latin typeface="Arial" pitchFamily="34" charset="0"/>
+              <a:ea typeface="굴림" pitchFamily="50" charset="-127"/>
+            </a:endParaRPr>
+          </a:p>
+        </p:txBody>
+      </p:sp>
+      <p:cxnSp>
+        <p:nvCxnSpPr>
+          <p:cNvPr id="19" name="Connector: Elbow 18">
+            <a:extLst>
+              <a:ext uri="{FF2B5EF4-FFF2-40B4-BE49-F238E27FC236}">
+                <a16:creationId xmlns:a16="http://schemas.microsoft.com/office/drawing/2014/main" id="{C656285C-1B88-4D3A-8405-B42CF5448D2D}"/>
+              </a:ext>
+            </a:extLst>
+          </p:cNvPr>
+          <p:cNvCxnSpPr>
+            <a:cxnSpLocks/>
+            <a:stCxn id="17" idx="2"/>
+            <a:endCxn id="6" idx="2"/>
+          </p:cNvCxnSpPr>
+          <p:nvPr/>
+        </p:nvCxnSpPr>
+        <p:spPr bwMode="auto">
+          <a:xfrm rot="5400000" flipH="1">
+            <a:off x="3680619" y="2528093"/>
+            <a:ext cx="639762" cy="1447800"/>
+          </a:xfrm>
+          <a:prstGeom prst="bentConnector3">
+            <a:avLst>
+              <a:gd name="adj1" fmla="val -35732"/>
+            </a:avLst>
+          </a:prstGeom>
+          <a:solidFill>
+            <a:schemeClr val="accent1"/>
+          </a:solidFill>
+          <a:ln w="19050" cap="flat" cmpd="sng" algn="ctr">
+            <a:solidFill>
+              <a:schemeClr val="tx1"/>
+            </a:solidFill>
+            <a:prstDash val="solid"/>
+            <a:round/>
+            <a:headEnd type="none" w="lg" len="lg"/>
+            <a:tailEnd type="arrow"/>
+          </a:ln>
+          <a:effectLst/>
+        </p:spPr>
+      </p:cxnSp>
+      <p:cxnSp>
+        <p:nvCxnSpPr>
+          <p:cNvPr id="23" name="Connector: Elbow 22">
+            <a:extLst>
+              <a:ext uri="{FF2B5EF4-FFF2-40B4-BE49-F238E27FC236}">
+                <a16:creationId xmlns:a16="http://schemas.microsoft.com/office/drawing/2014/main" id="{8B6D513C-BF03-4104-A773-B566C905B039}"/>
+              </a:ext>
+            </a:extLst>
+          </p:cNvPr>
+          <p:cNvCxnSpPr>
+            <a:cxnSpLocks/>
+            <a:stCxn id="18" idx="2"/>
+            <a:endCxn id="8" idx="2"/>
+          </p:cNvCxnSpPr>
+          <p:nvPr/>
+        </p:nvCxnSpPr>
+        <p:spPr bwMode="auto">
+          <a:xfrm rot="5400000" flipH="1">
+            <a:off x="5865020" y="3195712"/>
+            <a:ext cx="729380" cy="1486620"/>
+          </a:xfrm>
+          <a:prstGeom prst="bentConnector3">
+            <a:avLst>
+              <a:gd name="adj1" fmla="val -31342"/>
+            </a:avLst>
+          </a:prstGeom>
+          <a:solidFill>
+            <a:schemeClr val="accent1"/>
+          </a:solidFill>
+          <a:ln w="19050" cap="flat" cmpd="sng" algn="ctr">
+            <a:solidFill>
+              <a:schemeClr val="tx1"/>
+            </a:solidFill>
+            <a:prstDash val="solid"/>
+            <a:round/>
+            <a:headEnd type="none" w="lg" len="lg"/>
+            <a:tailEnd type="arrow"/>
+          </a:ln>
+          <a:effectLst/>
+        </p:spPr>
+      </p:cxnSp>
+      <p:cxnSp>
+        <p:nvCxnSpPr>
+          <p:cNvPr id="32" name="Connector: Elbow 31">
+            <a:extLst>
+              <a:ext uri="{FF2B5EF4-FFF2-40B4-BE49-F238E27FC236}">
+                <a16:creationId xmlns:a16="http://schemas.microsoft.com/office/drawing/2014/main" id="{C5D0055F-90E2-488B-8253-63ACAD987768}"/>
+              </a:ext>
+            </a:extLst>
+          </p:cNvPr>
+          <p:cNvCxnSpPr>
+            <a:cxnSpLocks/>
+            <a:stCxn id="16" idx="2"/>
+            <a:endCxn id="10" idx="2"/>
+          </p:cNvCxnSpPr>
+          <p:nvPr/>
+        </p:nvCxnSpPr>
+        <p:spPr bwMode="auto">
+          <a:xfrm rot="16200000" flipH="1">
+            <a:off x="4431821" y="1014891"/>
+            <a:ext cx="1371600" cy="5206042"/>
+          </a:xfrm>
+          <a:prstGeom prst="bentConnector3">
+            <a:avLst>
+              <a:gd name="adj1" fmla="val 156919"/>
+            </a:avLst>
+          </a:prstGeom>
+          <a:solidFill>
+            <a:schemeClr val="accent1"/>
+          </a:solidFill>
+          <a:ln w="19050" cap="flat" cmpd="sng" algn="ctr">
+            <a:solidFill>
+              <a:schemeClr val="tx1"/>
+            </a:solidFill>
+            <a:prstDash val="solid"/>
+            <a:round/>
+            <a:headEnd type="none" w="lg" len="lg"/>
+            <a:tailEnd type="arrow"/>
+          </a:ln>
+          <a:effectLst/>
+        </p:spPr>
+      </p:cxnSp>
+      <p:cxnSp>
+        <p:nvCxnSpPr>
+          <p:cNvPr id="35" name="Connector: Elbow 34">
+            <a:extLst>
+              <a:ext uri="{FF2B5EF4-FFF2-40B4-BE49-F238E27FC236}">
+                <a16:creationId xmlns:a16="http://schemas.microsoft.com/office/drawing/2014/main" id="{46472F09-6C60-4725-9082-FC5C91F04093}"/>
+              </a:ext>
+            </a:extLst>
+          </p:cNvPr>
+          <p:cNvCxnSpPr>
+            <a:cxnSpLocks/>
+            <a:stCxn id="10" idx="3"/>
+            <a:endCxn id="16" idx="1"/>
+          </p:cNvCxnSpPr>
+          <p:nvPr/>
+        </p:nvCxnSpPr>
+        <p:spPr bwMode="auto">
+          <a:xfrm flipH="1" flipV="1">
+            <a:off x="2362200" y="2612231"/>
+            <a:ext cx="5510842" cy="1371600"/>
+          </a:xfrm>
+          <a:prstGeom prst="bentConnector5">
+            <a:avLst>
+              <a:gd name="adj1" fmla="val -4148"/>
+              <a:gd name="adj2" fmla="val 149371"/>
+              <a:gd name="adj3" fmla="val 104148"/>
+            </a:avLst>
+          </a:prstGeom>
+          <a:solidFill>
+            <a:schemeClr val="accent1"/>
+          </a:solidFill>
+          <a:ln w="19050" cap="flat" cmpd="sng" algn="ctr">
+            <a:solidFill>
+              <a:schemeClr val="tx1"/>
+            </a:solidFill>
+            <a:prstDash val="solid"/>
+            <a:round/>
+            <a:headEnd type="none" w="lg" len="lg"/>
+            <a:tailEnd type="arrow"/>
+          </a:ln>
+          <a:effectLst/>
+        </p:spPr>
+      </p:cxnSp>
+    </p:spTree>
+    <p:extLst>
+      <p:ext uri="{BB962C8B-B14F-4D97-AF65-F5344CB8AC3E}">
+        <p14:creationId xmlns:p14="http://schemas.microsoft.com/office/powerpoint/2010/main" val="3567052995"/>
+      </p:ext>
+    </p:extLst>
+  </p:cSld>
+  <p:clrMapOvr>
+    <a:masterClrMapping/>
+  </p:clrMapOvr>
+</p:sld>
+</file>
+
+<file path=ppt/slides/slide11.xml><?xml version="1.0" encoding="utf-8"?>
+<p:sld xmlns:a="http://schemas.openxmlformats.org/drawingml/2006/main" xmlns:r="http://schemas.openxmlformats.org/officeDocument/2006/relationships" xmlns:p="http://schemas.openxmlformats.org/presentationml/2006/main">
+  <p:cSld>
+    <p:spTree>
+      <p:nvGrpSpPr>
+        <p:cNvPr id="1" name=""/>
+        <p:cNvGrpSpPr/>
+        <p:nvPr/>
+      </p:nvGrpSpPr>
+      <p:grpSpPr>
+        <a:xfrm>
+          <a:off x="0" y="0"/>
+          <a:ext cx="0" cy="0"/>
+          <a:chOff x="0" y="0"/>
+          <a:chExt cx="0" cy="0"/>
+        </a:xfrm>
+      </p:grpSpPr>
+      <p:sp>
+        <p:nvSpPr>
+          <p:cNvPr id="3" name="Title 2">
+            <a:extLst>
+              <a:ext uri="{FF2B5EF4-FFF2-40B4-BE49-F238E27FC236}">
+                <a16:creationId xmlns:a16="http://schemas.microsoft.com/office/drawing/2014/main" id="{12221E77-9EB6-4784-9966-605692DCEACA}"/>
+              </a:ext>
+            </a:extLst>
+          </p:cNvPr>
+          <p:cNvSpPr>
+            <a:spLocks noGrp="1"/>
+          </p:cNvSpPr>
+          <p:nvPr>
+            <p:ph type="title"/>
+          </p:nvPr>
+        </p:nvSpPr>
+        <p:spPr/>
+        <p:txBody>
+          <a:bodyPr/>
+          <a:lstStyle/>
+          <a:p>
+            <a:r>
+              <a:rPr lang="en-US" altLang="ko-KR" dirty="0"/>
+              <a:t>Graph</a:t>
+            </a:r>
+            <a:endParaRPr lang="ko-KR" altLang="en-US" dirty="0"/>
+          </a:p>
+        </p:txBody>
+      </p:sp>
+      <p:sp>
+        <p:nvSpPr>
+          <p:cNvPr id="4" name="Slide Number Placeholder 3">
+            <a:extLst>
+              <a:ext uri="{FF2B5EF4-FFF2-40B4-BE49-F238E27FC236}">
+                <a16:creationId xmlns:a16="http://schemas.microsoft.com/office/drawing/2014/main" id="{09245503-33CA-4213-9D8E-FA845344FA1A}"/>
+              </a:ext>
+            </a:extLst>
+          </p:cNvPr>
+          <p:cNvSpPr>
+            <a:spLocks noGrp="1"/>
+          </p:cNvSpPr>
+          <p:nvPr>
+            <p:ph type="sldNum" sz="quarter" idx="11"/>
+          </p:nvPr>
+        </p:nvSpPr>
+        <p:spPr/>
+        <p:txBody>
+          <a:bodyPr/>
+          <a:lstStyle/>
+          <a:p>
+            <a:pPr>
+              <a:defRPr/>
+            </a:pPr>
+            <a:fld id="{7585D841-3058-4BFE-8F4A-3303B3707F0A}" type="slidenum">
+              <a:rPr lang="en-US" altLang="ko-KR" smtClean="0"/>
+              <a:pPr>
+                <a:defRPr/>
+              </a:pPr>
+              <a:t>10</a:t>
             </a:fld>
             <a:endParaRPr lang="en-US" altLang="ko-KR"/>
           </a:p>
@@ -9810,7 +10797,7 @@
 </p:sld>
 </file>
 
-<file path=ppt/slides/slide11.xml><?xml version="1.0" encoding="utf-8"?>
+<file path=ppt/slides/slide12.xml><?xml version="1.0" encoding="utf-8"?>
 <p:sld xmlns:a="http://schemas.openxmlformats.org/drawingml/2006/main" xmlns:r="http://schemas.openxmlformats.org/officeDocument/2006/relationships" xmlns:p="http://schemas.openxmlformats.org/presentationml/2006/main">
   <p:cSld>
     <p:spTree>
@@ -9885,7 +10872,7 @@
               <a:pPr>
                 <a:defRPr/>
               </a:pPr>
-              <a:t>10</a:t>
+              <a:t>11</a:t>
             </a:fld>
             <a:endParaRPr lang="en-US" altLang="ko-KR"/>
           </a:p>
@@ -13643,6 +14630,779 @@
       </p:grpSpPr>
       <p:sp>
         <p:nvSpPr>
+          <p:cNvPr id="3" name="Title 2">
+            <a:extLst>
+              <a:ext uri="{FF2B5EF4-FFF2-40B4-BE49-F238E27FC236}">
+                <a16:creationId xmlns:a16="http://schemas.microsoft.com/office/drawing/2014/main" id="{12221E77-9EB6-4784-9966-605692DCEACA}"/>
+              </a:ext>
+            </a:extLst>
+          </p:cNvPr>
+          <p:cNvSpPr>
+            <a:spLocks noGrp="1"/>
+          </p:cNvSpPr>
+          <p:nvPr>
+            <p:ph type="title"/>
+          </p:nvPr>
+        </p:nvSpPr>
+        <p:spPr/>
+        <p:txBody>
+          <a:bodyPr/>
+          <a:lstStyle/>
+          <a:p>
+            <a:r>
+              <a:rPr lang="en-US" altLang="ko-KR" dirty="0"/>
+              <a:t>Network Model</a:t>
+            </a:r>
+            <a:endParaRPr lang="ko-KR" altLang="en-US" dirty="0"/>
+          </a:p>
+        </p:txBody>
+      </p:sp>
+      <p:sp>
+        <p:nvSpPr>
+          <p:cNvPr id="4" name="Slide Number Placeholder 3">
+            <a:extLst>
+              <a:ext uri="{FF2B5EF4-FFF2-40B4-BE49-F238E27FC236}">
+                <a16:creationId xmlns:a16="http://schemas.microsoft.com/office/drawing/2014/main" id="{09245503-33CA-4213-9D8E-FA845344FA1A}"/>
+              </a:ext>
+            </a:extLst>
+          </p:cNvPr>
+          <p:cNvSpPr>
+            <a:spLocks noGrp="1"/>
+          </p:cNvSpPr>
+          <p:nvPr>
+            <p:ph type="sldNum" sz="quarter" idx="11"/>
+          </p:nvPr>
+        </p:nvSpPr>
+        <p:spPr/>
+        <p:txBody>
+          <a:bodyPr/>
+          <a:lstStyle/>
+          <a:p>
+            <a:pPr>
+              <a:defRPr/>
+            </a:pPr>
+            <a:fld id="{7585D841-3058-4BFE-8F4A-3303B3707F0A}" type="slidenum">
+              <a:rPr lang="en-US" altLang="ko-KR" smtClean="0"/>
+              <a:pPr>
+                <a:defRPr/>
+              </a:pPr>
+              <a:t>4</a:t>
+            </a:fld>
+            <a:endParaRPr lang="en-US" altLang="ko-KR"/>
+          </a:p>
+        </p:txBody>
+      </p:sp>
+      <p:sp>
+        <p:nvSpPr>
+          <p:cNvPr id="24" name="Rectangle 23">
+            <a:extLst>
+              <a:ext uri="{FF2B5EF4-FFF2-40B4-BE49-F238E27FC236}">
+                <a16:creationId xmlns:a16="http://schemas.microsoft.com/office/drawing/2014/main" id="{4D276F3D-130B-4756-AC7C-6B034C516CE2}"/>
+              </a:ext>
+            </a:extLst>
+          </p:cNvPr>
+          <p:cNvSpPr/>
+          <p:nvPr/>
+        </p:nvSpPr>
+        <p:spPr bwMode="auto">
+          <a:xfrm>
+            <a:off x="3536891" y="1737519"/>
+            <a:ext cx="2895600" cy="944562"/>
+          </a:xfrm>
+          <a:prstGeom prst="rect">
+            <a:avLst/>
+          </a:prstGeom>
+          <a:solidFill>
+            <a:schemeClr val="bg1"/>
+          </a:solidFill>
+          <a:ln w="19050" cap="flat" cmpd="sng" algn="ctr">
+            <a:solidFill>
+              <a:schemeClr val="tx1"/>
+            </a:solidFill>
+            <a:prstDash val="solid"/>
+            <a:round/>
+            <a:headEnd type="none" w="lg" len="lg"/>
+            <a:tailEnd type="none" w="lg" len="lg"/>
+          </a:ln>
+          <a:effectLst/>
+        </p:spPr>
+        <p:txBody>
+          <a:bodyPr vert="horz" wrap="none" lIns="91440" tIns="45720" rIns="91440" bIns="45720" numCol="1" rtlCol="0" anchor="ctr" anchorCtr="0" compatLnSpc="1">
+            <a:prstTxWarp prst="textNoShape">
+              <a:avLst/>
+            </a:prstTxWarp>
+          </a:bodyPr>
+          <a:lstStyle/>
+          <a:p>
+            <a:pPr marL="0" marR="0" indent="0" algn="ctr" defTabSz="914400" rtl="0" eaLnBrk="0" fontAlgn="base" latinLnBrk="0" hangingPunct="0">
+              <a:lnSpc>
+                <a:spcPct val="100000"/>
+              </a:lnSpc>
+              <a:spcBef>
+                <a:spcPct val="0"/>
+              </a:spcBef>
+              <a:spcAft>
+                <a:spcPct val="0"/>
+              </a:spcAft>
+              <a:buClrTx/>
+              <a:buSzTx/>
+              <a:buFontTx/>
+              <a:buNone/>
+              <a:tabLst/>
+            </a:pPr>
+            <a:r>
+              <a:rPr kumimoji="0" lang="en-US" altLang="ko-KR" sz="1600" b="1" i="0" u="none" strike="noStrike" cap="none" normalizeH="0" baseline="0" dirty="0">
+                <a:ln>
+                  <a:noFill/>
+                </a:ln>
+                <a:solidFill>
+                  <a:schemeClr val="tx1"/>
+                </a:solidFill>
+                <a:effectLst/>
+                <a:latin typeface="Courier New" panose="02070309020205020404" pitchFamily="49" charset="0"/>
+                <a:cs typeface="Courier New" panose="02070309020205020404" pitchFamily="49" charset="0"/>
+              </a:rPr>
+              <a:t>Server</a:t>
+            </a:r>
+            <a:endParaRPr kumimoji="0" lang="ko-KR" altLang="en-US" sz="1600" b="1" i="0" u="none" strike="noStrike" cap="none" normalizeH="0" baseline="0" dirty="0">
+              <a:ln>
+                <a:noFill/>
+              </a:ln>
+              <a:solidFill>
+                <a:schemeClr val="tx1"/>
+              </a:solidFill>
+              <a:effectLst/>
+              <a:latin typeface="Courier New" panose="02070309020205020404" pitchFamily="49" charset="0"/>
+              <a:cs typeface="Courier New" panose="02070309020205020404" pitchFamily="49" charset="0"/>
+            </a:endParaRPr>
+          </a:p>
+        </p:txBody>
+      </p:sp>
+      <p:sp>
+        <p:nvSpPr>
+          <p:cNvPr id="25" name="Rectangle 24">
+            <a:extLst>
+              <a:ext uri="{FF2B5EF4-FFF2-40B4-BE49-F238E27FC236}">
+                <a16:creationId xmlns:a16="http://schemas.microsoft.com/office/drawing/2014/main" id="{E62189C0-F4EE-45D8-9104-1F7E5A6EA4CB}"/>
+              </a:ext>
+            </a:extLst>
+          </p:cNvPr>
+          <p:cNvSpPr/>
+          <p:nvPr/>
+        </p:nvSpPr>
+        <p:spPr bwMode="auto">
+          <a:xfrm>
+            <a:off x="1524000" y="4648200"/>
+            <a:ext cx="1066800" cy="639762"/>
+          </a:xfrm>
+          <a:prstGeom prst="rect">
+            <a:avLst/>
+          </a:prstGeom>
+          <a:solidFill>
+            <a:schemeClr val="bg1"/>
+          </a:solidFill>
+          <a:ln w="19050" cap="flat" cmpd="sng" algn="ctr">
+            <a:solidFill>
+              <a:schemeClr val="tx1"/>
+            </a:solidFill>
+            <a:prstDash val="solid"/>
+            <a:round/>
+            <a:headEnd type="none" w="lg" len="lg"/>
+            <a:tailEnd type="none" w="lg" len="lg"/>
+          </a:ln>
+          <a:effectLst/>
+        </p:spPr>
+        <p:txBody>
+          <a:bodyPr vert="horz" wrap="none" lIns="91440" tIns="45720" rIns="91440" bIns="45720" numCol="1" rtlCol="0" anchor="ctr" anchorCtr="0" compatLnSpc="1">
+            <a:prstTxWarp prst="textNoShape">
+              <a:avLst/>
+            </a:prstTxWarp>
+          </a:bodyPr>
+          <a:lstStyle/>
+          <a:p>
+            <a:pPr marL="0" marR="0" indent="0" algn="ctr" defTabSz="914400" rtl="0" eaLnBrk="0" fontAlgn="base" latinLnBrk="0" hangingPunct="0">
+              <a:lnSpc>
+                <a:spcPct val="100000"/>
+              </a:lnSpc>
+              <a:spcBef>
+                <a:spcPct val="0"/>
+              </a:spcBef>
+              <a:spcAft>
+                <a:spcPct val="0"/>
+              </a:spcAft>
+              <a:buClrTx/>
+              <a:buSzTx/>
+              <a:buFontTx/>
+              <a:buNone/>
+              <a:tabLst/>
+            </a:pPr>
+            <a:r>
+              <a:rPr kumimoji="0" lang="en-US" altLang="ko-KR" sz="1600" b="1" i="0" u="none" strike="noStrike" cap="none" normalizeH="0" baseline="0" dirty="0">
+                <a:ln>
+                  <a:noFill/>
+                </a:ln>
+                <a:solidFill>
+                  <a:schemeClr val="tx1"/>
+                </a:solidFill>
+                <a:effectLst/>
+                <a:latin typeface="Courier New" panose="02070309020205020404" pitchFamily="49" charset="0"/>
+                <a:cs typeface="Courier New" panose="02070309020205020404" pitchFamily="49" charset="0"/>
+              </a:rPr>
+              <a:t>Client1</a:t>
+            </a:r>
+            <a:endParaRPr kumimoji="0" lang="ko-KR" altLang="en-US" sz="1600" b="1" i="0" u="none" strike="noStrike" cap="none" normalizeH="0" baseline="0" dirty="0">
+              <a:ln>
+                <a:noFill/>
+              </a:ln>
+              <a:solidFill>
+                <a:schemeClr val="tx1"/>
+              </a:solidFill>
+              <a:effectLst/>
+              <a:latin typeface="Courier New" panose="02070309020205020404" pitchFamily="49" charset="0"/>
+              <a:cs typeface="Courier New" panose="02070309020205020404" pitchFamily="49" charset="0"/>
+            </a:endParaRPr>
+          </a:p>
+        </p:txBody>
+      </p:sp>
+      <p:sp>
+        <p:nvSpPr>
+          <p:cNvPr id="26" name="Rectangle 25">
+            <a:extLst>
+              <a:ext uri="{FF2B5EF4-FFF2-40B4-BE49-F238E27FC236}">
+                <a16:creationId xmlns:a16="http://schemas.microsoft.com/office/drawing/2014/main" id="{CFABC22A-3261-4C26-B523-251787895377}"/>
+              </a:ext>
+            </a:extLst>
+          </p:cNvPr>
+          <p:cNvSpPr/>
+          <p:nvPr/>
+        </p:nvSpPr>
+        <p:spPr bwMode="auto">
+          <a:xfrm>
+            <a:off x="7099300" y="4648200"/>
+            <a:ext cx="1066800" cy="639762"/>
+          </a:xfrm>
+          <a:prstGeom prst="rect">
+            <a:avLst/>
+          </a:prstGeom>
+          <a:solidFill>
+            <a:schemeClr val="bg1"/>
+          </a:solidFill>
+          <a:ln w="19050" cap="flat" cmpd="sng" algn="ctr">
+            <a:solidFill>
+              <a:schemeClr val="tx1"/>
+            </a:solidFill>
+            <a:prstDash val="solid"/>
+            <a:round/>
+            <a:headEnd type="none" w="lg" len="lg"/>
+            <a:tailEnd type="none" w="lg" len="lg"/>
+          </a:ln>
+          <a:effectLst/>
+        </p:spPr>
+        <p:txBody>
+          <a:bodyPr vert="horz" wrap="none" lIns="91440" tIns="45720" rIns="91440" bIns="45720" numCol="1" rtlCol="0" anchor="ctr" anchorCtr="0" compatLnSpc="1">
+            <a:prstTxWarp prst="textNoShape">
+              <a:avLst/>
+            </a:prstTxWarp>
+          </a:bodyPr>
+          <a:lstStyle/>
+          <a:p>
+            <a:pPr marL="0" marR="0" indent="0" algn="ctr" defTabSz="914400" rtl="0" eaLnBrk="0" fontAlgn="base" latinLnBrk="0" hangingPunct="0">
+              <a:lnSpc>
+                <a:spcPct val="100000"/>
+              </a:lnSpc>
+              <a:spcBef>
+                <a:spcPct val="0"/>
+              </a:spcBef>
+              <a:spcAft>
+                <a:spcPct val="0"/>
+              </a:spcAft>
+              <a:buClrTx/>
+              <a:buSzTx/>
+              <a:buFontTx/>
+              <a:buNone/>
+              <a:tabLst/>
+            </a:pPr>
+            <a:r>
+              <a:rPr kumimoji="0" lang="en-US" altLang="ko-KR" sz="1600" b="1" i="0" u="none" strike="noStrike" cap="none" normalizeH="0" baseline="0" dirty="0">
+                <a:ln>
+                  <a:noFill/>
+                </a:ln>
+                <a:solidFill>
+                  <a:schemeClr val="tx1"/>
+                </a:solidFill>
+                <a:effectLst/>
+                <a:latin typeface="Courier New" panose="02070309020205020404" pitchFamily="49" charset="0"/>
+                <a:cs typeface="Courier New" panose="02070309020205020404" pitchFamily="49" charset="0"/>
+              </a:rPr>
+              <a:t>Client3</a:t>
+            </a:r>
+            <a:endParaRPr kumimoji="0" lang="ko-KR" altLang="en-US" sz="1600" b="1" i="0" u="none" strike="noStrike" cap="none" normalizeH="0" baseline="0" dirty="0">
+              <a:ln>
+                <a:noFill/>
+              </a:ln>
+              <a:solidFill>
+                <a:schemeClr val="tx1"/>
+              </a:solidFill>
+              <a:effectLst/>
+              <a:latin typeface="Courier New" panose="02070309020205020404" pitchFamily="49" charset="0"/>
+              <a:cs typeface="Courier New" panose="02070309020205020404" pitchFamily="49" charset="0"/>
+            </a:endParaRPr>
+          </a:p>
+        </p:txBody>
+      </p:sp>
+      <p:cxnSp>
+        <p:nvCxnSpPr>
+          <p:cNvPr id="11" name="Connector: Elbow 10">
+            <a:extLst>
+              <a:ext uri="{FF2B5EF4-FFF2-40B4-BE49-F238E27FC236}">
+                <a16:creationId xmlns:a16="http://schemas.microsoft.com/office/drawing/2014/main" id="{4EFE0580-7EE4-4382-86B8-15DEAD71CE9C}"/>
+              </a:ext>
+            </a:extLst>
+          </p:cNvPr>
+          <p:cNvCxnSpPr>
+            <a:cxnSpLocks/>
+            <a:stCxn id="25" idx="0"/>
+            <a:endCxn id="37" idx="2"/>
+          </p:cNvCxnSpPr>
+          <p:nvPr/>
+        </p:nvCxnSpPr>
+        <p:spPr bwMode="auto">
+          <a:xfrm rot="5400000" flipH="1" flipV="1">
+            <a:off x="1909335" y="2830145"/>
+            <a:ext cx="1966120" cy="1669991"/>
+          </a:xfrm>
+          <a:prstGeom prst="bentConnector3">
+            <a:avLst/>
+          </a:prstGeom>
+          <a:solidFill>
+            <a:schemeClr val="accent1"/>
+          </a:solidFill>
+          <a:ln w="19050" cap="flat" cmpd="sng" algn="ctr">
+            <a:solidFill>
+              <a:schemeClr val="tx1"/>
+            </a:solidFill>
+            <a:prstDash val="solid"/>
+            <a:round/>
+            <a:headEnd type="none" w="lg" len="lg"/>
+            <a:tailEnd type="arrow"/>
+          </a:ln>
+          <a:effectLst/>
+        </p:spPr>
+      </p:cxnSp>
+      <p:cxnSp>
+        <p:nvCxnSpPr>
+          <p:cNvPr id="27" name="Connector: Elbow 26">
+            <a:extLst>
+              <a:ext uri="{FF2B5EF4-FFF2-40B4-BE49-F238E27FC236}">
+                <a16:creationId xmlns:a16="http://schemas.microsoft.com/office/drawing/2014/main" id="{E06459B2-1DFC-480D-8595-712DA6E00913}"/>
+              </a:ext>
+            </a:extLst>
+          </p:cNvPr>
+          <p:cNvCxnSpPr>
+            <a:cxnSpLocks/>
+            <a:stCxn id="26" idx="0"/>
+            <a:endCxn id="38" idx="2"/>
+          </p:cNvCxnSpPr>
+          <p:nvPr/>
+        </p:nvCxnSpPr>
+        <p:spPr bwMode="auto">
+          <a:xfrm rot="16200000" flipV="1">
+            <a:off x="5954286" y="2969785"/>
+            <a:ext cx="1966120" cy="1390709"/>
+          </a:xfrm>
+          <a:prstGeom prst="bentConnector3">
+            <a:avLst/>
+          </a:prstGeom>
+          <a:solidFill>
+            <a:schemeClr val="accent1"/>
+          </a:solidFill>
+          <a:ln w="19050" cap="flat" cmpd="sng" algn="ctr">
+            <a:solidFill>
+              <a:schemeClr val="tx1"/>
+            </a:solidFill>
+            <a:prstDash val="solid"/>
+            <a:round/>
+            <a:headEnd type="none" w="lg" len="lg"/>
+            <a:tailEnd type="arrow"/>
+          </a:ln>
+          <a:effectLst/>
+        </p:spPr>
+      </p:cxnSp>
+      <p:sp>
+        <p:nvSpPr>
+          <p:cNvPr id="37" name="Rectangle 36">
+            <a:extLst>
+              <a:ext uri="{FF2B5EF4-FFF2-40B4-BE49-F238E27FC236}">
+                <a16:creationId xmlns:a16="http://schemas.microsoft.com/office/drawing/2014/main" id="{4C7C84E2-BF29-44B9-9957-F0DE2B0E36C0}"/>
+              </a:ext>
+            </a:extLst>
+          </p:cNvPr>
+          <p:cNvSpPr/>
+          <p:nvPr/>
+        </p:nvSpPr>
+        <p:spPr bwMode="auto">
+          <a:xfrm>
+            <a:off x="3536891" y="2518178"/>
+            <a:ext cx="381000" cy="163902"/>
+          </a:xfrm>
+          <a:prstGeom prst="rect">
+            <a:avLst/>
+          </a:prstGeom>
+          <a:solidFill>
+            <a:schemeClr val="bg1"/>
+          </a:solidFill>
+          <a:ln w="19050" cap="flat" cmpd="sng" algn="ctr">
+            <a:solidFill>
+              <a:schemeClr val="tx1"/>
+            </a:solidFill>
+            <a:prstDash val="solid"/>
+            <a:round/>
+            <a:headEnd type="none" w="lg" len="lg"/>
+            <a:tailEnd type="none" w="lg" len="lg"/>
+          </a:ln>
+          <a:effectLst/>
+        </p:spPr>
+        <p:txBody>
+          <a:bodyPr vert="horz" wrap="none" lIns="91440" tIns="45720" rIns="91440" bIns="45720" numCol="1" rtlCol="0" anchor="ctr" anchorCtr="0" compatLnSpc="1">
+            <a:prstTxWarp prst="textNoShape">
+              <a:avLst/>
+            </a:prstTxWarp>
+          </a:bodyPr>
+          <a:lstStyle/>
+          <a:p>
+            <a:pPr marL="0" marR="0" indent="0" algn="ctr" defTabSz="914400" rtl="0" eaLnBrk="0" fontAlgn="base" latinLnBrk="0" hangingPunct="0">
+              <a:lnSpc>
+                <a:spcPct val="100000"/>
+              </a:lnSpc>
+              <a:spcBef>
+                <a:spcPct val="0"/>
+              </a:spcBef>
+              <a:spcAft>
+                <a:spcPct val="0"/>
+              </a:spcAft>
+              <a:buClrTx/>
+              <a:buSzTx/>
+              <a:buFontTx/>
+              <a:buNone/>
+              <a:tabLst/>
+            </a:pPr>
+            <a:endParaRPr kumimoji="0" lang="ko-KR" altLang="en-US" sz="1600" b="1" i="0" u="none" strike="noStrike" cap="none" normalizeH="0" baseline="0" dirty="0">
+              <a:ln>
+                <a:noFill/>
+              </a:ln>
+              <a:solidFill>
+                <a:schemeClr val="tx1"/>
+              </a:solidFill>
+              <a:effectLst/>
+              <a:latin typeface="Courier New" panose="02070309020205020404" pitchFamily="49" charset="0"/>
+              <a:cs typeface="Courier New" panose="02070309020205020404" pitchFamily="49" charset="0"/>
+            </a:endParaRPr>
+          </a:p>
+        </p:txBody>
+      </p:sp>
+      <p:sp>
+        <p:nvSpPr>
+          <p:cNvPr id="38" name="Rectangle 37">
+            <a:extLst>
+              <a:ext uri="{FF2B5EF4-FFF2-40B4-BE49-F238E27FC236}">
+                <a16:creationId xmlns:a16="http://schemas.microsoft.com/office/drawing/2014/main" id="{493AF603-4695-490B-B11A-C01BB7A96A6B}"/>
+              </a:ext>
+            </a:extLst>
+          </p:cNvPr>
+          <p:cNvSpPr/>
+          <p:nvPr/>
+        </p:nvSpPr>
+        <p:spPr bwMode="auto">
+          <a:xfrm>
+            <a:off x="6051491" y="2518178"/>
+            <a:ext cx="381000" cy="163902"/>
+          </a:xfrm>
+          <a:prstGeom prst="rect">
+            <a:avLst/>
+          </a:prstGeom>
+          <a:solidFill>
+            <a:schemeClr val="bg1"/>
+          </a:solidFill>
+          <a:ln w="19050" cap="flat" cmpd="sng" algn="ctr">
+            <a:solidFill>
+              <a:schemeClr val="tx1"/>
+            </a:solidFill>
+            <a:prstDash val="solid"/>
+            <a:round/>
+            <a:headEnd type="none" w="lg" len="lg"/>
+            <a:tailEnd type="none" w="lg" len="lg"/>
+          </a:ln>
+          <a:effectLst/>
+        </p:spPr>
+        <p:txBody>
+          <a:bodyPr vert="horz" wrap="none" lIns="91440" tIns="45720" rIns="91440" bIns="45720" numCol="1" rtlCol="0" anchor="ctr" anchorCtr="0" compatLnSpc="1">
+            <a:prstTxWarp prst="textNoShape">
+              <a:avLst/>
+            </a:prstTxWarp>
+          </a:bodyPr>
+          <a:lstStyle/>
+          <a:p>
+            <a:pPr marL="0" marR="0" indent="0" algn="ctr" defTabSz="914400" rtl="0" eaLnBrk="0" fontAlgn="base" latinLnBrk="0" hangingPunct="0">
+              <a:lnSpc>
+                <a:spcPct val="100000"/>
+              </a:lnSpc>
+              <a:spcBef>
+                <a:spcPct val="0"/>
+              </a:spcBef>
+              <a:spcAft>
+                <a:spcPct val="0"/>
+              </a:spcAft>
+              <a:buClrTx/>
+              <a:buSzTx/>
+              <a:buFontTx/>
+              <a:buNone/>
+              <a:tabLst/>
+            </a:pPr>
+            <a:endParaRPr kumimoji="0" lang="ko-KR" altLang="en-US" sz="1600" b="1" i="0" u="none" strike="noStrike" cap="none" normalizeH="0" baseline="0" dirty="0">
+              <a:ln>
+                <a:noFill/>
+              </a:ln>
+              <a:solidFill>
+                <a:schemeClr val="tx1"/>
+              </a:solidFill>
+              <a:effectLst/>
+              <a:latin typeface="Courier New" panose="02070309020205020404" pitchFamily="49" charset="0"/>
+              <a:cs typeface="Courier New" panose="02070309020205020404" pitchFamily="49" charset="0"/>
+            </a:endParaRPr>
+          </a:p>
+        </p:txBody>
+      </p:sp>
+      <p:sp>
+        <p:nvSpPr>
+          <p:cNvPr id="43" name="Rectangle 42">
+            <a:extLst>
+              <a:ext uri="{FF2B5EF4-FFF2-40B4-BE49-F238E27FC236}">
+                <a16:creationId xmlns:a16="http://schemas.microsoft.com/office/drawing/2014/main" id="{05FED9E6-C36F-40A1-BFF8-7534B5E50428}"/>
+              </a:ext>
+            </a:extLst>
+          </p:cNvPr>
+          <p:cNvSpPr/>
+          <p:nvPr/>
+        </p:nvSpPr>
+        <p:spPr bwMode="auto">
+          <a:xfrm>
+            <a:off x="4691587" y="2518178"/>
+            <a:ext cx="381000" cy="163902"/>
+          </a:xfrm>
+          <a:prstGeom prst="rect">
+            <a:avLst/>
+          </a:prstGeom>
+          <a:solidFill>
+            <a:schemeClr val="bg1"/>
+          </a:solidFill>
+          <a:ln w="19050" cap="flat" cmpd="sng" algn="ctr">
+            <a:solidFill>
+              <a:schemeClr val="tx1"/>
+            </a:solidFill>
+            <a:prstDash val="solid"/>
+            <a:round/>
+            <a:headEnd type="none" w="lg" len="lg"/>
+            <a:tailEnd type="none" w="lg" len="lg"/>
+          </a:ln>
+          <a:effectLst/>
+        </p:spPr>
+        <p:txBody>
+          <a:bodyPr vert="horz" wrap="none" lIns="91440" tIns="45720" rIns="91440" bIns="45720" numCol="1" rtlCol="0" anchor="ctr" anchorCtr="0" compatLnSpc="1">
+            <a:prstTxWarp prst="textNoShape">
+              <a:avLst/>
+            </a:prstTxWarp>
+          </a:bodyPr>
+          <a:lstStyle/>
+          <a:p>
+            <a:pPr marL="0" marR="0" indent="0" algn="ctr" defTabSz="914400" rtl="0" eaLnBrk="0" fontAlgn="base" latinLnBrk="0" hangingPunct="0">
+              <a:lnSpc>
+                <a:spcPct val="100000"/>
+              </a:lnSpc>
+              <a:spcBef>
+                <a:spcPct val="0"/>
+              </a:spcBef>
+              <a:spcAft>
+                <a:spcPct val="0"/>
+              </a:spcAft>
+              <a:buClrTx/>
+              <a:buSzTx/>
+              <a:buFontTx/>
+              <a:buNone/>
+              <a:tabLst/>
+            </a:pPr>
+            <a:endParaRPr kumimoji="0" lang="ko-KR" altLang="en-US" sz="1600" b="1" i="0" u="none" strike="noStrike" cap="none" normalizeH="0" baseline="0" dirty="0">
+              <a:ln>
+                <a:noFill/>
+              </a:ln>
+              <a:solidFill>
+                <a:schemeClr val="tx1"/>
+              </a:solidFill>
+              <a:effectLst/>
+              <a:latin typeface="Courier New" panose="02070309020205020404" pitchFamily="49" charset="0"/>
+              <a:cs typeface="Courier New" panose="02070309020205020404" pitchFamily="49" charset="0"/>
+            </a:endParaRPr>
+          </a:p>
+        </p:txBody>
+      </p:sp>
+      <p:sp>
+        <p:nvSpPr>
+          <p:cNvPr id="45" name="Rectangle 44">
+            <a:extLst>
+              <a:ext uri="{FF2B5EF4-FFF2-40B4-BE49-F238E27FC236}">
+                <a16:creationId xmlns:a16="http://schemas.microsoft.com/office/drawing/2014/main" id="{31CFAB3A-E512-4519-B84A-3F1EDDAE8316}"/>
+              </a:ext>
+            </a:extLst>
+          </p:cNvPr>
+          <p:cNvSpPr/>
+          <p:nvPr/>
+        </p:nvSpPr>
+        <p:spPr bwMode="auto">
+          <a:xfrm>
+            <a:off x="3426800" y="4648200"/>
+            <a:ext cx="1066800" cy="639762"/>
+          </a:xfrm>
+          <a:prstGeom prst="rect">
+            <a:avLst/>
+          </a:prstGeom>
+          <a:solidFill>
+            <a:schemeClr val="bg1"/>
+          </a:solidFill>
+          <a:ln w="19050" cap="flat" cmpd="sng" algn="ctr">
+            <a:solidFill>
+              <a:schemeClr val="tx1"/>
+            </a:solidFill>
+            <a:prstDash val="solid"/>
+            <a:round/>
+            <a:headEnd type="none" w="lg" len="lg"/>
+            <a:tailEnd type="none" w="lg" len="lg"/>
+          </a:ln>
+          <a:effectLst/>
+        </p:spPr>
+        <p:txBody>
+          <a:bodyPr vert="horz" wrap="none" lIns="91440" tIns="45720" rIns="91440" bIns="45720" numCol="1" rtlCol="0" anchor="ctr" anchorCtr="0" compatLnSpc="1">
+            <a:prstTxWarp prst="textNoShape">
+              <a:avLst/>
+            </a:prstTxWarp>
+          </a:bodyPr>
+          <a:lstStyle/>
+          <a:p>
+            <a:pPr marL="0" marR="0" indent="0" algn="ctr" defTabSz="914400" rtl="0" eaLnBrk="0" fontAlgn="base" latinLnBrk="0" hangingPunct="0">
+              <a:lnSpc>
+                <a:spcPct val="100000"/>
+              </a:lnSpc>
+              <a:spcBef>
+                <a:spcPct val="0"/>
+              </a:spcBef>
+              <a:spcAft>
+                <a:spcPct val="0"/>
+              </a:spcAft>
+              <a:buClrTx/>
+              <a:buSzTx/>
+              <a:buFontTx/>
+              <a:buNone/>
+              <a:tabLst/>
+            </a:pPr>
+            <a:r>
+              <a:rPr kumimoji="0" lang="en-US" altLang="ko-KR" sz="1600" b="1" i="0" u="none" strike="noStrike" cap="none" normalizeH="0" baseline="0" dirty="0">
+                <a:ln>
+                  <a:noFill/>
+                </a:ln>
+                <a:solidFill>
+                  <a:schemeClr val="tx1"/>
+                </a:solidFill>
+                <a:effectLst/>
+                <a:latin typeface="Courier New" panose="02070309020205020404" pitchFamily="49" charset="0"/>
+                <a:cs typeface="Courier New" panose="02070309020205020404" pitchFamily="49" charset="0"/>
+              </a:rPr>
+              <a:t>Client2</a:t>
+            </a:r>
+            <a:endParaRPr kumimoji="0" lang="ko-KR" altLang="en-US" sz="1600" b="1" i="0" u="none" strike="noStrike" cap="none" normalizeH="0" baseline="0" dirty="0">
+              <a:ln>
+                <a:noFill/>
+              </a:ln>
+              <a:solidFill>
+                <a:schemeClr val="tx1"/>
+              </a:solidFill>
+              <a:effectLst/>
+              <a:latin typeface="Courier New" panose="02070309020205020404" pitchFamily="49" charset="0"/>
+              <a:cs typeface="Courier New" panose="02070309020205020404" pitchFamily="49" charset="0"/>
+            </a:endParaRPr>
+          </a:p>
+        </p:txBody>
+      </p:sp>
+      <p:cxnSp>
+        <p:nvCxnSpPr>
+          <p:cNvPr id="46" name="Connector: Elbow 45">
+            <a:extLst>
+              <a:ext uri="{FF2B5EF4-FFF2-40B4-BE49-F238E27FC236}">
+                <a16:creationId xmlns:a16="http://schemas.microsoft.com/office/drawing/2014/main" id="{C28CFFA0-42D5-4F49-BF26-2576FCA21A38}"/>
+              </a:ext>
+            </a:extLst>
+          </p:cNvPr>
+          <p:cNvCxnSpPr>
+            <a:cxnSpLocks/>
+            <a:stCxn id="45" idx="0"/>
+            <a:endCxn id="43" idx="2"/>
+          </p:cNvCxnSpPr>
+          <p:nvPr/>
+        </p:nvCxnSpPr>
+        <p:spPr bwMode="auto">
+          <a:xfrm rot="5400000" flipH="1" flipV="1">
+            <a:off x="3438083" y="3204197"/>
+            <a:ext cx="1966120" cy="921887"/>
+          </a:xfrm>
+          <a:prstGeom prst="bentConnector3">
+            <a:avLst>
+              <a:gd name="adj1" fmla="val 50000"/>
+            </a:avLst>
+          </a:prstGeom>
+          <a:solidFill>
+            <a:schemeClr val="accent1"/>
+          </a:solidFill>
+          <a:ln w="19050" cap="flat" cmpd="sng" algn="ctr">
+            <a:solidFill>
+              <a:schemeClr val="tx1"/>
+            </a:solidFill>
+            <a:prstDash val="solid"/>
+            <a:round/>
+            <a:headEnd type="none" w="lg" len="lg"/>
+            <a:tailEnd type="arrow"/>
+          </a:ln>
+          <a:effectLst/>
+        </p:spPr>
+      </p:cxnSp>
+    </p:spTree>
+    <p:extLst>
+      <p:ext uri="{BB962C8B-B14F-4D97-AF65-F5344CB8AC3E}">
+        <p14:creationId xmlns:p14="http://schemas.microsoft.com/office/powerpoint/2010/main" val="2915053391"/>
+      </p:ext>
+    </p:extLst>
+  </p:cSld>
+  <p:clrMapOvr>
+    <a:masterClrMapping/>
+  </p:clrMapOvr>
+</p:sld>
+</file>
+
+<file path=ppt/slides/slide6.xml><?xml version="1.0" encoding="utf-8"?>
+<p:sld xmlns:a="http://schemas.openxmlformats.org/drawingml/2006/main" xmlns:r="http://schemas.openxmlformats.org/officeDocument/2006/relationships" xmlns:p="http://schemas.openxmlformats.org/presentationml/2006/main">
+  <p:cSld>
+    <p:spTree>
+      <p:nvGrpSpPr>
+        <p:cNvPr id="1" name=""/>
+        <p:cNvGrpSpPr/>
+        <p:nvPr/>
+      </p:nvGrpSpPr>
+      <p:grpSpPr>
+        <a:xfrm>
+          <a:off x="0" y="0"/>
+          <a:ext cx="0" cy="0"/>
+          <a:chOff x="0" y="0"/>
+          <a:chExt cx="0" cy="0"/>
+        </a:xfrm>
+      </p:grpSpPr>
+      <p:sp>
+        <p:nvSpPr>
           <p:cNvPr id="9218" name="Title 1"/>
           <p:cNvSpPr>
             <a:spLocks noGrp="1"/>
@@ -13851,7 +15611,7 @@
                 <a:buFontTx/>
                 <a:buNone/>
               </a:pPr>
-              <a:t>4</a:t>
+              <a:t>5</a:t>
             </a:fld>
             <a:endParaRPr lang="en-US" altLang="ko-KR" sz="1400"/>
           </a:p>
@@ -15081,7 +16841,7 @@
 </p:sld>
 </file>
 
-<file path=ppt/slides/slide6.xml><?xml version="1.0" encoding="utf-8"?>
+<file path=ppt/slides/slide7.xml><?xml version="1.0" encoding="utf-8"?>
 <p:sld xmlns:a="http://schemas.openxmlformats.org/drawingml/2006/main" xmlns:r="http://schemas.openxmlformats.org/officeDocument/2006/relationships" xmlns:p="http://schemas.openxmlformats.org/presentationml/2006/main">
   <p:cSld>
     <p:spTree>
@@ -15308,7 +17068,7 @@
                 <a:buFontTx/>
                 <a:buNone/>
               </a:pPr>
-              <a:t>5</a:t>
+              <a:t>6</a:t>
             </a:fld>
             <a:endParaRPr lang="en-US" altLang="ko-KR" sz="1400"/>
           </a:p>
@@ -16162,7 +17922,7 @@
 </p:sld>
 </file>
 
-<file path=ppt/slides/slide7.xml><?xml version="1.0" encoding="utf-8"?>
+<file path=ppt/slides/slide8.xml><?xml version="1.0" encoding="utf-8"?>
 <p:sld xmlns:a="http://schemas.openxmlformats.org/drawingml/2006/main" xmlns:r="http://schemas.openxmlformats.org/officeDocument/2006/relationships" xmlns:p="http://schemas.openxmlformats.org/presentationml/2006/main">
   <p:cSld>
     <p:spTree>
@@ -16237,7 +17997,7 @@
               <a:pPr>
                 <a:defRPr/>
               </a:pPr>
-              <a:t>6</a:t>
+              <a:t>7</a:t>
             </a:fld>
             <a:endParaRPr lang="en-US" altLang="ko-KR"/>
           </a:p>
@@ -16765,7 +18525,7 @@
 </p:sld>
 </file>
 
-<file path=ppt/slides/slide8.xml><?xml version="1.0" encoding="utf-8"?>
+<file path=ppt/slides/slide9.xml><?xml version="1.0" encoding="utf-8"?>
 <p:sld xmlns:a="http://schemas.openxmlformats.org/drawingml/2006/main" xmlns:r="http://schemas.openxmlformats.org/officeDocument/2006/relationships" xmlns:p="http://schemas.openxmlformats.org/presentationml/2006/main">
   <p:cSld>
     <p:spTree>
@@ -16840,7 +18600,7 @@
               <a:pPr>
                 <a:defRPr/>
               </a:pPr>
-              <a:t>7</a:t>
+              <a:t>8</a:t>
             </a:fld>
             <a:endParaRPr lang="en-US" altLang="ko-KR"/>
           </a:p>
@@ -17738,992 +19498,6 @@
     <p:extLst>
       <p:ext uri="{BB962C8B-B14F-4D97-AF65-F5344CB8AC3E}">
         <p14:creationId xmlns:p14="http://schemas.microsoft.com/office/powerpoint/2010/main" val="2812437764"/>
-      </p:ext>
-    </p:extLst>
-  </p:cSld>
-  <p:clrMapOvr>
-    <a:masterClrMapping/>
-  </p:clrMapOvr>
-</p:sld>
-</file>
-
-<file path=ppt/slides/slide9.xml><?xml version="1.0" encoding="utf-8"?>
-<p:sld xmlns:a="http://schemas.openxmlformats.org/drawingml/2006/main" xmlns:r="http://schemas.openxmlformats.org/officeDocument/2006/relationships" xmlns:p="http://schemas.openxmlformats.org/presentationml/2006/main">
-  <p:cSld>
-    <p:spTree>
-      <p:nvGrpSpPr>
-        <p:cNvPr id="1" name=""/>
-        <p:cNvGrpSpPr/>
-        <p:nvPr/>
-      </p:nvGrpSpPr>
-      <p:grpSpPr>
-        <a:xfrm>
-          <a:off x="0" y="0"/>
-          <a:ext cx="0" cy="0"/>
-          <a:chOff x="0" y="0"/>
-          <a:chExt cx="0" cy="0"/>
-        </a:xfrm>
-      </p:grpSpPr>
-      <p:sp>
-        <p:nvSpPr>
-          <p:cNvPr id="3" name="Title 2">
-            <a:extLst>
-              <a:ext uri="{FF2B5EF4-FFF2-40B4-BE49-F238E27FC236}">
-                <a16:creationId xmlns:a16="http://schemas.microsoft.com/office/drawing/2014/main" id="{12221E77-9EB6-4784-9966-605692DCEACA}"/>
-              </a:ext>
-            </a:extLst>
-          </p:cNvPr>
-          <p:cNvSpPr>
-            <a:spLocks noGrp="1"/>
-          </p:cNvSpPr>
-          <p:nvPr>
-            <p:ph type="title"/>
-          </p:nvPr>
-        </p:nvSpPr>
-        <p:spPr/>
-        <p:txBody>
-          <a:bodyPr/>
-          <a:lstStyle/>
-          <a:p>
-            <a:r>
-              <a:rPr lang="en-US" altLang="ko-KR" dirty="0"/>
-              <a:t>Circular Queue</a:t>
-            </a:r>
-            <a:endParaRPr lang="ko-KR" altLang="en-US" dirty="0"/>
-          </a:p>
-        </p:txBody>
-      </p:sp>
-      <p:sp>
-        <p:nvSpPr>
-          <p:cNvPr id="4" name="Slide Number Placeholder 3">
-            <a:extLst>
-              <a:ext uri="{FF2B5EF4-FFF2-40B4-BE49-F238E27FC236}">
-                <a16:creationId xmlns:a16="http://schemas.microsoft.com/office/drawing/2014/main" id="{09245503-33CA-4213-9D8E-FA845344FA1A}"/>
-              </a:ext>
-            </a:extLst>
-          </p:cNvPr>
-          <p:cNvSpPr>
-            <a:spLocks noGrp="1"/>
-          </p:cNvSpPr>
-          <p:nvPr>
-            <p:ph type="sldNum" sz="quarter" idx="11"/>
-          </p:nvPr>
-        </p:nvSpPr>
-        <p:spPr/>
-        <p:txBody>
-          <a:bodyPr/>
-          <a:lstStyle/>
-          <a:p>
-            <a:pPr>
-              <a:defRPr/>
-            </a:pPr>
-            <a:fld id="{7585D841-3058-4BFE-8F4A-3303B3707F0A}" type="slidenum">
-              <a:rPr lang="en-US" altLang="ko-KR" smtClean="0"/>
-              <a:pPr>
-                <a:defRPr/>
-              </a:pPr>
-              <a:t>8</a:t>
-            </a:fld>
-            <a:endParaRPr lang="en-US" altLang="ko-KR"/>
-          </a:p>
-        </p:txBody>
-      </p:sp>
-      <p:sp>
-        <p:nvSpPr>
-          <p:cNvPr id="5" name="Rectangle 4">
-            <a:extLst>
-              <a:ext uri="{FF2B5EF4-FFF2-40B4-BE49-F238E27FC236}">
-                <a16:creationId xmlns:a16="http://schemas.microsoft.com/office/drawing/2014/main" id="{BF5B196D-2A69-49BF-9D7C-770D56E9AFCA}"/>
-              </a:ext>
-            </a:extLst>
-          </p:cNvPr>
-          <p:cNvSpPr/>
-          <p:nvPr/>
-        </p:nvSpPr>
-        <p:spPr bwMode="auto">
-          <a:xfrm>
-            <a:off x="2362200" y="2292350"/>
-            <a:ext cx="1066800" cy="639762"/>
-          </a:xfrm>
-          <a:prstGeom prst="rect">
-            <a:avLst/>
-          </a:prstGeom>
-          <a:solidFill>
-            <a:schemeClr val="bg1"/>
-          </a:solidFill>
-          <a:ln w="19050" cap="flat" cmpd="sng" algn="ctr">
-            <a:solidFill>
-              <a:schemeClr val="tx1"/>
-            </a:solidFill>
-            <a:prstDash val="solid"/>
-            <a:round/>
-            <a:headEnd type="none" w="lg" len="lg"/>
-            <a:tailEnd type="none" w="lg" len="lg"/>
-          </a:ln>
-          <a:effectLst/>
-        </p:spPr>
-        <p:txBody>
-          <a:bodyPr vert="horz" wrap="none" lIns="91440" tIns="45720" rIns="91440" bIns="45720" numCol="1" rtlCol="0" anchor="ctr" anchorCtr="0" compatLnSpc="1">
-            <a:prstTxWarp prst="textNoShape">
-              <a:avLst/>
-            </a:prstTxWarp>
-          </a:bodyPr>
-          <a:lstStyle/>
-          <a:p>
-            <a:pPr marL="0" marR="0" indent="0" algn="l" defTabSz="914400" rtl="0" eaLnBrk="0" fontAlgn="base" latinLnBrk="0" hangingPunct="0">
-              <a:lnSpc>
-                <a:spcPct val="100000"/>
-              </a:lnSpc>
-              <a:spcBef>
-                <a:spcPct val="0"/>
-              </a:spcBef>
-              <a:spcAft>
-                <a:spcPct val="0"/>
-              </a:spcAft>
-              <a:buClrTx/>
-              <a:buSzTx/>
-              <a:buFontTx/>
-              <a:buNone/>
-              <a:tabLst/>
-            </a:pPr>
-            <a:endParaRPr kumimoji="0" lang="ko-KR" altLang="en-US" sz="1800" b="0" i="0" u="none" strike="noStrike" cap="none" normalizeH="0" baseline="0">
-              <a:ln>
-                <a:noFill/>
-              </a:ln>
-              <a:solidFill>
-                <a:schemeClr val="tx1"/>
-              </a:solidFill>
-              <a:effectLst/>
-              <a:latin typeface="Arial" pitchFamily="34" charset="0"/>
-              <a:ea typeface="굴림" pitchFamily="50" charset="-127"/>
-            </a:endParaRPr>
-          </a:p>
-        </p:txBody>
-      </p:sp>
-      <p:sp>
-        <p:nvSpPr>
-          <p:cNvPr id="6" name="Rectangle 5">
-            <a:extLst>
-              <a:ext uri="{FF2B5EF4-FFF2-40B4-BE49-F238E27FC236}">
-                <a16:creationId xmlns:a16="http://schemas.microsoft.com/office/drawing/2014/main" id="{C048BE06-6469-47E7-9BD7-B11087AFE7CD}"/>
-              </a:ext>
-            </a:extLst>
-          </p:cNvPr>
-          <p:cNvSpPr/>
-          <p:nvPr/>
-        </p:nvSpPr>
-        <p:spPr bwMode="auto">
-          <a:xfrm>
-            <a:off x="3124200" y="2292350"/>
-            <a:ext cx="304800" cy="639762"/>
-          </a:xfrm>
-          <a:prstGeom prst="rect">
-            <a:avLst/>
-          </a:prstGeom>
-          <a:solidFill>
-            <a:schemeClr val="bg1"/>
-          </a:solidFill>
-          <a:ln w="19050" cap="flat" cmpd="sng" algn="ctr">
-            <a:solidFill>
-              <a:schemeClr val="tx1"/>
-            </a:solidFill>
-            <a:prstDash val="solid"/>
-            <a:round/>
-            <a:headEnd type="none" w="lg" len="lg"/>
-            <a:tailEnd type="none" w="lg" len="lg"/>
-          </a:ln>
-          <a:effectLst/>
-        </p:spPr>
-        <p:txBody>
-          <a:bodyPr vert="horz" wrap="none" lIns="91440" tIns="45720" rIns="91440" bIns="45720" numCol="1" rtlCol="0" anchor="ctr" anchorCtr="0" compatLnSpc="1">
-            <a:prstTxWarp prst="textNoShape">
-              <a:avLst/>
-            </a:prstTxWarp>
-          </a:bodyPr>
-          <a:lstStyle/>
-          <a:p>
-            <a:pPr marL="0" marR="0" indent="0" algn="l" defTabSz="914400" rtl="0" eaLnBrk="0" fontAlgn="base" latinLnBrk="0" hangingPunct="0">
-              <a:lnSpc>
-                <a:spcPct val="100000"/>
-              </a:lnSpc>
-              <a:spcBef>
-                <a:spcPct val="0"/>
-              </a:spcBef>
-              <a:spcAft>
-                <a:spcPct val="0"/>
-              </a:spcAft>
-              <a:buClrTx/>
-              <a:buSzTx/>
-              <a:buFontTx/>
-              <a:buNone/>
-              <a:tabLst/>
-            </a:pPr>
-            <a:endParaRPr kumimoji="0" lang="ko-KR" altLang="en-US" sz="1800" b="0" i="0" u="none" strike="noStrike" cap="none" normalizeH="0" baseline="0">
-              <a:ln>
-                <a:noFill/>
-              </a:ln>
-              <a:solidFill>
-                <a:schemeClr val="tx1"/>
-              </a:solidFill>
-              <a:effectLst/>
-              <a:latin typeface="Arial" pitchFamily="34" charset="0"/>
-              <a:ea typeface="굴림" pitchFamily="50" charset="-127"/>
-            </a:endParaRPr>
-          </a:p>
-        </p:txBody>
-      </p:sp>
-      <p:sp>
-        <p:nvSpPr>
-          <p:cNvPr id="7" name="Rectangle 6">
-            <a:extLst>
-              <a:ext uri="{FF2B5EF4-FFF2-40B4-BE49-F238E27FC236}">
-                <a16:creationId xmlns:a16="http://schemas.microsoft.com/office/drawing/2014/main" id="{EB33201E-C9A0-4580-B627-7A97D5D22532}"/>
-              </a:ext>
-            </a:extLst>
-          </p:cNvPr>
-          <p:cNvSpPr/>
-          <p:nvPr/>
-        </p:nvSpPr>
-        <p:spPr bwMode="auto">
-          <a:xfrm>
-            <a:off x="4572000" y="2934570"/>
-            <a:ext cx="1066800" cy="639762"/>
-          </a:xfrm>
-          <a:prstGeom prst="rect">
-            <a:avLst/>
-          </a:prstGeom>
-          <a:solidFill>
-            <a:schemeClr val="bg1"/>
-          </a:solidFill>
-          <a:ln w="19050" cap="flat" cmpd="sng" algn="ctr">
-            <a:solidFill>
-              <a:schemeClr val="tx1"/>
-            </a:solidFill>
-            <a:prstDash val="solid"/>
-            <a:round/>
-            <a:headEnd type="none" w="lg" len="lg"/>
-            <a:tailEnd type="none" w="lg" len="lg"/>
-          </a:ln>
-          <a:effectLst/>
-        </p:spPr>
-        <p:txBody>
-          <a:bodyPr vert="horz" wrap="none" lIns="91440" tIns="45720" rIns="91440" bIns="45720" numCol="1" rtlCol="0" anchor="ctr" anchorCtr="0" compatLnSpc="1">
-            <a:prstTxWarp prst="textNoShape">
-              <a:avLst/>
-            </a:prstTxWarp>
-          </a:bodyPr>
-          <a:lstStyle/>
-          <a:p>
-            <a:pPr marL="0" marR="0" indent="0" algn="l" defTabSz="914400" rtl="0" eaLnBrk="0" fontAlgn="base" latinLnBrk="0" hangingPunct="0">
-              <a:lnSpc>
-                <a:spcPct val="100000"/>
-              </a:lnSpc>
-              <a:spcBef>
-                <a:spcPct val="0"/>
-              </a:spcBef>
-              <a:spcAft>
-                <a:spcPct val="0"/>
-              </a:spcAft>
-              <a:buClrTx/>
-              <a:buSzTx/>
-              <a:buFontTx/>
-              <a:buNone/>
-              <a:tabLst/>
-            </a:pPr>
-            <a:endParaRPr kumimoji="0" lang="ko-KR" altLang="en-US" sz="1800" b="0" i="0" u="none" strike="noStrike" cap="none" normalizeH="0" baseline="0">
-              <a:ln>
-                <a:noFill/>
-              </a:ln>
-              <a:solidFill>
-                <a:schemeClr val="tx1"/>
-              </a:solidFill>
-              <a:effectLst/>
-              <a:latin typeface="Arial" pitchFamily="34" charset="0"/>
-              <a:ea typeface="굴림" pitchFamily="50" charset="-127"/>
-            </a:endParaRPr>
-          </a:p>
-        </p:txBody>
-      </p:sp>
-      <p:sp>
-        <p:nvSpPr>
-          <p:cNvPr id="8" name="Rectangle 7">
-            <a:extLst>
-              <a:ext uri="{FF2B5EF4-FFF2-40B4-BE49-F238E27FC236}">
-                <a16:creationId xmlns:a16="http://schemas.microsoft.com/office/drawing/2014/main" id="{6C4041EC-D4C2-40C2-9C7D-BB49C9099313}"/>
-              </a:ext>
-            </a:extLst>
-          </p:cNvPr>
-          <p:cNvSpPr/>
-          <p:nvPr/>
-        </p:nvSpPr>
-        <p:spPr bwMode="auto">
-          <a:xfrm>
-            <a:off x="5334000" y="2934570"/>
-            <a:ext cx="304800" cy="639762"/>
-          </a:xfrm>
-          <a:prstGeom prst="rect">
-            <a:avLst/>
-          </a:prstGeom>
-          <a:solidFill>
-            <a:schemeClr val="bg1"/>
-          </a:solidFill>
-          <a:ln w="19050" cap="flat" cmpd="sng" algn="ctr">
-            <a:solidFill>
-              <a:schemeClr val="tx1"/>
-            </a:solidFill>
-            <a:prstDash val="solid"/>
-            <a:round/>
-            <a:headEnd type="none" w="lg" len="lg"/>
-            <a:tailEnd type="none" w="lg" len="lg"/>
-          </a:ln>
-          <a:effectLst/>
-        </p:spPr>
-        <p:txBody>
-          <a:bodyPr vert="horz" wrap="none" lIns="91440" tIns="45720" rIns="91440" bIns="45720" numCol="1" rtlCol="0" anchor="ctr" anchorCtr="0" compatLnSpc="1">
-            <a:prstTxWarp prst="textNoShape">
-              <a:avLst/>
-            </a:prstTxWarp>
-          </a:bodyPr>
-          <a:lstStyle/>
-          <a:p>
-            <a:pPr marL="0" marR="0" indent="0" algn="l" defTabSz="914400" rtl="0" eaLnBrk="0" fontAlgn="base" latinLnBrk="0" hangingPunct="0">
-              <a:lnSpc>
-                <a:spcPct val="100000"/>
-              </a:lnSpc>
-              <a:spcBef>
-                <a:spcPct val="0"/>
-              </a:spcBef>
-              <a:spcAft>
-                <a:spcPct val="0"/>
-              </a:spcAft>
-              <a:buClrTx/>
-              <a:buSzTx/>
-              <a:buFontTx/>
-              <a:buNone/>
-              <a:tabLst/>
-            </a:pPr>
-            <a:endParaRPr kumimoji="0" lang="ko-KR" altLang="en-US" sz="1800" b="0" i="0" u="none" strike="noStrike" cap="none" normalizeH="0" baseline="0">
-              <a:ln>
-                <a:noFill/>
-              </a:ln>
-              <a:solidFill>
-                <a:schemeClr val="tx1"/>
-              </a:solidFill>
-              <a:effectLst/>
-              <a:latin typeface="Arial" pitchFamily="34" charset="0"/>
-              <a:ea typeface="굴림" pitchFamily="50" charset="-127"/>
-            </a:endParaRPr>
-          </a:p>
-        </p:txBody>
-      </p:sp>
-      <p:sp>
-        <p:nvSpPr>
-          <p:cNvPr id="9" name="Rectangle 8">
-            <a:extLst>
-              <a:ext uri="{FF2B5EF4-FFF2-40B4-BE49-F238E27FC236}">
-                <a16:creationId xmlns:a16="http://schemas.microsoft.com/office/drawing/2014/main" id="{04061F04-064C-408F-80DF-69C4D8715705}"/>
-              </a:ext>
-            </a:extLst>
-          </p:cNvPr>
-          <p:cNvSpPr/>
-          <p:nvPr/>
-        </p:nvSpPr>
-        <p:spPr bwMode="auto">
-          <a:xfrm>
-            <a:off x="6806242" y="3663950"/>
-            <a:ext cx="1066800" cy="639762"/>
-          </a:xfrm>
-          <a:prstGeom prst="rect">
-            <a:avLst/>
-          </a:prstGeom>
-          <a:solidFill>
-            <a:schemeClr val="bg1"/>
-          </a:solidFill>
-          <a:ln w="19050" cap="flat" cmpd="sng" algn="ctr">
-            <a:solidFill>
-              <a:schemeClr val="tx1"/>
-            </a:solidFill>
-            <a:prstDash val="solid"/>
-            <a:round/>
-            <a:headEnd type="none" w="lg" len="lg"/>
-            <a:tailEnd type="none" w="lg" len="lg"/>
-          </a:ln>
-          <a:effectLst/>
-        </p:spPr>
-        <p:txBody>
-          <a:bodyPr vert="horz" wrap="none" lIns="91440" tIns="45720" rIns="91440" bIns="45720" numCol="1" rtlCol="0" anchor="ctr" anchorCtr="0" compatLnSpc="1">
-            <a:prstTxWarp prst="textNoShape">
-              <a:avLst/>
-            </a:prstTxWarp>
-          </a:bodyPr>
-          <a:lstStyle/>
-          <a:p>
-            <a:pPr marL="0" marR="0" indent="0" algn="l" defTabSz="914400" rtl="0" eaLnBrk="0" fontAlgn="base" latinLnBrk="0" hangingPunct="0">
-              <a:lnSpc>
-                <a:spcPct val="100000"/>
-              </a:lnSpc>
-              <a:spcBef>
-                <a:spcPct val="0"/>
-              </a:spcBef>
-              <a:spcAft>
-                <a:spcPct val="0"/>
-              </a:spcAft>
-              <a:buClrTx/>
-              <a:buSzTx/>
-              <a:buFontTx/>
-              <a:buNone/>
-              <a:tabLst/>
-            </a:pPr>
-            <a:endParaRPr kumimoji="0" lang="ko-KR" altLang="en-US" sz="1800" b="0" i="0" u="none" strike="noStrike" cap="none" normalizeH="0" baseline="0">
-              <a:ln>
-                <a:noFill/>
-              </a:ln>
-              <a:solidFill>
-                <a:schemeClr val="tx1"/>
-              </a:solidFill>
-              <a:effectLst/>
-              <a:latin typeface="Arial" pitchFamily="34" charset="0"/>
-              <a:ea typeface="굴림" pitchFamily="50" charset="-127"/>
-            </a:endParaRPr>
-          </a:p>
-        </p:txBody>
-      </p:sp>
-      <p:sp>
-        <p:nvSpPr>
-          <p:cNvPr id="10" name="Rectangle 9">
-            <a:extLst>
-              <a:ext uri="{FF2B5EF4-FFF2-40B4-BE49-F238E27FC236}">
-                <a16:creationId xmlns:a16="http://schemas.microsoft.com/office/drawing/2014/main" id="{59526112-D10E-4162-BB76-E2F3409CDC83}"/>
-              </a:ext>
-            </a:extLst>
-          </p:cNvPr>
-          <p:cNvSpPr/>
-          <p:nvPr/>
-        </p:nvSpPr>
-        <p:spPr bwMode="auto">
-          <a:xfrm>
-            <a:off x="7568242" y="3663950"/>
-            <a:ext cx="304800" cy="639762"/>
-          </a:xfrm>
-          <a:prstGeom prst="rect">
-            <a:avLst/>
-          </a:prstGeom>
-          <a:solidFill>
-            <a:schemeClr val="bg1"/>
-          </a:solidFill>
-          <a:ln w="19050" cap="flat" cmpd="sng" algn="ctr">
-            <a:solidFill>
-              <a:schemeClr val="tx1"/>
-            </a:solidFill>
-            <a:prstDash val="solid"/>
-            <a:round/>
-            <a:headEnd type="none" w="lg" len="lg"/>
-            <a:tailEnd type="none" w="lg" len="lg"/>
-          </a:ln>
-          <a:effectLst/>
-        </p:spPr>
-        <p:txBody>
-          <a:bodyPr vert="horz" wrap="none" lIns="91440" tIns="45720" rIns="91440" bIns="45720" numCol="1" rtlCol="0" anchor="ctr" anchorCtr="0" compatLnSpc="1">
-            <a:prstTxWarp prst="textNoShape">
-              <a:avLst/>
-            </a:prstTxWarp>
-          </a:bodyPr>
-          <a:lstStyle/>
-          <a:p>
-            <a:pPr marL="0" marR="0" indent="0" algn="l" defTabSz="914400" rtl="0" eaLnBrk="0" fontAlgn="base" latinLnBrk="0" hangingPunct="0">
-              <a:lnSpc>
-                <a:spcPct val="100000"/>
-              </a:lnSpc>
-              <a:spcBef>
-                <a:spcPct val="0"/>
-              </a:spcBef>
-              <a:spcAft>
-                <a:spcPct val="0"/>
-              </a:spcAft>
-              <a:buClrTx/>
-              <a:buSzTx/>
-              <a:buFontTx/>
-              <a:buNone/>
-              <a:tabLst/>
-            </a:pPr>
-            <a:endParaRPr kumimoji="0" lang="ko-KR" altLang="en-US" sz="1800" b="0" i="0" u="none" strike="noStrike" cap="none" normalizeH="0" baseline="0">
-              <a:ln>
-                <a:noFill/>
-              </a:ln>
-              <a:solidFill>
-                <a:schemeClr val="tx1"/>
-              </a:solidFill>
-              <a:effectLst/>
-              <a:latin typeface="Arial" pitchFamily="34" charset="0"/>
-              <a:ea typeface="굴림" pitchFamily="50" charset="-127"/>
-            </a:endParaRPr>
-          </a:p>
-        </p:txBody>
-      </p:sp>
-      <p:cxnSp>
-        <p:nvCxnSpPr>
-          <p:cNvPr id="12" name="Connector: Elbow 11">
-            <a:extLst>
-              <a:ext uri="{FF2B5EF4-FFF2-40B4-BE49-F238E27FC236}">
-                <a16:creationId xmlns:a16="http://schemas.microsoft.com/office/drawing/2014/main" id="{6F928C6C-8A38-4ACA-A87F-3034E0FAD149}"/>
-              </a:ext>
-            </a:extLst>
-          </p:cNvPr>
-          <p:cNvCxnSpPr>
-            <a:cxnSpLocks/>
-            <a:stCxn id="6" idx="3"/>
-            <a:endCxn id="17" idx="1"/>
-          </p:cNvCxnSpPr>
-          <p:nvPr/>
-        </p:nvCxnSpPr>
-        <p:spPr bwMode="auto">
-          <a:xfrm>
-            <a:off x="3429000" y="2612231"/>
-            <a:ext cx="1143000" cy="639762"/>
-          </a:xfrm>
-          <a:prstGeom prst="bentConnector3">
-            <a:avLst/>
-          </a:prstGeom>
-          <a:solidFill>
-            <a:schemeClr val="accent1"/>
-          </a:solidFill>
-          <a:ln w="19050" cap="flat" cmpd="sng" algn="ctr">
-            <a:solidFill>
-              <a:schemeClr val="tx1"/>
-            </a:solidFill>
-            <a:prstDash val="solid"/>
-            <a:round/>
-            <a:headEnd type="none" w="lg" len="lg"/>
-            <a:tailEnd type="arrow"/>
-          </a:ln>
-          <a:effectLst/>
-        </p:spPr>
-      </p:cxnSp>
-      <p:cxnSp>
-        <p:nvCxnSpPr>
-          <p:cNvPr id="13" name="Connector: Elbow 12">
-            <a:extLst>
-              <a:ext uri="{FF2B5EF4-FFF2-40B4-BE49-F238E27FC236}">
-                <a16:creationId xmlns:a16="http://schemas.microsoft.com/office/drawing/2014/main" id="{ABE6947B-33A9-41C7-B076-294AAC8E694C}"/>
-              </a:ext>
-            </a:extLst>
-          </p:cNvPr>
-          <p:cNvCxnSpPr>
-            <a:cxnSpLocks/>
-            <a:stCxn id="8" idx="3"/>
-            <a:endCxn id="9" idx="1"/>
-          </p:cNvCxnSpPr>
-          <p:nvPr/>
-        </p:nvCxnSpPr>
-        <p:spPr bwMode="auto">
-          <a:xfrm>
-            <a:off x="5638800" y="3254451"/>
-            <a:ext cx="1167442" cy="729380"/>
-          </a:xfrm>
-          <a:prstGeom prst="bentConnector3">
-            <a:avLst/>
-          </a:prstGeom>
-          <a:solidFill>
-            <a:schemeClr val="accent1"/>
-          </a:solidFill>
-          <a:ln w="19050" cap="flat" cmpd="sng" algn="ctr">
-            <a:solidFill>
-              <a:schemeClr val="tx1"/>
-            </a:solidFill>
-            <a:prstDash val="solid"/>
-            <a:round/>
-            <a:headEnd type="none" w="lg" len="lg"/>
-            <a:tailEnd type="arrow"/>
-          </a:ln>
-          <a:effectLst/>
-        </p:spPr>
-      </p:cxnSp>
-      <p:sp>
-        <p:nvSpPr>
-          <p:cNvPr id="16" name="Rectangle 15">
-            <a:extLst>
-              <a:ext uri="{FF2B5EF4-FFF2-40B4-BE49-F238E27FC236}">
-                <a16:creationId xmlns:a16="http://schemas.microsoft.com/office/drawing/2014/main" id="{72C4A2C3-8ADF-452A-8499-176EDE5034A5}"/>
-              </a:ext>
-            </a:extLst>
-          </p:cNvPr>
-          <p:cNvSpPr/>
-          <p:nvPr/>
-        </p:nvSpPr>
-        <p:spPr bwMode="auto">
-          <a:xfrm>
-            <a:off x="2362200" y="2292350"/>
-            <a:ext cx="304800" cy="639762"/>
-          </a:xfrm>
-          <a:prstGeom prst="rect">
-            <a:avLst/>
-          </a:prstGeom>
-          <a:solidFill>
-            <a:schemeClr val="bg1"/>
-          </a:solidFill>
-          <a:ln w="19050" cap="flat" cmpd="sng" algn="ctr">
-            <a:solidFill>
-              <a:schemeClr val="tx1"/>
-            </a:solidFill>
-            <a:prstDash val="solid"/>
-            <a:round/>
-            <a:headEnd type="none" w="lg" len="lg"/>
-            <a:tailEnd type="none" w="lg" len="lg"/>
-          </a:ln>
-          <a:effectLst/>
-        </p:spPr>
-        <p:txBody>
-          <a:bodyPr vert="horz" wrap="none" lIns="91440" tIns="45720" rIns="91440" bIns="45720" numCol="1" rtlCol="0" anchor="ctr" anchorCtr="0" compatLnSpc="1">
-            <a:prstTxWarp prst="textNoShape">
-              <a:avLst/>
-            </a:prstTxWarp>
-          </a:bodyPr>
-          <a:lstStyle/>
-          <a:p>
-            <a:pPr marL="0" marR="0" indent="0" algn="l" defTabSz="914400" rtl="0" eaLnBrk="0" fontAlgn="base" latinLnBrk="0" hangingPunct="0">
-              <a:lnSpc>
-                <a:spcPct val="100000"/>
-              </a:lnSpc>
-              <a:spcBef>
-                <a:spcPct val="0"/>
-              </a:spcBef>
-              <a:spcAft>
-                <a:spcPct val="0"/>
-              </a:spcAft>
-              <a:buClrTx/>
-              <a:buSzTx/>
-              <a:buFontTx/>
-              <a:buNone/>
-              <a:tabLst/>
-            </a:pPr>
-            <a:endParaRPr kumimoji="0" lang="ko-KR" altLang="en-US" sz="1800" b="0" i="0" u="none" strike="noStrike" cap="none" normalizeH="0" baseline="0">
-              <a:ln>
-                <a:noFill/>
-              </a:ln>
-              <a:solidFill>
-                <a:schemeClr val="tx1"/>
-              </a:solidFill>
-              <a:effectLst/>
-              <a:latin typeface="Arial" pitchFamily="34" charset="0"/>
-              <a:ea typeface="굴림" pitchFamily="50" charset="-127"/>
-            </a:endParaRPr>
-          </a:p>
-        </p:txBody>
-      </p:sp>
-      <p:sp>
-        <p:nvSpPr>
-          <p:cNvPr id="17" name="Rectangle 16">
-            <a:extLst>
-              <a:ext uri="{FF2B5EF4-FFF2-40B4-BE49-F238E27FC236}">
-                <a16:creationId xmlns:a16="http://schemas.microsoft.com/office/drawing/2014/main" id="{26AF5DB2-EF1B-435C-AC9C-18D2D14C19B9}"/>
-              </a:ext>
-            </a:extLst>
-          </p:cNvPr>
-          <p:cNvSpPr/>
-          <p:nvPr/>
-        </p:nvSpPr>
-        <p:spPr bwMode="auto">
-          <a:xfrm>
-            <a:off x="4572000" y="2932112"/>
-            <a:ext cx="304800" cy="639762"/>
-          </a:xfrm>
-          <a:prstGeom prst="rect">
-            <a:avLst/>
-          </a:prstGeom>
-          <a:solidFill>
-            <a:schemeClr val="bg1"/>
-          </a:solidFill>
-          <a:ln w="19050" cap="flat" cmpd="sng" algn="ctr">
-            <a:solidFill>
-              <a:schemeClr val="tx1"/>
-            </a:solidFill>
-            <a:prstDash val="solid"/>
-            <a:round/>
-            <a:headEnd type="none" w="lg" len="lg"/>
-            <a:tailEnd type="none" w="lg" len="lg"/>
-          </a:ln>
-          <a:effectLst/>
-        </p:spPr>
-        <p:txBody>
-          <a:bodyPr vert="horz" wrap="none" lIns="91440" tIns="45720" rIns="91440" bIns="45720" numCol="1" rtlCol="0" anchor="ctr" anchorCtr="0" compatLnSpc="1">
-            <a:prstTxWarp prst="textNoShape">
-              <a:avLst/>
-            </a:prstTxWarp>
-          </a:bodyPr>
-          <a:lstStyle/>
-          <a:p>
-            <a:pPr marL="0" marR="0" indent="0" algn="l" defTabSz="914400" rtl="0" eaLnBrk="0" fontAlgn="base" latinLnBrk="0" hangingPunct="0">
-              <a:lnSpc>
-                <a:spcPct val="100000"/>
-              </a:lnSpc>
-              <a:spcBef>
-                <a:spcPct val="0"/>
-              </a:spcBef>
-              <a:spcAft>
-                <a:spcPct val="0"/>
-              </a:spcAft>
-              <a:buClrTx/>
-              <a:buSzTx/>
-              <a:buFontTx/>
-              <a:buNone/>
-              <a:tabLst/>
-            </a:pPr>
-            <a:endParaRPr kumimoji="0" lang="ko-KR" altLang="en-US" sz="1800" b="0" i="0" u="none" strike="noStrike" cap="none" normalizeH="0" baseline="0">
-              <a:ln>
-                <a:noFill/>
-              </a:ln>
-              <a:solidFill>
-                <a:schemeClr val="tx1"/>
-              </a:solidFill>
-              <a:effectLst/>
-              <a:latin typeface="Arial" pitchFamily="34" charset="0"/>
-              <a:ea typeface="굴림" pitchFamily="50" charset="-127"/>
-            </a:endParaRPr>
-          </a:p>
-        </p:txBody>
-      </p:sp>
-      <p:sp>
-        <p:nvSpPr>
-          <p:cNvPr id="18" name="Rectangle 17">
-            <a:extLst>
-              <a:ext uri="{FF2B5EF4-FFF2-40B4-BE49-F238E27FC236}">
-                <a16:creationId xmlns:a16="http://schemas.microsoft.com/office/drawing/2014/main" id="{D7BB3BB5-8AA8-41E7-84CD-19D561151FDA}"/>
-              </a:ext>
-            </a:extLst>
-          </p:cNvPr>
-          <p:cNvSpPr/>
-          <p:nvPr/>
-        </p:nvSpPr>
-        <p:spPr bwMode="auto">
-          <a:xfrm>
-            <a:off x="6820620" y="3663950"/>
-            <a:ext cx="304800" cy="639762"/>
-          </a:xfrm>
-          <a:prstGeom prst="rect">
-            <a:avLst/>
-          </a:prstGeom>
-          <a:solidFill>
-            <a:schemeClr val="bg1"/>
-          </a:solidFill>
-          <a:ln w="19050" cap="flat" cmpd="sng" algn="ctr">
-            <a:solidFill>
-              <a:schemeClr val="tx1"/>
-            </a:solidFill>
-            <a:prstDash val="solid"/>
-            <a:round/>
-            <a:headEnd type="none" w="lg" len="lg"/>
-            <a:tailEnd type="none" w="lg" len="lg"/>
-          </a:ln>
-          <a:effectLst/>
-        </p:spPr>
-        <p:txBody>
-          <a:bodyPr vert="horz" wrap="none" lIns="91440" tIns="45720" rIns="91440" bIns="45720" numCol="1" rtlCol="0" anchor="ctr" anchorCtr="0" compatLnSpc="1">
-            <a:prstTxWarp prst="textNoShape">
-              <a:avLst/>
-            </a:prstTxWarp>
-          </a:bodyPr>
-          <a:lstStyle/>
-          <a:p>
-            <a:pPr marL="0" marR="0" indent="0" algn="l" defTabSz="914400" rtl="0" eaLnBrk="0" fontAlgn="base" latinLnBrk="0" hangingPunct="0">
-              <a:lnSpc>
-                <a:spcPct val="100000"/>
-              </a:lnSpc>
-              <a:spcBef>
-                <a:spcPct val="0"/>
-              </a:spcBef>
-              <a:spcAft>
-                <a:spcPct val="0"/>
-              </a:spcAft>
-              <a:buClrTx/>
-              <a:buSzTx/>
-              <a:buFontTx/>
-              <a:buNone/>
-              <a:tabLst/>
-            </a:pPr>
-            <a:endParaRPr kumimoji="0" lang="ko-KR" altLang="en-US" sz="1800" b="0" i="0" u="none" strike="noStrike" cap="none" normalizeH="0" baseline="0">
-              <a:ln>
-                <a:noFill/>
-              </a:ln>
-              <a:solidFill>
-                <a:schemeClr val="tx1"/>
-              </a:solidFill>
-              <a:effectLst/>
-              <a:latin typeface="Arial" pitchFamily="34" charset="0"/>
-              <a:ea typeface="굴림" pitchFamily="50" charset="-127"/>
-            </a:endParaRPr>
-          </a:p>
-        </p:txBody>
-      </p:sp>
-      <p:cxnSp>
-        <p:nvCxnSpPr>
-          <p:cNvPr id="19" name="Connector: Elbow 18">
-            <a:extLst>
-              <a:ext uri="{FF2B5EF4-FFF2-40B4-BE49-F238E27FC236}">
-                <a16:creationId xmlns:a16="http://schemas.microsoft.com/office/drawing/2014/main" id="{C656285C-1B88-4D3A-8405-B42CF5448D2D}"/>
-              </a:ext>
-            </a:extLst>
-          </p:cNvPr>
-          <p:cNvCxnSpPr>
-            <a:cxnSpLocks/>
-            <a:stCxn id="17" idx="2"/>
-            <a:endCxn id="6" idx="2"/>
-          </p:cNvCxnSpPr>
-          <p:nvPr/>
-        </p:nvCxnSpPr>
-        <p:spPr bwMode="auto">
-          <a:xfrm rot="5400000" flipH="1">
-            <a:off x="3680619" y="2528093"/>
-            <a:ext cx="639762" cy="1447800"/>
-          </a:xfrm>
-          <a:prstGeom prst="bentConnector3">
-            <a:avLst>
-              <a:gd name="adj1" fmla="val -35732"/>
-            </a:avLst>
-          </a:prstGeom>
-          <a:solidFill>
-            <a:schemeClr val="accent1"/>
-          </a:solidFill>
-          <a:ln w="19050" cap="flat" cmpd="sng" algn="ctr">
-            <a:solidFill>
-              <a:schemeClr val="tx1"/>
-            </a:solidFill>
-            <a:prstDash val="solid"/>
-            <a:round/>
-            <a:headEnd type="none" w="lg" len="lg"/>
-            <a:tailEnd type="arrow"/>
-          </a:ln>
-          <a:effectLst/>
-        </p:spPr>
-      </p:cxnSp>
-      <p:cxnSp>
-        <p:nvCxnSpPr>
-          <p:cNvPr id="23" name="Connector: Elbow 22">
-            <a:extLst>
-              <a:ext uri="{FF2B5EF4-FFF2-40B4-BE49-F238E27FC236}">
-                <a16:creationId xmlns:a16="http://schemas.microsoft.com/office/drawing/2014/main" id="{8B6D513C-BF03-4104-A773-B566C905B039}"/>
-              </a:ext>
-            </a:extLst>
-          </p:cNvPr>
-          <p:cNvCxnSpPr>
-            <a:cxnSpLocks/>
-            <a:stCxn id="18" idx="2"/>
-            <a:endCxn id="8" idx="2"/>
-          </p:cNvCxnSpPr>
-          <p:nvPr/>
-        </p:nvCxnSpPr>
-        <p:spPr bwMode="auto">
-          <a:xfrm rot="5400000" flipH="1">
-            <a:off x="5865020" y="3195712"/>
-            <a:ext cx="729380" cy="1486620"/>
-          </a:xfrm>
-          <a:prstGeom prst="bentConnector3">
-            <a:avLst>
-              <a:gd name="adj1" fmla="val -31342"/>
-            </a:avLst>
-          </a:prstGeom>
-          <a:solidFill>
-            <a:schemeClr val="accent1"/>
-          </a:solidFill>
-          <a:ln w="19050" cap="flat" cmpd="sng" algn="ctr">
-            <a:solidFill>
-              <a:schemeClr val="tx1"/>
-            </a:solidFill>
-            <a:prstDash val="solid"/>
-            <a:round/>
-            <a:headEnd type="none" w="lg" len="lg"/>
-            <a:tailEnd type="arrow"/>
-          </a:ln>
-          <a:effectLst/>
-        </p:spPr>
-      </p:cxnSp>
-      <p:cxnSp>
-        <p:nvCxnSpPr>
-          <p:cNvPr id="32" name="Connector: Elbow 31">
-            <a:extLst>
-              <a:ext uri="{FF2B5EF4-FFF2-40B4-BE49-F238E27FC236}">
-                <a16:creationId xmlns:a16="http://schemas.microsoft.com/office/drawing/2014/main" id="{C5D0055F-90E2-488B-8253-63ACAD987768}"/>
-              </a:ext>
-            </a:extLst>
-          </p:cNvPr>
-          <p:cNvCxnSpPr>
-            <a:cxnSpLocks/>
-            <a:stCxn id="16" idx="2"/>
-            <a:endCxn id="10" idx="2"/>
-          </p:cNvCxnSpPr>
-          <p:nvPr/>
-        </p:nvCxnSpPr>
-        <p:spPr bwMode="auto">
-          <a:xfrm rot="16200000" flipH="1">
-            <a:off x="4431821" y="1014891"/>
-            <a:ext cx="1371600" cy="5206042"/>
-          </a:xfrm>
-          <a:prstGeom prst="bentConnector3">
-            <a:avLst>
-              <a:gd name="adj1" fmla="val 156919"/>
-            </a:avLst>
-          </a:prstGeom>
-          <a:solidFill>
-            <a:schemeClr val="accent1"/>
-          </a:solidFill>
-          <a:ln w="19050" cap="flat" cmpd="sng" algn="ctr">
-            <a:solidFill>
-              <a:schemeClr val="tx1"/>
-            </a:solidFill>
-            <a:prstDash val="solid"/>
-            <a:round/>
-            <a:headEnd type="none" w="lg" len="lg"/>
-            <a:tailEnd type="arrow"/>
-          </a:ln>
-          <a:effectLst/>
-        </p:spPr>
-      </p:cxnSp>
-      <p:cxnSp>
-        <p:nvCxnSpPr>
-          <p:cNvPr id="35" name="Connector: Elbow 34">
-            <a:extLst>
-              <a:ext uri="{FF2B5EF4-FFF2-40B4-BE49-F238E27FC236}">
-                <a16:creationId xmlns:a16="http://schemas.microsoft.com/office/drawing/2014/main" id="{46472F09-6C60-4725-9082-FC5C91F04093}"/>
-              </a:ext>
-            </a:extLst>
-          </p:cNvPr>
-          <p:cNvCxnSpPr>
-            <a:cxnSpLocks/>
-            <a:stCxn id="10" idx="3"/>
-            <a:endCxn id="16" idx="1"/>
-          </p:cNvCxnSpPr>
-          <p:nvPr/>
-        </p:nvCxnSpPr>
-        <p:spPr bwMode="auto">
-          <a:xfrm flipH="1" flipV="1">
-            <a:off x="2362200" y="2612231"/>
-            <a:ext cx="5510842" cy="1371600"/>
-          </a:xfrm>
-          <a:prstGeom prst="bentConnector5">
-            <a:avLst>
-              <a:gd name="adj1" fmla="val -4148"/>
-              <a:gd name="adj2" fmla="val 149371"/>
-              <a:gd name="adj3" fmla="val 104148"/>
-            </a:avLst>
-          </a:prstGeom>
-          <a:solidFill>
-            <a:schemeClr val="accent1"/>
-          </a:solidFill>
-          <a:ln w="19050" cap="flat" cmpd="sng" algn="ctr">
-            <a:solidFill>
-              <a:schemeClr val="tx1"/>
-            </a:solidFill>
-            <a:prstDash val="solid"/>
-            <a:round/>
-            <a:headEnd type="none" w="lg" len="lg"/>
-            <a:tailEnd type="arrow"/>
-          </a:ln>
-          <a:effectLst/>
-        </p:spPr>
-      </p:cxnSp>
-    </p:spTree>
-    <p:extLst>
-      <p:ext uri="{BB962C8B-B14F-4D97-AF65-F5344CB8AC3E}">
-        <p14:creationId xmlns:p14="http://schemas.microsoft.com/office/powerpoint/2010/main" val="3567052995"/>
       </p:ext>
     </p:extLst>
   </p:cSld>
